--- a/src/main/resources/SDT-Hystrix - V2.0.pptx
+++ b/src/main/resources/SDT-Hystrix - V2.0.pptx
@@ -1292,531 +1292,6 @@
       <dsp:cNvGrpSpPr/>
     </dsp:nvGrpSpPr>
     <dsp:grpSpPr/>
-    <dsp:sp modelId="{9983FF54-C505-4E69-882B-E85D51B6CF09}">
-      <dsp:nvSpPr>
-        <dsp:cNvPr id="0" name=""/>
-        <dsp:cNvSpPr/>
-      </dsp:nvSpPr>
-      <dsp:spPr>
-        <a:xfrm>
-          <a:off x="2402428" y="2269"/>
-          <a:ext cx="1519743" cy="844301"/>
-        </a:xfrm>
-        <a:prstGeom prst="roundRect">
-          <a:avLst>
-            <a:gd name="adj" fmla="val 10000"/>
-          </a:avLst>
-        </a:prstGeom>
-        <a:solidFill>
-          <a:schemeClr val="accent4">
-            <a:hueOff val="0"/>
-            <a:satOff val="0"/>
-            <a:lumOff val="0"/>
-            <a:alphaOff val="0"/>
-          </a:schemeClr>
-        </a:solidFill>
-        <a:ln>
-          <a:noFill/>
-        </a:ln>
-        <a:effectLst/>
-        <a:sp3d extrusionH="381000" contourW="38100" prstMaterial="matte">
-          <a:contourClr>
-            <a:schemeClr val="lt1"/>
-          </a:contourClr>
-        </a:sp3d>
-      </dsp:spPr>
-      <dsp:style>
-        <a:lnRef idx="0">
-          <a:scrgbClr r="0" g="0" b="0"/>
-        </a:lnRef>
-        <a:fillRef idx="1">
-          <a:scrgbClr r="0" g="0" b="0"/>
-        </a:fillRef>
-        <a:effectRef idx="0">
-          <a:scrgbClr r="0" g="0" b="0"/>
-        </a:effectRef>
-        <a:fontRef idx="minor">
-          <a:schemeClr val="lt1"/>
-        </a:fontRef>
-      </dsp:style>
-      <dsp:txBody>
-        <a:bodyPr spcFirstLastPara="0" vert="horz" wrap="square" lIns="80010" tIns="80010" rIns="80010" bIns="80010" numCol="1" spcCol="1270" anchor="ctr" anchorCtr="0">
-          <a:noAutofit/>
-        </a:bodyPr>
-        <a:lstStyle/>
-        <a:p>
-          <a:pPr lvl="0" algn="ctr" defTabSz="933450">
-            <a:lnSpc>
-              <a:spcPct val="90000"/>
-            </a:lnSpc>
-            <a:spcBef>
-              <a:spcPct val="0"/>
-            </a:spcBef>
-            <a:spcAft>
-              <a:spcPct val="35000"/>
-            </a:spcAft>
-          </a:pPr>
-          <a:r>
-            <a:rPr lang="en-US" sz="2100" kern="1200" dirty="0" smtClean="0"/>
-            <a:t>Production</a:t>
-          </a:r>
-          <a:endParaRPr lang="en-US" sz="2100" kern="1200" dirty="0"/>
-        </a:p>
-      </dsp:txBody>
-      <dsp:txXfrm>
-        <a:off x="2427157" y="26998"/>
-        <a:ext cx="1470285" cy="794843"/>
-      </dsp:txXfrm>
-    </dsp:sp>
-    <dsp:sp modelId="{3EF57902-9D1E-49EB-B727-FB097BE74036}">
-      <dsp:nvSpPr>
-        <dsp:cNvPr id="0" name=""/>
-        <dsp:cNvSpPr/>
-      </dsp:nvSpPr>
-      <dsp:spPr>
-        <a:xfrm rot="5400000">
-          <a:off x="3003993" y="867679"/>
-          <a:ext cx="316613" cy="379935"/>
-        </a:xfrm>
-        <a:prstGeom prst="rightArrow">
-          <a:avLst>
-            <a:gd name="adj1" fmla="val 60000"/>
-            <a:gd name="adj2" fmla="val 50000"/>
-          </a:avLst>
-        </a:prstGeom>
-        <a:solidFill>
-          <a:schemeClr val="accent4">
-            <a:tint val="60000"/>
-            <a:hueOff val="0"/>
-            <a:satOff val="0"/>
-            <a:lumOff val="0"/>
-            <a:alphaOff val="0"/>
-          </a:schemeClr>
-        </a:solidFill>
-        <a:ln>
-          <a:noFill/>
-        </a:ln>
-        <a:effectLst/>
-        <a:sp3d z="-52400" extrusionH="181000" contourW="38100" prstMaterial="matte">
-          <a:contourClr>
-            <a:schemeClr val="lt1"/>
-          </a:contourClr>
-        </a:sp3d>
-      </dsp:spPr>
-      <dsp:style>
-        <a:lnRef idx="0">
-          <a:scrgbClr r="0" g="0" b="0"/>
-        </a:lnRef>
-        <a:fillRef idx="1">
-          <a:scrgbClr r="0" g="0" b="0"/>
-        </a:fillRef>
-        <a:effectRef idx="0">
-          <a:scrgbClr r="0" g="0" b="0"/>
-        </a:effectRef>
-        <a:fontRef idx="minor">
-          <a:schemeClr val="lt1"/>
-        </a:fontRef>
-      </dsp:style>
-      <dsp:txBody>
-        <a:bodyPr spcFirstLastPara="0" vert="horz" wrap="square" lIns="0" tIns="0" rIns="0" bIns="0" numCol="1" spcCol="1270" anchor="ctr" anchorCtr="0">
-          <a:noAutofit/>
-        </a:bodyPr>
-        <a:lstStyle/>
-        <a:p>
-          <a:pPr lvl="0" algn="ctr" defTabSz="711200">
-            <a:lnSpc>
-              <a:spcPct val="90000"/>
-            </a:lnSpc>
-            <a:spcBef>
-              <a:spcPct val="0"/>
-            </a:spcBef>
-            <a:spcAft>
-              <a:spcPct val="35000"/>
-            </a:spcAft>
-          </a:pPr>
-          <a:endParaRPr lang="en-US" sz="1600" kern="1200"/>
-        </a:p>
-      </dsp:txBody>
-      <dsp:txXfrm rot="-5400000">
-        <a:off x="3048319" y="899340"/>
-        <a:ext cx="227961" cy="221629"/>
-      </dsp:txXfrm>
-    </dsp:sp>
-    <dsp:sp modelId="{E02C2567-6664-452E-91C5-9E2CA3217BCC}">
-      <dsp:nvSpPr>
-        <dsp:cNvPr id="0" name=""/>
-        <dsp:cNvSpPr/>
-      </dsp:nvSpPr>
-      <dsp:spPr>
-        <a:xfrm>
-          <a:off x="2402428" y="1268722"/>
-          <a:ext cx="1519743" cy="844301"/>
-        </a:xfrm>
-        <a:prstGeom prst="roundRect">
-          <a:avLst>
-            <a:gd name="adj" fmla="val 10000"/>
-          </a:avLst>
-        </a:prstGeom>
-        <a:solidFill>
-          <a:schemeClr val="accent4">
-            <a:hueOff val="0"/>
-            <a:satOff val="0"/>
-            <a:lumOff val="0"/>
-            <a:alphaOff val="0"/>
-          </a:schemeClr>
-        </a:solidFill>
-        <a:ln>
-          <a:noFill/>
-        </a:ln>
-        <a:effectLst/>
-        <a:sp3d extrusionH="381000" contourW="38100" prstMaterial="matte">
-          <a:contourClr>
-            <a:schemeClr val="lt1"/>
-          </a:contourClr>
-        </a:sp3d>
-      </dsp:spPr>
-      <dsp:style>
-        <a:lnRef idx="0">
-          <a:scrgbClr r="0" g="0" b="0"/>
-        </a:lnRef>
-        <a:fillRef idx="1">
-          <a:scrgbClr r="0" g="0" b="0"/>
-        </a:fillRef>
-        <a:effectRef idx="0">
-          <a:scrgbClr r="0" g="0" b="0"/>
-        </a:effectRef>
-        <a:fontRef idx="minor">
-          <a:schemeClr val="lt1"/>
-        </a:fontRef>
-      </dsp:style>
-      <dsp:txBody>
-        <a:bodyPr spcFirstLastPara="0" vert="horz" wrap="square" lIns="80010" tIns="80010" rIns="80010" bIns="80010" numCol="1" spcCol="1270" anchor="ctr" anchorCtr="0">
-          <a:noAutofit/>
-        </a:bodyPr>
-        <a:lstStyle/>
-        <a:p>
-          <a:pPr lvl="0" algn="ctr" defTabSz="933450">
-            <a:lnSpc>
-              <a:spcPct val="90000"/>
-            </a:lnSpc>
-            <a:spcBef>
-              <a:spcPct val="0"/>
-            </a:spcBef>
-            <a:spcAft>
-              <a:spcPct val="35000"/>
-            </a:spcAft>
-          </a:pPr>
-          <a:r>
-            <a:rPr lang="en-US" sz="2100" kern="1200" dirty="0" smtClean="0"/>
-            <a:t>Availability</a:t>
-          </a:r>
-          <a:endParaRPr lang="en-US" sz="2100" kern="1200" dirty="0"/>
-        </a:p>
-      </dsp:txBody>
-      <dsp:txXfrm>
-        <a:off x="2427157" y="1293451"/>
-        <a:ext cx="1470285" cy="794843"/>
-      </dsp:txXfrm>
-    </dsp:sp>
-    <dsp:sp modelId="{EBA7C060-D75B-4028-8AE6-E14D2C044A38}">
-      <dsp:nvSpPr>
-        <dsp:cNvPr id="0" name=""/>
-        <dsp:cNvSpPr/>
-      </dsp:nvSpPr>
-      <dsp:spPr>
-        <a:xfrm rot="5400000">
-          <a:off x="3003993" y="2134132"/>
-          <a:ext cx="316613" cy="379935"/>
-        </a:xfrm>
-        <a:prstGeom prst="rightArrow">
-          <a:avLst>
-            <a:gd name="adj1" fmla="val 60000"/>
-            <a:gd name="adj2" fmla="val 50000"/>
-          </a:avLst>
-        </a:prstGeom>
-        <a:solidFill>
-          <a:schemeClr val="accent4">
-            <a:tint val="60000"/>
-            <a:hueOff val="0"/>
-            <a:satOff val="0"/>
-            <a:lumOff val="0"/>
-            <a:alphaOff val="0"/>
-          </a:schemeClr>
-        </a:solidFill>
-        <a:ln>
-          <a:noFill/>
-        </a:ln>
-        <a:effectLst/>
-        <a:sp3d z="-52400" extrusionH="181000" contourW="38100" prstMaterial="matte">
-          <a:contourClr>
-            <a:schemeClr val="lt1"/>
-          </a:contourClr>
-        </a:sp3d>
-      </dsp:spPr>
-      <dsp:style>
-        <a:lnRef idx="0">
-          <a:scrgbClr r="0" g="0" b="0"/>
-        </a:lnRef>
-        <a:fillRef idx="1">
-          <a:scrgbClr r="0" g="0" b="0"/>
-        </a:fillRef>
-        <a:effectRef idx="0">
-          <a:scrgbClr r="0" g="0" b="0"/>
-        </a:effectRef>
-        <a:fontRef idx="minor">
-          <a:schemeClr val="lt1"/>
-        </a:fontRef>
-      </dsp:style>
-      <dsp:txBody>
-        <a:bodyPr spcFirstLastPara="0" vert="horz" wrap="square" lIns="0" tIns="0" rIns="0" bIns="0" numCol="1" spcCol="1270" anchor="ctr" anchorCtr="0">
-          <a:noAutofit/>
-        </a:bodyPr>
-        <a:lstStyle/>
-        <a:p>
-          <a:pPr lvl="0" algn="ctr" defTabSz="711200">
-            <a:lnSpc>
-              <a:spcPct val="90000"/>
-            </a:lnSpc>
-            <a:spcBef>
-              <a:spcPct val="0"/>
-            </a:spcBef>
-            <a:spcAft>
-              <a:spcPct val="35000"/>
-            </a:spcAft>
-          </a:pPr>
-          <a:endParaRPr lang="en-US" sz="1600" kern="1200"/>
-        </a:p>
-      </dsp:txBody>
-      <dsp:txXfrm rot="-5400000">
-        <a:off x="3048319" y="2165793"/>
-        <a:ext cx="227961" cy="221629"/>
-      </dsp:txXfrm>
-    </dsp:sp>
-    <dsp:sp modelId="{0BEEA205-69CD-4EF3-BA65-758956CD10D8}">
-      <dsp:nvSpPr>
-        <dsp:cNvPr id="0" name=""/>
-        <dsp:cNvSpPr/>
-      </dsp:nvSpPr>
-      <dsp:spPr>
-        <a:xfrm>
-          <a:off x="2402428" y="2535175"/>
-          <a:ext cx="1519743" cy="844301"/>
-        </a:xfrm>
-        <a:prstGeom prst="roundRect">
-          <a:avLst>
-            <a:gd name="adj" fmla="val 10000"/>
-          </a:avLst>
-        </a:prstGeom>
-        <a:solidFill>
-          <a:schemeClr val="accent4">
-            <a:hueOff val="0"/>
-            <a:satOff val="0"/>
-            <a:lumOff val="0"/>
-            <a:alphaOff val="0"/>
-          </a:schemeClr>
-        </a:solidFill>
-        <a:ln>
-          <a:noFill/>
-        </a:ln>
-        <a:effectLst/>
-        <a:sp3d extrusionH="381000" contourW="38100" prstMaterial="matte">
-          <a:contourClr>
-            <a:schemeClr val="lt1"/>
-          </a:contourClr>
-        </a:sp3d>
-      </dsp:spPr>
-      <dsp:style>
-        <a:lnRef idx="0">
-          <a:scrgbClr r="0" g="0" b="0"/>
-        </a:lnRef>
-        <a:fillRef idx="1">
-          <a:scrgbClr r="0" g="0" b="0"/>
-        </a:fillRef>
-        <a:effectRef idx="0">
-          <a:scrgbClr r="0" g="0" b="0"/>
-        </a:effectRef>
-        <a:fontRef idx="minor">
-          <a:schemeClr val="lt1"/>
-        </a:fontRef>
-      </dsp:style>
-      <dsp:txBody>
-        <a:bodyPr spcFirstLastPara="0" vert="horz" wrap="square" lIns="80010" tIns="80010" rIns="80010" bIns="80010" numCol="1" spcCol="1270" anchor="ctr" anchorCtr="0">
-          <a:noAutofit/>
-        </a:bodyPr>
-        <a:lstStyle/>
-        <a:p>
-          <a:pPr lvl="0" algn="ctr" defTabSz="933450">
-            <a:lnSpc>
-              <a:spcPct val="90000"/>
-            </a:lnSpc>
-            <a:spcBef>
-              <a:spcPct val="0"/>
-            </a:spcBef>
-            <a:spcAft>
-              <a:spcPct val="35000"/>
-            </a:spcAft>
-          </a:pPr>
-          <a:r>
-            <a:rPr lang="en-US" sz="2100" kern="1200" dirty="0" smtClean="0"/>
-            <a:t>Resilience</a:t>
-          </a:r>
-          <a:endParaRPr lang="en-US" sz="2100" kern="1200" dirty="0"/>
-        </a:p>
-      </dsp:txBody>
-      <dsp:txXfrm>
-        <a:off x="2427157" y="2559904"/>
-        <a:ext cx="1470285" cy="794843"/>
-      </dsp:txXfrm>
-    </dsp:sp>
-    <dsp:sp modelId="{72B8BB69-BECD-4B65-B4E8-9439BDF8E425}">
-      <dsp:nvSpPr>
-        <dsp:cNvPr id="0" name=""/>
-        <dsp:cNvSpPr/>
-      </dsp:nvSpPr>
-      <dsp:spPr>
-        <a:xfrm rot="5400000">
-          <a:off x="3003993" y="3400584"/>
-          <a:ext cx="316613" cy="379935"/>
-        </a:xfrm>
-        <a:prstGeom prst="rightArrow">
-          <a:avLst>
-            <a:gd name="adj1" fmla="val 60000"/>
-            <a:gd name="adj2" fmla="val 50000"/>
-          </a:avLst>
-        </a:prstGeom>
-        <a:solidFill>
-          <a:schemeClr val="accent4">
-            <a:tint val="60000"/>
-            <a:hueOff val="0"/>
-            <a:satOff val="0"/>
-            <a:lumOff val="0"/>
-            <a:alphaOff val="0"/>
-          </a:schemeClr>
-        </a:solidFill>
-        <a:ln>
-          <a:noFill/>
-        </a:ln>
-        <a:effectLst/>
-        <a:sp3d z="-52400" extrusionH="181000" contourW="38100" prstMaterial="matte">
-          <a:contourClr>
-            <a:schemeClr val="lt1"/>
-          </a:contourClr>
-        </a:sp3d>
-      </dsp:spPr>
-      <dsp:style>
-        <a:lnRef idx="0">
-          <a:scrgbClr r="0" g="0" b="0"/>
-        </a:lnRef>
-        <a:fillRef idx="1">
-          <a:scrgbClr r="0" g="0" b="0"/>
-        </a:fillRef>
-        <a:effectRef idx="0">
-          <a:scrgbClr r="0" g="0" b="0"/>
-        </a:effectRef>
-        <a:fontRef idx="minor">
-          <a:schemeClr val="lt1"/>
-        </a:fontRef>
-      </dsp:style>
-      <dsp:txBody>
-        <a:bodyPr spcFirstLastPara="0" vert="horz" wrap="square" lIns="0" tIns="0" rIns="0" bIns="0" numCol="1" spcCol="1270" anchor="ctr" anchorCtr="0">
-          <a:noAutofit/>
-        </a:bodyPr>
-        <a:lstStyle/>
-        <a:p>
-          <a:pPr lvl="0" algn="ctr" defTabSz="711200">
-            <a:lnSpc>
-              <a:spcPct val="90000"/>
-            </a:lnSpc>
-            <a:spcBef>
-              <a:spcPct val="0"/>
-            </a:spcBef>
-            <a:spcAft>
-              <a:spcPct val="35000"/>
-            </a:spcAft>
-          </a:pPr>
-          <a:endParaRPr lang="en-US" sz="1600" kern="1200"/>
-        </a:p>
-      </dsp:txBody>
-      <dsp:txXfrm rot="-5400000">
-        <a:off x="3048319" y="3432245"/>
-        <a:ext cx="227961" cy="221629"/>
-      </dsp:txXfrm>
-    </dsp:sp>
-    <dsp:sp modelId="{9A158B62-3D63-4C69-8366-A17582929954}">
-      <dsp:nvSpPr>
-        <dsp:cNvPr id="0" name=""/>
-        <dsp:cNvSpPr/>
-      </dsp:nvSpPr>
-      <dsp:spPr>
-        <a:xfrm>
-          <a:off x="2402428" y="3801628"/>
-          <a:ext cx="1519743" cy="844301"/>
-        </a:xfrm>
-        <a:prstGeom prst="roundRect">
-          <a:avLst>
-            <a:gd name="adj" fmla="val 10000"/>
-          </a:avLst>
-        </a:prstGeom>
-        <a:solidFill>
-          <a:schemeClr val="accent4">
-            <a:hueOff val="0"/>
-            <a:satOff val="0"/>
-            <a:lumOff val="0"/>
-            <a:alphaOff val="0"/>
-          </a:schemeClr>
-        </a:solidFill>
-        <a:ln>
-          <a:noFill/>
-        </a:ln>
-        <a:effectLst/>
-        <a:sp3d extrusionH="381000" contourW="38100" prstMaterial="matte">
-          <a:contourClr>
-            <a:schemeClr val="lt1"/>
-          </a:contourClr>
-        </a:sp3d>
-      </dsp:spPr>
-      <dsp:style>
-        <a:lnRef idx="0">
-          <a:scrgbClr r="0" g="0" b="0"/>
-        </a:lnRef>
-        <a:fillRef idx="1">
-          <a:scrgbClr r="0" g="0" b="0"/>
-        </a:fillRef>
-        <a:effectRef idx="0">
-          <a:scrgbClr r="0" g="0" b="0"/>
-        </a:effectRef>
-        <a:fontRef idx="minor">
-          <a:schemeClr val="lt1"/>
-        </a:fontRef>
-      </dsp:style>
-      <dsp:txBody>
-        <a:bodyPr spcFirstLastPara="0" vert="horz" wrap="square" lIns="80010" tIns="80010" rIns="80010" bIns="80010" numCol="1" spcCol="1270" anchor="ctr" anchorCtr="0">
-          <a:noAutofit/>
-        </a:bodyPr>
-        <a:lstStyle/>
-        <a:p>
-          <a:pPr lvl="0" algn="ctr" defTabSz="933450">
-            <a:lnSpc>
-              <a:spcPct val="90000"/>
-            </a:lnSpc>
-            <a:spcBef>
-              <a:spcPct val="0"/>
-            </a:spcBef>
-            <a:spcAft>
-              <a:spcPct val="35000"/>
-            </a:spcAft>
-          </a:pPr>
-          <a:r>
-            <a:rPr lang="en-US" sz="2100" kern="1200" dirty="0" smtClean="0"/>
-            <a:t>Fault Tolerance</a:t>
-          </a:r>
-        </a:p>
-      </dsp:txBody>
-      <dsp:txXfrm>
-        <a:off x="2427157" y="3826357"/>
-        <a:ext cx="1470285" cy="794843"/>
-      </dsp:txXfrm>
-    </dsp:sp>
   </dsp:spTree>
 </dsp:drawing>
 </file>
@@ -12546,6 +12021,30 @@
             <a:endParaRPr lang="en-US" dirty="0" smtClean="0"/>
           </a:p>
           <a:p>
+            <a:r>
+              <a:rPr lang="en-US">
+                <a:hlinkClick r:id="rId7"/>
+              </a:rPr>
+              <a:t>https://medium.com</a:t>
+            </a:r>
+            <a:r>
+              <a:rPr lang="en-US">
+                <a:hlinkClick r:id="rId7"/>
+              </a:rPr>
+              <a:t>/@</a:t>
+            </a:r>
+            <a:r>
+              <a:rPr lang="en-US" smtClean="0">
+                <a:hlinkClick r:id="rId7"/>
+              </a:rPr>
+              <a:t>aksudupa11/getting-started-with-hystrix-e454158f2867</a:t>
+            </a:r>
+            <a:endParaRPr lang="en-US" smtClean="0"/>
+          </a:p>
+          <a:p>
+            <a:endParaRPr lang="en-US" dirty="0" smtClean="0"/>
+          </a:p>
+          <a:p>
             <a:endParaRPr lang="en-US" dirty="0" smtClean="0"/>
           </a:p>
           <a:p>
@@ -12600,7 +12099,7 @@
           <p:nvPr/>
         </p:nvPicPr>
         <p:blipFill>
-          <a:blip r:embed="rId7">
+          <a:blip r:embed="rId8">
             <a:extLst>
               <a:ext uri="{28A0092B-C50C-407E-A947-70E740481C1C}">
                 <a14:useLocalDpi xmlns:a14="http://schemas.microsoft.com/office/drawing/2010/main" val="0"/>

--- a/src/main/resources/SDT-Hystrix - V2.0.pptx
+++ b/src/main/resources/SDT-Hystrix - V2.0.pptx
@@ -1292,6 +1292,531 @@
       <dsp:cNvGrpSpPr/>
     </dsp:nvGrpSpPr>
     <dsp:grpSpPr/>
+    <dsp:sp modelId="{9983FF54-C505-4E69-882B-E85D51B6CF09}">
+      <dsp:nvSpPr>
+        <dsp:cNvPr id="0" name=""/>
+        <dsp:cNvSpPr/>
+      </dsp:nvSpPr>
+      <dsp:spPr>
+        <a:xfrm>
+          <a:off x="2402428" y="2269"/>
+          <a:ext cx="1519743" cy="844301"/>
+        </a:xfrm>
+        <a:prstGeom prst="roundRect">
+          <a:avLst>
+            <a:gd name="adj" fmla="val 10000"/>
+          </a:avLst>
+        </a:prstGeom>
+        <a:solidFill>
+          <a:schemeClr val="accent4">
+            <a:hueOff val="0"/>
+            <a:satOff val="0"/>
+            <a:lumOff val="0"/>
+            <a:alphaOff val="0"/>
+          </a:schemeClr>
+        </a:solidFill>
+        <a:ln>
+          <a:noFill/>
+        </a:ln>
+        <a:effectLst/>
+        <a:sp3d extrusionH="381000" contourW="38100" prstMaterial="matte">
+          <a:contourClr>
+            <a:schemeClr val="lt1"/>
+          </a:contourClr>
+        </a:sp3d>
+      </dsp:spPr>
+      <dsp:style>
+        <a:lnRef idx="0">
+          <a:scrgbClr r="0" g="0" b="0"/>
+        </a:lnRef>
+        <a:fillRef idx="1">
+          <a:scrgbClr r="0" g="0" b="0"/>
+        </a:fillRef>
+        <a:effectRef idx="0">
+          <a:scrgbClr r="0" g="0" b="0"/>
+        </a:effectRef>
+        <a:fontRef idx="minor">
+          <a:schemeClr val="lt1"/>
+        </a:fontRef>
+      </dsp:style>
+      <dsp:txBody>
+        <a:bodyPr spcFirstLastPara="0" vert="horz" wrap="square" lIns="80010" tIns="80010" rIns="80010" bIns="80010" numCol="1" spcCol="1270" anchor="ctr" anchorCtr="0">
+          <a:noAutofit/>
+        </a:bodyPr>
+        <a:lstStyle/>
+        <a:p>
+          <a:pPr lvl="0" algn="ctr" defTabSz="933450">
+            <a:lnSpc>
+              <a:spcPct val="90000"/>
+            </a:lnSpc>
+            <a:spcBef>
+              <a:spcPct val="0"/>
+            </a:spcBef>
+            <a:spcAft>
+              <a:spcPct val="35000"/>
+            </a:spcAft>
+          </a:pPr>
+          <a:r>
+            <a:rPr lang="en-US" sz="2100" kern="1200" dirty="0" smtClean="0"/>
+            <a:t>Production</a:t>
+          </a:r>
+          <a:endParaRPr lang="en-US" sz="2100" kern="1200" dirty="0"/>
+        </a:p>
+      </dsp:txBody>
+      <dsp:txXfrm>
+        <a:off x="2427157" y="26998"/>
+        <a:ext cx="1470285" cy="794843"/>
+      </dsp:txXfrm>
+    </dsp:sp>
+    <dsp:sp modelId="{3EF57902-9D1E-49EB-B727-FB097BE74036}">
+      <dsp:nvSpPr>
+        <dsp:cNvPr id="0" name=""/>
+        <dsp:cNvSpPr/>
+      </dsp:nvSpPr>
+      <dsp:spPr>
+        <a:xfrm rot="5400000">
+          <a:off x="3003993" y="867679"/>
+          <a:ext cx="316613" cy="379935"/>
+        </a:xfrm>
+        <a:prstGeom prst="rightArrow">
+          <a:avLst>
+            <a:gd name="adj1" fmla="val 60000"/>
+            <a:gd name="adj2" fmla="val 50000"/>
+          </a:avLst>
+        </a:prstGeom>
+        <a:solidFill>
+          <a:schemeClr val="accent4">
+            <a:tint val="60000"/>
+            <a:hueOff val="0"/>
+            <a:satOff val="0"/>
+            <a:lumOff val="0"/>
+            <a:alphaOff val="0"/>
+          </a:schemeClr>
+        </a:solidFill>
+        <a:ln>
+          <a:noFill/>
+        </a:ln>
+        <a:effectLst/>
+        <a:sp3d z="-52400" extrusionH="181000" contourW="38100" prstMaterial="matte">
+          <a:contourClr>
+            <a:schemeClr val="lt1"/>
+          </a:contourClr>
+        </a:sp3d>
+      </dsp:spPr>
+      <dsp:style>
+        <a:lnRef idx="0">
+          <a:scrgbClr r="0" g="0" b="0"/>
+        </a:lnRef>
+        <a:fillRef idx="1">
+          <a:scrgbClr r="0" g="0" b="0"/>
+        </a:fillRef>
+        <a:effectRef idx="0">
+          <a:scrgbClr r="0" g="0" b="0"/>
+        </a:effectRef>
+        <a:fontRef idx="minor">
+          <a:schemeClr val="lt1"/>
+        </a:fontRef>
+      </dsp:style>
+      <dsp:txBody>
+        <a:bodyPr spcFirstLastPara="0" vert="horz" wrap="square" lIns="0" tIns="0" rIns="0" bIns="0" numCol="1" spcCol="1270" anchor="ctr" anchorCtr="0">
+          <a:noAutofit/>
+        </a:bodyPr>
+        <a:lstStyle/>
+        <a:p>
+          <a:pPr lvl="0" algn="ctr" defTabSz="711200">
+            <a:lnSpc>
+              <a:spcPct val="90000"/>
+            </a:lnSpc>
+            <a:spcBef>
+              <a:spcPct val="0"/>
+            </a:spcBef>
+            <a:spcAft>
+              <a:spcPct val="35000"/>
+            </a:spcAft>
+          </a:pPr>
+          <a:endParaRPr lang="en-US" sz="1600" kern="1200"/>
+        </a:p>
+      </dsp:txBody>
+      <dsp:txXfrm rot="-5400000">
+        <a:off x="3048319" y="899340"/>
+        <a:ext cx="227961" cy="221629"/>
+      </dsp:txXfrm>
+    </dsp:sp>
+    <dsp:sp modelId="{E02C2567-6664-452E-91C5-9E2CA3217BCC}">
+      <dsp:nvSpPr>
+        <dsp:cNvPr id="0" name=""/>
+        <dsp:cNvSpPr/>
+      </dsp:nvSpPr>
+      <dsp:spPr>
+        <a:xfrm>
+          <a:off x="2402428" y="1268722"/>
+          <a:ext cx="1519743" cy="844301"/>
+        </a:xfrm>
+        <a:prstGeom prst="roundRect">
+          <a:avLst>
+            <a:gd name="adj" fmla="val 10000"/>
+          </a:avLst>
+        </a:prstGeom>
+        <a:solidFill>
+          <a:schemeClr val="accent4">
+            <a:hueOff val="0"/>
+            <a:satOff val="0"/>
+            <a:lumOff val="0"/>
+            <a:alphaOff val="0"/>
+          </a:schemeClr>
+        </a:solidFill>
+        <a:ln>
+          <a:noFill/>
+        </a:ln>
+        <a:effectLst/>
+        <a:sp3d extrusionH="381000" contourW="38100" prstMaterial="matte">
+          <a:contourClr>
+            <a:schemeClr val="lt1"/>
+          </a:contourClr>
+        </a:sp3d>
+      </dsp:spPr>
+      <dsp:style>
+        <a:lnRef idx="0">
+          <a:scrgbClr r="0" g="0" b="0"/>
+        </a:lnRef>
+        <a:fillRef idx="1">
+          <a:scrgbClr r="0" g="0" b="0"/>
+        </a:fillRef>
+        <a:effectRef idx="0">
+          <a:scrgbClr r="0" g="0" b="0"/>
+        </a:effectRef>
+        <a:fontRef idx="minor">
+          <a:schemeClr val="lt1"/>
+        </a:fontRef>
+      </dsp:style>
+      <dsp:txBody>
+        <a:bodyPr spcFirstLastPara="0" vert="horz" wrap="square" lIns="80010" tIns="80010" rIns="80010" bIns="80010" numCol="1" spcCol="1270" anchor="ctr" anchorCtr="0">
+          <a:noAutofit/>
+        </a:bodyPr>
+        <a:lstStyle/>
+        <a:p>
+          <a:pPr lvl="0" algn="ctr" defTabSz="933450">
+            <a:lnSpc>
+              <a:spcPct val="90000"/>
+            </a:lnSpc>
+            <a:spcBef>
+              <a:spcPct val="0"/>
+            </a:spcBef>
+            <a:spcAft>
+              <a:spcPct val="35000"/>
+            </a:spcAft>
+          </a:pPr>
+          <a:r>
+            <a:rPr lang="en-US" sz="2100" kern="1200" dirty="0" smtClean="0"/>
+            <a:t>Availability</a:t>
+          </a:r>
+          <a:endParaRPr lang="en-US" sz="2100" kern="1200" dirty="0"/>
+        </a:p>
+      </dsp:txBody>
+      <dsp:txXfrm>
+        <a:off x="2427157" y="1293451"/>
+        <a:ext cx="1470285" cy="794843"/>
+      </dsp:txXfrm>
+    </dsp:sp>
+    <dsp:sp modelId="{EBA7C060-D75B-4028-8AE6-E14D2C044A38}">
+      <dsp:nvSpPr>
+        <dsp:cNvPr id="0" name=""/>
+        <dsp:cNvSpPr/>
+      </dsp:nvSpPr>
+      <dsp:spPr>
+        <a:xfrm rot="5400000">
+          <a:off x="3003993" y="2134132"/>
+          <a:ext cx="316613" cy="379935"/>
+        </a:xfrm>
+        <a:prstGeom prst="rightArrow">
+          <a:avLst>
+            <a:gd name="adj1" fmla="val 60000"/>
+            <a:gd name="adj2" fmla="val 50000"/>
+          </a:avLst>
+        </a:prstGeom>
+        <a:solidFill>
+          <a:schemeClr val="accent4">
+            <a:tint val="60000"/>
+            <a:hueOff val="0"/>
+            <a:satOff val="0"/>
+            <a:lumOff val="0"/>
+            <a:alphaOff val="0"/>
+          </a:schemeClr>
+        </a:solidFill>
+        <a:ln>
+          <a:noFill/>
+        </a:ln>
+        <a:effectLst/>
+        <a:sp3d z="-52400" extrusionH="181000" contourW="38100" prstMaterial="matte">
+          <a:contourClr>
+            <a:schemeClr val="lt1"/>
+          </a:contourClr>
+        </a:sp3d>
+      </dsp:spPr>
+      <dsp:style>
+        <a:lnRef idx="0">
+          <a:scrgbClr r="0" g="0" b="0"/>
+        </a:lnRef>
+        <a:fillRef idx="1">
+          <a:scrgbClr r="0" g="0" b="0"/>
+        </a:fillRef>
+        <a:effectRef idx="0">
+          <a:scrgbClr r="0" g="0" b="0"/>
+        </a:effectRef>
+        <a:fontRef idx="minor">
+          <a:schemeClr val="lt1"/>
+        </a:fontRef>
+      </dsp:style>
+      <dsp:txBody>
+        <a:bodyPr spcFirstLastPara="0" vert="horz" wrap="square" lIns="0" tIns="0" rIns="0" bIns="0" numCol="1" spcCol="1270" anchor="ctr" anchorCtr="0">
+          <a:noAutofit/>
+        </a:bodyPr>
+        <a:lstStyle/>
+        <a:p>
+          <a:pPr lvl="0" algn="ctr" defTabSz="711200">
+            <a:lnSpc>
+              <a:spcPct val="90000"/>
+            </a:lnSpc>
+            <a:spcBef>
+              <a:spcPct val="0"/>
+            </a:spcBef>
+            <a:spcAft>
+              <a:spcPct val="35000"/>
+            </a:spcAft>
+          </a:pPr>
+          <a:endParaRPr lang="en-US" sz="1600" kern="1200"/>
+        </a:p>
+      </dsp:txBody>
+      <dsp:txXfrm rot="-5400000">
+        <a:off x="3048319" y="2165793"/>
+        <a:ext cx="227961" cy="221629"/>
+      </dsp:txXfrm>
+    </dsp:sp>
+    <dsp:sp modelId="{0BEEA205-69CD-4EF3-BA65-758956CD10D8}">
+      <dsp:nvSpPr>
+        <dsp:cNvPr id="0" name=""/>
+        <dsp:cNvSpPr/>
+      </dsp:nvSpPr>
+      <dsp:spPr>
+        <a:xfrm>
+          <a:off x="2402428" y="2535175"/>
+          <a:ext cx="1519743" cy="844301"/>
+        </a:xfrm>
+        <a:prstGeom prst="roundRect">
+          <a:avLst>
+            <a:gd name="adj" fmla="val 10000"/>
+          </a:avLst>
+        </a:prstGeom>
+        <a:solidFill>
+          <a:schemeClr val="accent4">
+            <a:hueOff val="0"/>
+            <a:satOff val="0"/>
+            <a:lumOff val="0"/>
+            <a:alphaOff val="0"/>
+          </a:schemeClr>
+        </a:solidFill>
+        <a:ln>
+          <a:noFill/>
+        </a:ln>
+        <a:effectLst/>
+        <a:sp3d extrusionH="381000" contourW="38100" prstMaterial="matte">
+          <a:contourClr>
+            <a:schemeClr val="lt1"/>
+          </a:contourClr>
+        </a:sp3d>
+      </dsp:spPr>
+      <dsp:style>
+        <a:lnRef idx="0">
+          <a:scrgbClr r="0" g="0" b="0"/>
+        </a:lnRef>
+        <a:fillRef idx="1">
+          <a:scrgbClr r="0" g="0" b="0"/>
+        </a:fillRef>
+        <a:effectRef idx="0">
+          <a:scrgbClr r="0" g="0" b="0"/>
+        </a:effectRef>
+        <a:fontRef idx="minor">
+          <a:schemeClr val="lt1"/>
+        </a:fontRef>
+      </dsp:style>
+      <dsp:txBody>
+        <a:bodyPr spcFirstLastPara="0" vert="horz" wrap="square" lIns="80010" tIns="80010" rIns="80010" bIns="80010" numCol="1" spcCol="1270" anchor="ctr" anchorCtr="0">
+          <a:noAutofit/>
+        </a:bodyPr>
+        <a:lstStyle/>
+        <a:p>
+          <a:pPr lvl="0" algn="ctr" defTabSz="933450">
+            <a:lnSpc>
+              <a:spcPct val="90000"/>
+            </a:lnSpc>
+            <a:spcBef>
+              <a:spcPct val="0"/>
+            </a:spcBef>
+            <a:spcAft>
+              <a:spcPct val="35000"/>
+            </a:spcAft>
+          </a:pPr>
+          <a:r>
+            <a:rPr lang="en-US" sz="2100" kern="1200" dirty="0" smtClean="0"/>
+            <a:t>Resilience</a:t>
+          </a:r>
+          <a:endParaRPr lang="en-US" sz="2100" kern="1200" dirty="0"/>
+        </a:p>
+      </dsp:txBody>
+      <dsp:txXfrm>
+        <a:off x="2427157" y="2559904"/>
+        <a:ext cx="1470285" cy="794843"/>
+      </dsp:txXfrm>
+    </dsp:sp>
+    <dsp:sp modelId="{72B8BB69-BECD-4B65-B4E8-9439BDF8E425}">
+      <dsp:nvSpPr>
+        <dsp:cNvPr id="0" name=""/>
+        <dsp:cNvSpPr/>
+      </dsp:nvSpPr>
+      <dsp:spPr>
+        <a:xfrm rot="5400000">
+          <a:off x="3003993" y="3400584"/>
+          <a:ext cx="316613" cy="379935"/>
+        </a:xfrm>
+        <a:prstGeom prst="rightArrow">
+          <a:avLst>
+            <a:gd name="adj1" fmla="val 60000"/>
+            <a:gd name="adj2" fmla="val 50000"/>
+          </a:avLst>
+        </a:prstGeom>
+        <a:solidFill>
+          <a:schemeClr val="accent4">
+            <a:tint val="60000"/>
+            <a:hueOff val="0"/>
+            <a:satOff val="0"/>
+            <a:lumOff val="0"/>
+            <a:alphaOff val="0"/>
+          </a:schemeClr>
+        </a:solidFill>
+        <a:ln>
+          <a:noFill/>
+        </a:ln>
+        <a:effectLst/>
+        <a:sp3d z="-52400" extrusionH="181000" contourW="38100" prstMaterial="matte">
+          <a:contourClr>
+            <a:schemeClr val="lt1"/>
+          </a:contourClr>
+        </a:sp3d>
+      </dsp:spPr>
+      <dsp:style>
+        <a:lnRef idx="0">
+          <a:scrgbClr r="0" g="0" b="0"/>
+        </a:lnRef>
+        <a:fillRef idx="1">
+          <a:scrgbClr r="0" g="0" b="0"/>
+        </a:fillRef>
+        <a:effectRef idx="0">
+          <a:scrgbClr r="0" g="0" b="0"/>
+        </a:effectRef>
+        <a:fontRef idx="minor">
+          <a:schemeClr val="lt1"/>
+        </a:fontRef>
+      </dsp:style>
+      <dsp:txBody>
+        <a:bodyPr spcFirstLastPara="0" vert="horz" wrap="square" lIns="0" tIns="0" rIns="0" bIns="0" numCol="1" spcCol="1270" anchor="ctr" anchorCtr="0">
+          <a:noAutofit/>
+        </a:bodyPr>
+        <a:lstStyle/>
+        <a:p>
+          <a:pPr lvl="0" algn="ctr" defTabSz="711200">
+            <a:lnSpc>
+              <a:spcPct val="90000"/>
+            </a:lnSpc>
+            <a:spcBef>
+              <a:spcPct val="0"/>
+            </a:spcBef>
+            <a:spcAft>
+              <a:spcPct val="35000"/>
+            </a:spcAft>
+          </a:pPr>
+          <a:endParaRPr lang="en-US" sz="1600" kern="1200"/>
+        </a:p>
+      </dsp:txBody>
+      <dsp:txXfrm rot="-5400000">
+        <a:off x="3048319" y="3432245"/>
+        <a:ext cx="227961" cy="221629"/>
+      </dsp:txXfrm>
+    </dsp:sp>
+    <dsp:sp modelId="{9A158B62-3D63-4C69-8366-A17582929954}">
+      <dsp:nvSpPr>
+        <dsp:cNvPr id="0" name=""/>
+        <dsp:cNvSpPr/>
+      </dsp:nvSpPr>
+      <dsp:spPr>
+        <a:xfrm>
+          <a:off x="2402428" y="3801628"/>
+          <a:ext cx="1519743" cy="844301"/>
+        </a:xfrm>
+        <a:prstGeom prst="roundRect">
+          <a:avLst>
+            <a:gd name="adj" fmla="val 10000"/>
+          </a:avLst>
+        </a:prstGeom>
+        <a:solidFill>
+          <a:schemeClr val="accent4">
+            <a:hueOff val="0"/>
+            <a:satOff val="0"/>
+            <a:lumOff val="0"/>
+            <a:alphaOff val="0"/>
+          </a:schemeClr>
+        </a:solidFill>
+        <a:ln>
+          <a:noFill/>
+        </a:ln>
+        <a:effectLst/>
+        <a:sp3d extrusionH="381000" contourW="38100" prstMaterial="matte">
+          <a:contourClr>
+            <a:schemeClr val="lt1"/>
+          </a:contourClr>
+        </a:sp3d>
+      </dsp:spPr>
+      <dsp:style>
+        <a:lnRef idx="0">
+          <a:scrgbClr r="0" g="0" b="0"/>
+        </a:lnRef>
+        <a:fillRef idx="1">
+          <a:scrgbClr r="0" g="0" b="0"/>
+        </a:fillRef>
+        <a:effectRef idx="0">
+          <a:scrgbClr r="0" g="0" b="0"/>
+        </a:effectRef>
+        <a:fontRef idx="minor">
+          <a:schemeClr val="lt1"/>
+        </a:fontRef>
+      </dsp:style>
+      <dsp:txBody>
+        <a:bodyPr spcFirstLastPara="0" vert="horz" wrap="square" lIns="80010" tIns="80010" rIns="80010" bIns="80010" numCol="1" spcCol="1270" anchor="ctr" anchorCtr="0">
+          <a:noAutofit/>
+        </a:bodyPr>
+        <a:lstStyle/>
+        <a:p>
+          <a:pPr lvl="0" algn="ctr" defTabSz="933450">
+            <a:lnSpc>
+              <a:spcPct val="90000"/>
+            </a:lnSpc>
+            <a:spcBef>
+              <a:spcPct val="0"/>
+            </a:spcBef>
+            <a:spcAft>
+              <a:spcPct val="35000"/>
+            </a:spcAft>
+          </a:pPr>
+          <a:r>
+            <a:rPr lang="en-US" sz="2100" kern="1200" dirty="0" smtClean="0"/>
+            <a:t>Fault Tolerance</a:t>
+          </a:r>
+        </a:p>
+      </dsp:txBody>
+      <dsp:txXfrm>
+        <a:off x="2427157" y="3826357"/>
+        <a:ext cx="1470285" cy="794843"/>
+      </dsp:txXfrm>
+    </dsp:sp>
   </dsp:spTree>
 </dsp:drawing>
 </file>
@@ -12022,15 +12547,15 @@
           </a:p>
           <a:p>
             <a:r>
+              <a:rPr lang="en-US" dirty="0">
+                <a:hlinkClick r:id="rId7"/>
+              </a:rPr>
+              <a:t>https://medium.com</a:t>
+            </a:r>
+            <a:r>
               <a:rPr lang="en-US">
                 <a:hlinkClick r:id="rId7"/>
               </a:rPr>
-              <a:t>https://medium.com</a:t>
-            </a:r>
-            <a:r>
-              <a:rPr lang="en-US">
-                <a:hlinkClick r:id="rId7"/>
-              </a:rPr>
               <a:t>/@</a:t>
             </a:r>
             <a:r>
@@ -12039,12 +12564,6 @@
               </a:rPr>
               <a:t>aksudupa11/getting-started-with-hystrix-e454158f2867</a:t>
             </a:r>
-            <a:endParaRPr lang="en-US" smtClean="0"/>
-          </a:p>
-          <a:p>
-            <a:endParaRPr lang="en-US" dirty="0" smtClean="0"/>
-          </a:p>
-          <a:p>
             <a:endParaRPr lang="en-US" dirty="0" smtClean="0"/>
           </a:p>
           <a:p>

--- a/src/main/resources/SDT-Hystrix - V2.0.pptx
+++ b/src/main/resources/SDT-Hystrix - V2.0.pptx
@@ -11751,7 +11751,7 @@
         <p:spPr>
           <a:xfrm>
             <a:off x="152400" y="1606421"/>
-            <a:ext cx="8077200" cy="923330"/>
+            <a:ext cx="2438400" cy="2123658"/>
           </a:xfrm>
           <a:prstGeom prst="rect">
             <a:avLst/>
@@ -11781,18 +11781,56 @@
             </a:r>
           </a:p>
           <a:p>
+            <a:pPr marL="171450" indent="-171450">
+              <a:buFont typeface="Arial" panose="020B0604020202020204" pitchFamily="34" charset="0"/>
+              <a:buChar char="•"/>
+            </a:pPr>
             <a:r>
               <a:rPr lang="en-US" sz="1200" i="0" dirty="0"/>
-              <a:t>http://&lt;host&gt;:&lt;port&gt;/hystrix</a:t>
-            </a:r>
-          </a:p>
-          <a:p>
+              <a:t>http://&lt;host&gt;:&lt;port&gt;/</a:t>
+            </a:r>
+            <a:r>
+              <a:rPr lang="en-US" sz="1200" i="0" dirty="0" smtClean="0"/>
+              <a:t>hystrix</a:t>
+            </a:r>
+          </a:p>
+          <a:p>
+            <a:pPr marL="171450" indent="-171450">
+              <a:buFont typeface="Arial" panose="020B0604020202020204" pitchFamily="34" charset="0"/>
+              <a:buChar char="•"/>
+            </a:pPr>
+            <a:r>
+              <a:rPr lang="en-US" sz="1200" i="0" dirty="0" smtClean="0">
+                <a:hlinkClick r:id="rId2"/>
+              </a:rPr>
+              <a:t>http</a:t>
+            </a:r>
+            <a:r>
+              <a:rPr lang="en-US" sz="1200" i="0" dirty="0">
+                <a:hlinkClick r:id="rId2"/>
+              </a:rPr>
+              <a:t>://</a:t>
+            </a:r>
+            <a:r>
+              <a:rPr lang="en-US" sz="1200" i="0" dirty="0" smtClean="0">
+                <a:hlinkClick r:id="rId2"/>
+              </a:rPr>
+              <a:t>localhost:9091/eo/hystrix/monitor?stream=http%3A%2F%2Flocalhost%3A9091%2Feo%2Fhystrix.stream&amp;title=HystrixDB</a:t>
+            </a:r>
             <a:endParaRPr lang="en-US" sz="1200" i="0" dirty="0"/>
           </a:p>
           <a:p>
+            <a:pPr marL="171450" indent="-171450">
+              <a:buFont typeface="Arial" panose="020B0604020202020204" pitchFamily="34" charset="0"/>
+              <a:buChar char="•"/>
+            </a:pPr>
+            <a:r>
+              <a:rPr lang="en-US" sz="1200" i="0" dirty="0" smtClean="0"/>
+              <a:t>http</a:t>
+            </a:r>
             <a:r>
               <a:rPr lang="en-US" sz="1200" i="0" dirty="0"/>
-              <a:t>http://&lt;host&gt;:&lt;port&gt;/hystrix.stream</a:t>
+              <a:t>://&lt;host&gt;:&lt;port&gt;/hystrix.stream</a:t>
             </a:r>
           </a:p>
         </p:txBody>
@@ -11808,7 +11846,7 @@
           </p:nvPr>
         </p:nvPicPr>
         <p:blipFill>
-          <a:blip r:embed="rId2"/>
+          <a:blip r:embed="rId3"/>
           <a:stretch>
             <a:fillRect/>
           </a:stretch>

--- a/src/main/resources/SDT-Hystrix - V2.0.pptx
+++ b/src/main/resources/SDT-Hystrix - V2.0.pptx
@@ -5,10 +5,10 @@
     <p:sldMasterId id="2147483653" r:id="rId1"/>
   </p:sldMasterIdLst>
   <p:notesMasterIdLst>
-    <p:notesMasterId r:id="rId21"/>
+    <p:notesMasterId r:id="rId22"/>
   </p:notesMasterIdLst>
   <p:handoutMasterIdLst>
-    <p:handoutMasterId r:id="rId22"/>
+    <p:handoutMasterId r:id="rId23"/>
   </p:handoutMasterIdLst>
   <p:sldIdLst>
     <p:sldId id="624" r:id="rId2"/>
@@ -19,17 +19,18 @@
     <p:sldId id="627" r:id="rId7"/>
     <p:sldId id="628" r:id="rId8"/>
     <p:sldId id="632" r:id="rId9"/>
-    <p:sldId id="634" r:id="rId10"/>
-    <p:sldId id="638" r:id="rId11"/>
-    <p:sldId id="639" r:id="rId12"/>
-    <p:sldId id="635" r:id="rId13"/>
-    <p:sldId id="640" r:id="rId14"/>
-    <p:sldId id="643" r:id="rId15"/>
-    <p:sldId id="637" r:id="rId16"/>
-    <p:sldId id="641" r:id="rId17"/>
-    <p:sldId id="636" r:id="rId18"/>
-    <p:sldId id="626" r:id="rId19"/>
-    <p:sldId id="642" r:id="rId20"/>
+    <p:sldId id="646" r:id="rId10"/>
+    <p:sldId id="634" r:id="rId11"/>
+    <p:sldId id="638" r:id="rId12"/>
+    <p:sldId id="639" r:id="rId13"/>
+    <p:sldId id="635" r:id="rId14"/>
+    <p:sldId id="640" r:id="rId15"/>
+    <p:sldId id="643" r:id="rId16"/>
+    <p:sldId id="637" r:id="rId17"/>
+    <p:sldId id="641" r:id="rId18"/>
+    <p:sldId id="636" r:id="rId19"/>
+    <p:sldId id="626" r:id="rId20"/>
+    <p:sldId id="642" r:id="rId21"/>
   </p:sldIdLst>
   <p:sldSz cx="9144000" cy="6858000" type="screen4x3"/>
   <p:notesSz cx="6985000" cy="9271000"/>
@@ -209,6 +210,10 @@
     </p:ext>
   </p:extLst>
 </p:presentation>
+</file>
+
+<file path=ppt/revisionInfo.xml><?xml version="1.0" encoding="utf-8"?>
+<p1510:revInfo xmlns:a="http://schemas.openxmlformats.org/drawingml/2006/main" xmlns:r="http://schemas.openxmlformats.org/officeDocument/2006/relationships" xmlns:p1510="http://schemas.microsoft.com/office/powerpoint/2015/10/main"/>
 </file>
 
 <file path=ppt/diagrams/colors1.xml><?xml version="1.0" encoding="utf-8"?>
@@ -973,10 +978,9 @@
         <a:lstStyle/>
         <a:p>
           <a:r>
-            <a:rPr lang="en-US" dirty="0" smtClean="0"/>
+            <a:rPr lang="en-US" dirty="0"/>
             <a:t>Production</a:t>
           </a:r>
-          <a:endParaRPr lang="en-US" dirty="0"/>
         </a:p>
       </dgm:t>
     </dgm:pt>
@@ -1010,10 +1014,9 @@
         <a:lstStyle/>
         <a:p>
           <a:r>
-            <a:rPr lang="en-US" dirty="0" smtClean="0"/>
+            <a:rPr lang="en-US" dirty="0"/>
             <a:t>Availability</a:t>
           </a:r>
-          <a:endParaRPr lang="en-US" dirty="0"/>
         </a:p>
       </dgm:t>
     </dgm:pt>
@@ -1047,10 +1050,9 @@
         <a:lstStyle/>
         <a:p>
           <a:r>
-            <a:rPr lang="en-US" dirty="0" smtClean="0"/>
+            <a:rPr lang="en-US" dirty="0"/>
             <a:t>Resilience</a:t>
           </a:r>
-          <a:endParaRPr lang="en-US" dirty="0"/>
         </a:p>
       </dgm:t>
     </dgm:pt>
@@ -1084,7 +1086,7 @@
         <a:lstStyle/>
         <a:p>
           <a:r>
-            <a:rPr lang="en-US" dirty="0" smtClean="0"/>
+            <a:rPr lang="en-US" dirty="0"/>
             <a:t>Fault Tolerance</a:t>
           </a:r>
         </a:p>
@@ -1127,35 +1129,14 @@
         </dgm:presLayoutVars>
       </dgm:prSet>
       <dgm:spPr/>
-      <dgm:t>
-        <a:bodyPr/>
-        <a:lstStyle/>
-        <a:p>
-          <a:endParaRPr lang="en-US"/>
-        </a:p>
-      </dgm:t>
     </dgm:pt>
     <dgm:pt modelId="{3EF57902-9D1E-49EB-B727-FB097BE74036}" type="pres">
       <dgm:prSet presAssocID="{1548C825-B82D-4301-B860-CA7C94F8D5F2}" presName="sibTrans" presStyleLbl="sibTrans2D1" presStyleIdx="0" presStyleCnt="3"/>
       <dgm:spPr/>
-      <dgm:t>
-        <a:bodyPr/>
-        <a:lstStyle/>
-        <a:p>
-          <a:endParaRPr lang="en-US"/>
-        </a:p>
-      </dgm:t>
     </dgm:pt>
     <dgm:pt modelId="{A233FF8A-6707-4A6F-AA4F-228381976C72}" type="pres">
       <dgm:prSet presAssocID="{1548C825-B82D-4301-B860-CA7C94F8D5F2}" presName="connectorText" presStyleLbl="sibTrans2D1" presStyleIdx="0" presStyleCnt="3"/>
       <dgm:spPr/>
-      <dgm:t>
-        <a:bodyPr/>
-        <a:lstStyle/>
-        <a:p>
-          <a:endParaRPr lang="en-US"/>
-        </a:p>
-      </dgm:t>
     </dgm:pt>
     <dgm:pt modelId="{E02C2567-6664-452E-91C5-9E2CA3217BCC}" type="pres">
       <dgm:prSet presAssocID="{7D664F26-EACE-4BFE-AFC4-84C3767FB823}" presName="node" presStyleLbl="node1" presStyleIdx="1" presStyleCnt="4">
@@ -1164,35 +1145,14 @@
         </dgm:presLayoutVars>
       </dgm:prSet>
       <dgm:spPr/>
-      <dgm:t>
-        <a:bodyPr/>
-        <a:lstStyle/>
-        <a:p>
-          <a:endParaRPr lang="en-US"/>
-        </a:p>
-      </dgm:t>
     </dgm:pt>
     <dgm:pt modelId="{EBA7C060-D75B-4028-8AE6-E14D2C044A38}" type="pres">
       <dgm:prSet presAssocID="{4BB4027A-8C4A-4987-9820-A17223EA9B42}" presName="sibTrans" presStyleLbl="sibTrans2D1" presStyleIdx="1" presStyleCnt="3"/>
       <dgm:spPr/>
-      <dgm:t>
-        <a:bodyPr/>
-        <a:lstStyle/>
-        <a:p>
-          <a:endParaRPr lang="en-US"/>
-        </a:p>
-      </dgm:t>
     </dgm:pt>
     <dgm:pt modelId="{464BDA2C-67FD-4538-A47E-B98E9CBD69A5}" type="pres">
       <dgm:prSet presAssocID="{4BB4027A-8C4A-4987-9820-A17223EA9B42}" presName="connectorText" presStyleLbl="sibTrans2D1" presStyleIdx="1" presStyleCnt="3"/>
       <dgm:spPr/>
-      <dgm:t>
-        <a:bodyPr/>
-        <a:lstStyle/>
-        <a:p>
-          <a:endParaRPr lang="en-US"/>
-        </a:p>
-      </dgm:t>
     </dgm:pt>
     <dgm:pt modelId="{0BEEA205-69CD-4EF3-BA65-758956CD10D8}" type="pres">
       <dgm:prSet presAssocID="{2F42867E-6D88-4104-9888-2DE3459F8886}" presName="node" presStyleLbl="node1" presStyleIdx="2" presStyleCnt="4">
@@ -1201,35 +1161,14 @@
         </dgm:presLayoutVars>
       </dgm:prSet>
       <dgm:spPr/>
-      <dgm:t>
-        <a:bodyPr/>
-        <a:lstStyle/>
-        <a:p>
-          <a:endParaRPr lang="en-US"/>
-        </a:p>
-      </dgm:t>
     </dgm:pt>
     <dgm:pt modelId="{72B8BB69-BECD-4B65-B4E8-9439BDF8E425}" type="pres">
       <dgm:prSet presAssocID="{B4DD6DF6-C444-4203-B8CE-425B10418D71}" presName="sibTrans" presStyleLbl="sibTrans2D1" presStyleIdx="2" presStyleCnt="3"/>
       <dgm:spPr/>
-      <dgm:t>
-        <a:bodyPr/>
-        <a:lstStyle/>
-        <a:p>
-          <a:endParaRPr lang="en-US"/>
-        </a:p>
-      </dgm:t>
     </dgm:pt>
     <dgm:pt modelId="{FBCBEEAE-3E6B-4A6C-92B3-2B87ACCA752C}" type="pres">
       <dgm:prSet presAssocID="{B4DD6DF6-C444-4203-B8CE-425B10418D71}" presName="connectorText" presStyleLbl="sibTrans2D1" presStyleIdx="2" presStyleCnt="3"/>
       <dgm:spPr/>
-      <dgm:t>
-        <a:bodyPr/>
-        <a:lstStyle/>
-        <a:p>
-          <a:endParaRPr lang="en-US"/>
-        </a:p>
-      </dgm:t>
     </dgm:pt>
     <dgm:pt modelId="{9A158B62-3D63-4C69-8366-A17582929954}" type="pres">
       <dgm:prSet presAssocID="{C50C23E7-DF2E-420C-AEF5-80ECE2BB7535}" presName="node" presStyleLbl="node1" presStyleIdx="3" presStyleCnt="4">
@@ -1238,31 +1177,24 @@
         </dgm:presLayoutVars>
       </dgm:prSet>
       <dgm:spPr/>
-      <dgm:t>
-        <a:bodyPr/>
-        <a:lstStyle/>
-        <a:p>
-          <a:endParaRPr lang="en-US"/>
-        </a:p>
-      </dgm:t>
     </dgm:pt>
   </dgm:ptLst>
   <dgm:cxnLst>
+    <dgm:cxn modelId="{B5255F26-B277-4A4C-93E7-FA79257CD059}" type="presOf" srcId="{B4DD6DF6-C444-4203-B8CE-425B10418D71}" destId="{72B8BB69-BECD-4B65-B4E8-9439BDF8E425}" srcOrd="0" destOrd="0" presId="urn:microsoft.com/office/officeart/2005/8/layout/process2"/>
+    <dgm:cxn modelId="{D310912D-224F-4E2F-A1CE-20DD80051F0E}" srcId="{4A52AFE7-0745-41BF-90D5-BD67F9B2B9B2}" destId="{58768AC7-C233-4F13-B049-2A4DDE962631}" srcOrd="0" destOrd="0" parTransId="{09931C4B-2FB1-4DE6-BC55-5F5F721BD0AD}" sibTransId="{1548C825-B82D-4301-B860-CA7C94F8D5F2}"/>
+    <dgm:cxn modelId="{E09C092E-C899-41C0-93D7-173E52289E12}" type="presOf" srcId="{4A52AFE7-0745-41BF-90D5-BD67F9B2B9B2}" destId="{EDAC3149-A3EB-4676-AF8D-509F69C0C7FA}" srcOrd="0" destOrd="0" presId="urn:microsoft.com/office/officeart/2005/8/layout/process2"/>
+    <dgm:cxn modelId="{6A6BB42F-38C7-4C67-83EC-AD412CAC06C6}" type="presOf" srcId="{1548C825-B82D-4301-B860-CA7C94F8D5F2}" destId="{3EF57902-9D1E-49EB-B727-FB097BE74036}" srcOrd="0" destOrd="0" presId="urn:microsoft.com/office/officeart/2005/8/layout/process2"/>
+    <dgm:cxn modelId="{9F402F31-C399-4ABE-A63C-830CBABE4681}" type="presOf" srcId="{C50C23E7-DF2E-420C-AEF5-80ECE2BB7535}" destId="{9A158B62-3D63-4C69-8366-A17582929954}" srcOrd="0" destOrd="0" presId="urn:microsoft.com/office/officeart/2005/8/layout/process2"/>
+    <dgm:cxn modelId="{6941C83C-B2D4-4E75-AE6E-DDF12348841A}" srcId="{4A52AFE7-0745-41BF-90D5-BD67F9B2B9B2}" destId="{2F42867E-6D88-4104-9888-2DE3459F8886}" srcOrd="2" destOrd="0" parTransId="{E4A09C30-CA31-4440-9735-961CC12F4BC7}" sibTransId="{B4DD6DF6-C444-4203-B8CE-425B10418D71}"/>
+    <dgm:cxn modelId="{927F6850-3DCF-4440-9449-863BD6F811DE}" type="presOf" srcId="{7D664F26-EACE-4BFE-AFC4-84C3767FB823}" destId="{E02C2567-6664-452E-91C5-9E2CA3217BCC}" srcOrd="0" destOrd="0" presId="urn:microsoft.com/office/officeart/2005/8/layout/process2"/>
+    <dgm:cxn modelId="{F5295A75-E546-4DBD-BFB2-074D68339A49}" type="presOf" srcId="{4BB4027A-8C4A-4987-9820-A17223EA9B42}" destId="{464BDA2C-67FD-4538-A47E-B98E9CBD69A5}" srcOrd="1" destOrd="0" presId="urn:microsoft.com/office/officeart/2005/8/layout/process2"/>
+    <dgm:cxn modelId="{E4280088-1D6B-428E-A407-067D2F0AAB6F}" srcId="{4A52AFE7-0745-41BF-90D5-BD67F9B2B9B2}" destId="{7D664F26-EACE-4BFE-AFC4-84C3767FB823}" srcOrd="1" destOrd="0" parTransId="{F22D5CB9-193A-4C8F-9236-78E932530BEC}" sibTransId="{4BB4027A-8C4A-4987-9820-A17223EA9B42}"/>
     <dgm:cxn modelId="{20400590-D0CD-43A1-B78B-3992E7CD98FB}" type="presOf" srcId="{B4DD6DF6-C444-4203-B8CE-425B10418D71}" destId="{FBCBEEAE-3E6B-4A6C-92B3-2B87ACCA752C}" srcOrd="1" destOrd="0" presId="urn:microsoft.com/office/officeart/2005/8/layout/process2"/>
+    <dgm:cxn modelId="{04FF9AA1-1CEF-4441-A40A-8A76A5F68336}" type="presOf" srcId="{1548C825-B82D-4301-B860-CA7C94F8D5F2}" destId="{A233FF8A-6707-4A6F-AA4F-228381976C72}" srcOrd="1" destOrd="0" presId="urn:microsoft.com/office/officeart/2005/8/layout/process2"/>
     <dgm:cxn modelId="{4B890BA5-09C9-4258-9DE9-233404EEC41B}" type="presOf" srcId="{4BB4027A-8C4A-4987-9820-A17223EA9B42}" destId="{EBA7C060-D75B-4028-8AE6-E14D2C044A38}" srcOrd="0" destOrd="0" presId="urn:microsoft.com/office/officeart/2005/8/layout/process2"/>
     <dgm:cxn modelId="{BE410AA9-226D-4A98-B63D-806B7BE80FF5}" type="presOf" srcId="{2F42867E-6D88-4104-9888-2DE3459F8886}" destId="{0BEEA205-69CD-4EF3-BA65-758956CD10D8}" srcOrd="0" destOrd="0" presId="urn:microsoft.com/office/officeart/2005/8/layout/process2"/>
-    <dgm:cxn modelId="{B5255F26-B277-4A4C-93E7-FA79257CD059}" type="presOf" srcId="{B4DD6DF6-C444-4203-B8CE-425B10418D71}" destId="{72B8BB69-BECD-4B65-B4E8-9439BDF8E425}" srcOrd="0" destOrd="0" presId="urn:microsoft.com/office/officeart/2005/8/layout/process2"/>
-    <dgm:cxn modelId="{9F402F31-C399-4ABE-A63C-830CBABE4681}" type="presOf" srcId="{C50C23E7-DF2E-420C-AEF5-80ECE2BB7535}" destId="{9A158B62-3D63-4C69-8366-A17582929954}" srcOrd="0" destOrd="0" presId="urn:microsoft.com/office/officeart/2005/8/layout/process2"/>
-    <dgm:cxn modelId="{E4280088-1D6B-428E-A407-067D2F0AAB6F}" srcId="{4A52AFE7-0745-41BF-90D5-BD67F9B2B9B2}" destId="{7D664F26-EACE-4BFE-AFC4-84C3767FB823}" srcOrd="1" destOrd="0" parTransId="{F22D5CB9-193A-4C8F-9236-78E932530BEC}" sibTransId="{4BB4027A-8C4A-4987-9820-A17223EA9B42}"/>
-    <dgm:cxn modelId="{E09C092E-C899-41C0-93D7-173E52289E12}" type="presOf" srcId="{4A52AFE7-0745-41BF-90D5-BD67F9B2B9B2}" destId="{EDAC3149-A3EB-4676-AF8D-509F69C0C7FA}" srcOrd="0" destOrd="0" presId="urn:microsoft.com/office/officeart/2005/8/layout/process2"/>
-    <dgm:cxn modelId="{D310912D-224F-4E2F-A1CE-20DD80051F0E}" srcId="{4A52AFE7-0745-41BF-90D5-BD67F9B2B9B2}" destId="{58768AC7-C233-4F13-B049-2A4DDE962631}" srcOrd="0" destOrd="0" parTransId="{09931C4B-2FB1-4DE6-BC55-5F5F721BD0AD}" sibTransId="{1548C825-B82D-4301-B860-CA7C94F8D5F2}"/>
-    <dgm:cxn modelId="{04FF9AA1-1CEF-4441-A40A-8A76A5F68336}" type="presOf" srcId="{1548C825-B82D-4301-B860-CA7C94F8D5F2}" destId="{A233FF8A-6707-4A6F-AA4F-228381976C72}" srcOrd="1" destOrd="0" presId="urn:microsoft.com/office/officeart/2005/8/layout/process2"/>
-    <dgm:cxn modelId="{6941C83C-B2D4-4E75-AE6E-DDF12348841A}" srcId="{4A52AFE7-0745-41BF-90D5-BD67F9B2B9B2}" destId="{2F42867E-6D88-4104-9888-2DE3459F8886}" srcOrd="2" destOrd="0" parTransId="{E4A09C30-CA31-4440-9735-961CC12F4BC7}" sibTransId="{B4DD6DF6-C444-4203-B8CE-425B10418D71}"/>
-    <dgm:cxn modelId="{927F6850-3DCF-4440-9449-863BD6F811DE}" type="presOf" srcId="{7D664F26-EACE-4BFE-AFC4-84C3767FB823}" destId="{E02C2567-6664-452E-91C5-9E2CA3217BCC}" srcOrd="0" destOrd="0" presId="urn:microsoft.com/office/officeart/2005/8/layout/process2"/>
+    <dgm:cxn modelId="{CA6AE0AB-9AB1-47D0-9B69-2D3AE7566799}" type="presOf" srcId="{58768AC7-C233-4F13-B049-2A4DDE962631}" destId="{9983FF54-C505-4E69-882B-E85D51B6CF09}" srcOrd="0" destOrd="0" presId="urn:microsoft.com/office/officeart/2005/8/layout/process2"/>
     <dgm:cxn modelId="{F4D866CD-C1E5-406A-887E-D739F0F633EC}" srcId="{4A52AFE7-0745-41BF-90D5-BD67F9B2B9B2}" destId="{C50C23E7-DF2E-420C-AEF5-80ECE2BB7535}" srcOrd="3" destOrd="0" parTransId="{A4C69627-A4C1-4FBC-B1DF-CA56CAC141DB}" sibTransId="{C02ED106-25F1-4EAC-858B-D0EEA70B00BC}"/>
-    <dgm:cxn modelId="{F5295A75-E546-4DBD-BFB2-074D68339A49}" type="presOf" srcId="{4BB4027A-8C4A-4987-9820-A17223EA9B42}" destId="{464BDA2C-67FD-4538-A47E-B98E9CBD69A5}" srcOrd="1" destOrd="0" presId="urn:microsoft.com/office/officeart/2005/8/layout/process2"/>
-    <dgm:cxn modelId="{CA6AE0AB-9AB1-47D0-9B69-2D3AE7566799}" type="presOf" srcId="{58768AC7-C233-4F13-B049-2A4DDE962631}" destId="{9983FF54-C505-4E69-882B-E85D51B6CF09}" srcOrd="0" destOrd="0" presId="urn:microsoft.com/office/officeart/2005/8/layout/process2"/>
-    <dgm:cxn modelId="{6A6BB42F-38C7-4C67-83EC-AD412CAC06C6}" type="presOf" srcId="{1548C825-B82D-4301-B860-CA7C94F8D5F2}" destId="{3EF57902-9D1E-49EB-B727-FB097BE74036}" srcOrd="0" destOrd="0" presId="urn:microsoft.com/office/officeart/2005/8/layout/process2"/>
     <dgm:cxn modelId="{21C6E75D-1426-4579-A9FA-09926D4E4BD0}" type="presParOf" srcId="{EDAC3149-A3EB-4676-AF8D-509F69C0C7FA}" destId="{9983FF54-C505-4E69-882B-E85D51B6CF09}" srcOrd="0" destOrd="0" presId="urn:microsoft.com/office/officeart/2005/8/layout/process2"/>
     <dgm:cxn modelId="{D95E4679-12D9-47A3-BB3C-C2E728659D93}" type="presParOf" srcId="{EDAC3149-A3EB-4676-AF8D-509F69C0C7FA}" destId="{3EF57902-9D1E-49EB-B727-FB097BE74036}" srcOrd="1" destOrd="0" presId="urn:microsoft.com/office/officeart/2005/8/layout/process2"/>
     <dgm:cxn modelId="{EC9C351E-A03B-4EFC-ACF2-010BEE9A94D1}" type="presParOf" srcId="{3EF57902-9D1E-49EB-B727-FB097BE74036}" destId="{A233FF8A-6707-4A6F-AA4F-228381976C72}" srcOrd="0" destOrd="0" presId="urn:microsoft.com/office/officeart/2005/8/layout/process2"/>
@@ -1345,7 +1277,7 @@
         </a:bodyPr>
         <a:lstStyle/>
         <a:p>
-          <a:pPr lvl="0" algn="ctr" defTabSz="933450">
+          <a:pPr marL="0" lvl="0" indent="0" algn="ctr" defTabSz="933450">
             <a:lnSpc>
               <a:spcPct val="90000"/>
             </a:lnSpc>
@@ -1355,12 +1287,12 @@
             <a:spcAft>
               <a:spcPct val="35000"/>
             </a:spcAft>
+            <a:buNone/>
           </a:pPr>
           <a:r>
-            <a:rPr lang="en-US" sz="2100" kern="1200" dirty="0" smtClean="0"/>
+            <a:rPr lang="en-US" sz="2100" kern="1200" dirty="0"/>
             <a:t>Production</a:t>
           </a:r>
-          <a:endParaRPr lang="en-US" sz="2100" kern="1200" dirty="0"/>
         </a:p>
       </dsp:txBody>
       <dsp:txXfrm>
@@ -1423,7 +1355,7 @@
         </a:bodyPr>
         <a:lstStyle/>
         <a:p>
-          <a:pPr lvl="0" algn="ctr" defTabSz="711200">
+          <a:pPr marL="0" lvl="0" indent="0" algn="ctr" defTabSz="711200">
             <a:lnSpc>
               <a:spcPct val="90000"/>
             </a:lnSpc>
@@ -1433,6 +1365,7 @@
             <a:spcAft>
               <a:spcPct val="35000"/>
             </a:spcAft>
+            <a:buNone/>
           </a:pPr>
           <a:endParaRPr lang="en-US" sz="1600" kern="1200"/>
         </a:p>
@@ -1495,7 +1428,7 @@
         </a:bodyPr>
         <a:lstStyle/>
         <a:p>
-          <a:pPr lvl="0" algn="ctr" defTabSz="933450">
+          <a:pPr marL="0" lvl="0" indent="0" algn="ctr" defTabSz="933450">
             <a:lnSpc>
               <a:spcPct val="90000"/>
             </a:lnSpc>
@@ -1505,12 +1438,12 @@
             <a:spcAft>
               <a:spcPct val="35000"/>
             </a:spcAft>
+            <a:buNone/>
           </a:pPr>
           <a:r>
-            <a:rPr lang="en-US" sz="2100" kern="1200" dirty="0" smtClean="0"/>
+            <a:rPr lang="en-US" sz="2100" kern="1200" dirty="0"/>
             <a:t>Availability</a:t>
           </a:r>
-          <a:endParaRPr lang="en-US" sz="2100" kern="1200" dirty="0"/>
         </a:p>
       </dsp:txBody>
       <dsp:txXfrm>
@@ -1573,7 +1506,7 @@
         </a:bodyPr>
         <a:lstStyle/>
         <a:p>
-          <a:pPr lvl="0" algn="ctr" defTabSz="711200">
+          <a:pPr marL="0" lvl="0" indent="0" algn="ctr" defTabSz="711200">
             <a:lnSpc>
               <a:spcPct val="90000"/>
             </a:lnSpc>
@@ -1583,6 +1516,7 @@
             <a:spcAft>
               <a:spcPct val="35000"/>
             </a:spcAft>
+            <a:buNone/>
           </a:pPr>
           <a:endParaRPr lang="en-US" sz="1600" kern="1200"/>
         </a:p>
@@ -1645,7 +1579,7 @@
         </a:bodyPr>
         <a:lstStyle/>
         <a:p>
-          <a:pPr lvl="0" algn="ctr" defTabSz="933450">
+          <a:pPr marL="0" lvl="0" indent="0" algn="ctr" defTabSz="933450">
             <a:lnSpc>
               <a:spcPct val="90000"/>
             </a:lnSpc>
@@ -1655,12 +1589,12 @@
             <a:spcAft>
               <a:spcPct val="35000"/>
             </a:spcAft>
+            <a:buNone/>
           </a:pPr>
           <a:r>
-            <a:rPr lang="en-US" sz="2100" kern="1200" dirty="0" smtClean="0"/>
+            <a:rPr lang="en-US" sz="2100" kern="1200" dirty="0"/>
             <a:t>Resilience</a:t>
           </a:r>
-          <a:endParaRPr lang="en-US" sz="2100" kern="1200" dirty="0"/>
         </a:p>
       </dsp:txBody>
       <dsp:txXfrm>
@@ -1723,7 +1657,7 @@
         </a:bodyPr>
         <a:lstStyle/>
         <a:p>
-          <a:pPr lvl="0" algn="ctr" defTabSz="711200">
+          <a:pPr marL="0" lvl="0" indent="0" algn="ctr" defTabSz="711200">
             <a:lnSpc>
               <a:spcPct val="90000"/>
             </a:lnSpc>
@@ -1733,6 +1667,7 @@
             <a:spcAft>
               <a:spcPct val="35000"/>
             </a:spcAft>
+            <a:buNone/>
           </a:pPr>
           <a:endParaRPr lang="en-US" sz="1600" kern="1200"/>
         </a:p>
@@ -1795,7 +1730,7 @@
         </a:bodyPr>
         <a:lstStyle/>
         <a:p>
-          <a:pPr lvl="0" algn="ctr" defTabSz="933450">
+          <a:pPr marL="0" lvl="0" indent="0" algn="ctr" defTabSz="933450">
             <a:lnSpc>
               <a:spcPct val="90000"/>
             </a:lnSpc>
@@ -1805,9 +1740,10 @@
             <a:spcAft>
               <a:spcPct val="35000"/>
             </a:spcAft>
+            <a:buNone/>
           </a:pPr>
           <a:r>
-            <a:rPr lang="en-US" sz="2100" kern="1200" dirty="0" smtClean="0"/>
+            <a:rPr lang="en-US" sz="2100" kern="1200" dirty="0"/>
             <a:t>Fault Tolerance</a:t>
           </a:r>
         </a:p>
@@ -3730,35 +3666,35 @@
           <a:p>
             <a:pPr lvl="0"/>
             <a:r>
-              <a:rPr lang="en-US" noProof="0" smtClean="0"/>
+              <a:rPr lang="en-US" noProof="0"/>
               <a:t>Click to edit Master text styles</a:t>
             </a:r>
           </a:p>
           <a:p>
             <a:pPr lvl="1"/>
             <a:r>
-              <a:rPr lang="en-US" noProof="0" smtClean="0"/>
+              <a:rPr lang="en-US" noProof="0"/>
               <a:t>Second level</a:t>
             </a:r>
           </a:p>
           <a:p>
             <a:pPr lvl="2"/>
             <a:r>
-              <a:rPr lang="en-US" noProof="0" smtClean="0"/>
+              <a:rPr lang="en-US" noProof="0"/>
               <a:t>Third level</a:t>
             </a:r>
           </a:p>
           <a:p>
             <a:pPr lvl="3"/>
             <a:r>
-              <a:rPr lang="en-US" noProof="0" smtClean="0"/>
+              <a:rPr lang="en-US" noProof="0"/>
               <a:t>Fourth level</a:t>
             </a:r>
           </a:p>
           <a:p>
             <a:pPr lvl="4"/>
             <a:r>
-              <a:rPr lang="en-US" noProof="0" smtClean="0"/>
+              <a:rPr lang="en-US" noProof="0"/>
               <a:t>Fifth level</a:t>
             </a:r>
           </a:p>
@@ -4195,7 +4131,7 @@
           </a:lstStyle>
           <a:p>
             <a:r>
-              <a:rPr lang="en-US" i="0" smtClean="0"/>
+              <a:rPr lang="en-US" i="0"/>
               <a:t>IBM Confidential</a:t>
             </a:r>
           </a:p>
@@ -4241,7 +4177,7 @@
           <a:lstStyle/>
           <a:p>
             <a:pPr eaLnBrk="1" hangingPunct="1"/>
-            <a:endParaRPr lang="en-US" smtClean="0"/>
+            <a:endParaRPr lang="en-US"/>
           </a:p>
         </p:txBody>
       </p:sp>
@@ -4437,7 +4373,7 @@
             <a:pPr algn="ctr" eaLnBrk="1" hangingPunct="1">
               <a:defRPr/>
             </a:pPr>
-            <a:endParaRPr lang="en-US" i="0" dirty="0" smtClean="0"/>
+            <a:endParaRPr lang="en-US" i="0" dirty="0"/>
           </a:p>
         </p:txBody>
       </p:sp>
@@ -4603,7 +4539,7 @@
             <a:pPr eaLnBrk="1" hangingPunct="1">
               <a:defRPr/>
             </a:pPr>
-            <a:endParaRPr lang="en-US" dirty="0" smtClean="0"/>
+            <a:endParaRPr lang="en-US" dirty="0"/>
           </a:p>
         </p:txBody>
       </p:sp>
@@ -5015,7 +4951,7 @@
               <a:defRPr/>
             </a:pPr>
             <a:r>
-              <a:rPr lang="en-US" sz="1000" i="0" dirty="0" smtClean="0">
+              <a:rPr lang="en-US" sz="1000" i="0" dirty="0">
                 <a:solidFill>
                   <a:schemeClr val="bg1"/>
                 </a:solidFill>
@@ -5029,7 +4965,7 @@
               <a:buNone/>
               <a:defRPr/>
             </a:pPr>
-            <a:endParaRPr lang="en-US" sz="1000" i="0" dirty="0" smtClean="0">
+            <a:endParaRPr lang="en-US" sz="1000" i="0" dirty="0">
               <a:solidFill>
                 <a:schemeClr val="bg1"/>
               </a:solidFill>
@@ -5286,7 +5222,7 @@
           <a:p>
             <a:pPr lvl="0"/>
             <a:r>
-              <a:rPr lang="en-US" noProof="0" smtClean="0"/>
+              <a:rPr lang="en-US" noProof="0"/>
               <a:t>Click to edit Master subtitle style</a:t>
             </a:r>
           </a:p>
@@ -5330,7 +5266,7 @@
           <a:p>
             <a:pPr lvl="0"/>
             <a:r>
-              <a:rPr lang="en-US" noProof="0" smtClean="0"/>
+              <a:rPr lang="en-US" noProof="0"/>
               <a:t>Click to edit Master title style</a:t>
             </a:r>
           </a:p>
@@ -5383,10 +5319,9 @@
           <a:lstStyle/>
           <a:p>
             <a:r>
-              <a:rPr lang="en-US" smtClean="0"/>
+              <a:rPr lang="en-US"/>
               <a:t>Click to edit Master title style</a:t>
             </a:r>
-            <a:endParaRPr lang="en-US"/>
           </a:p>
         </p:txBody>
       </p:sp>
@@ -5407,38 +5342,37 @@
           <a:p>
             <a:pPr lvl="0"/>
             <a:r>
-              <a:rPr lang="en-US" smtClean="0"/>
+              <a:rPr lang="en-US"/>
               <a:t>Click to edit Master text styles</a:t>
             </a:r>
           </a:p>
           <a:p>
             <a:pPr lvl="1"/>
             <a:r>
-              <a:rPr lang="en-US" smtClean="0"/>
+              <a:rPr lang="en-US"/>
               <a:t>Second level</a:t>
             </a:r>
           </a:p>
           <a:p>
             <a:pPr lvl="2"/>
             <a:r>
-              <a:rPr lang="en-US" smtClean="0"/>
+              <a:rPr lang="en-US"/>
               <a:t>Third level</a:t>
             </a:r>
           </a:p>
           <a:p>
             <a:pPr lvl="3"/>
             <a:r>
-              <a:rPr lang="en-US" smtClean="0"/>
+              <a:rPr lang="en-US"/>
               <a:t>Fourth level</a:t>
             </a:r>
           </a:p>
           <a:p>
             <a:pPr lvl="4"/>
             <a:r>
-              <a:rPr lang="en-US" smtClean="0"/>
+              <a:rPr lang="en-US"/>
               <a:t>Fifth level</a:t>
             </a:r>
-            <a:endParaRPr lang="en-US"/>
           </a:p>
         </p:txBody>
       </p:sp>
@@ -5529,10 +5463,9 @@
           <a:lstStyle/>
           <a:p>
             <a:r>
-              <a:rPr lang="en-US" smtClean="0"/>
+              <a:rPr lang="en-US"/>
               <a:t>Click to edit Master title style</a:t>
             </a:r>
-            <a:endParaRPr lang="en-US"/>
           </a:p>
         </p:txBody>
       </p:sp>
@@ -5558,38 +5491,37 @@
           <a:p>
             <a:pPr lvl="0"/>
             <a:r>
-              <a:rPr lang="en-US" smtClean="0"/>
+              <a:rPr lang="en-US"/>
               <a:t>Click to edit Master text styles</a:t>
             </a:r>
           </a:p>
           <a:p>
             <a:pPr lvl="1"/>
             <a:r>
-              <a:rPr lang="en-US" smtClean="0"/>
+              <a:rPr lang="en-US"/>
               <a:t>Second level</a:t>
             </a:r>
           </a:p>
           <a:p>
             <a:pPr lvl="2"/>
             <a:r>
-              <a:rPr lang="en-US" smtClean="0"/>
+              <a:rPr lang="en-US"/>
               <a:t>Third level</a:t>
             </a:r>
           </a:p>
           <a:p>
             <a:pPr lvl="3"/>
             <a:r>
-              <a:rPr lang="en-US" smtClean="0"/>
+              <a:rPr lang="en-US"/>
               <a:t>Fourth level</a:t>
             </a:r>
           </a:p>
           <a:p>
             <a:pPr lvl="4"/>
             <a:r>
-              <a:rPr lang="en-US" smtClean="0"/>
+              <a:rPr lang="en-US"/>
               <a:t>Fifth level</a:t>
             </a:r>
-            <a:endParaRPr lang="en-US"/>
           </a:p>
         </p:txBody>
       </p:sp>
@@ -5675,10 +5607,9 @@
           <a:lstStyle/>
           <a:p>
             <a:r>
-              <a:rPr lang="en-US" smtClean="0"/>
+              <a:rPr lang="en-US"/>
               <a:t>Click to edit Master title style</a:t>
             </a:r>
-            <a:endParaRPr lang="en-US"/>
           </a:p>
         </p:txBody>
       </p:sp>
@@ -5699,38 +5630,37 @@
           <a:p>
             <a:pPr lvl="0"/>
             <a:r>
-              <a:rPr lang="en-US" smtClean="0"/>
+              <a:rPr lang="en-US"/>
               <a:t>Click to edit Master text styles</a:t>
             </a:r>
           </a:p>
           <a:p>
             <a:pPr lvl="1"/>
             <a:r>
-              <a:rPr lang="en-US" smtClean="0"/>
+              <a:rPr lang="en-US"/>
               <a:t>Second level</a:t>
             </a:r>
           </a:p>
           <a:p>
             <a:pPr lvl="2"/>
             <a:r>
-              <a:rPr lang="en-US" smtClean="0"/>
+              <a:rPr lang="en-US"/>
               <a:t>Third level</a:t>
             </a:r>
           </a:p>
           <a:p>
             <a:pPr lvl="3"/>
             <a:r>
-              <a:rPr lang="en-US" smtClean="0"/>
+              <a:rPr lang="en-US"/>
               <a:t>Fourth level</a:t>
             </a:r>
           </a:p>
           <a:p>
             <a:pPr lvl="4"/>
             <a:r>
-              <a:rPr lang="en-US" smtClean="0"/>
+              <a:rPr lang="en-US"/>
               <a:t>Fifth level</a:t>
             </a:r>
-            <a:endParaRPr lang="en-US"/>
           </a:p>
         </p:txBody>
       </p:sp>
@@ -5825,10 +5755,9 @@
           </a:lstStyle>
           <a:p>
             <a:r>
-              <a:rPr lang="en-US" smtClean="0"/>
+              <a:rPr lang="en-US"/>
               <a:t>Click to edit Master title style</a:t>
             </a:r>
-            <a:endParaRPr lang="en-US"/>
           </a:p>
         </p:txBody>
       </p:sp>
@@ -5891,7 +5820,7 @@
           <a:p>
             <a:pPr lvl="0"/>
             <a:r>
-              <a:rPr lang="en-US" smtClean="0"/>
+              <a:rPr lang="en-US"/>
               <a:t>Click to edit Master text styles</a:t>
             </a:r>
           </a:p>
@@ -5979,10 +5908,9 @@
           <a:lstStyle/>
           <a:p>
             <a:r>
-              <a:rPr lang="en-US" smtClean="0"/>
+              <a:rPr lang="en-US"/>
               <a:t>Click to edit Master title style</a:t>
             </a:r>
-            <a:endParaRPr lang="en-US"/>
           </a:p>
         </p:txBody>
       </p:sp>
@@ -6008,38 +5936,37 @@
           <a:p>
             <a:pPr lvl="0"/>
             <a:r>
-              <a:rPr lang="en-US" smtClean="0"/>
+              <a:rPr lang="en-US"/>
               <a:t>Click to edit Master text styles</a:t>
             </a:r>
           </a:p>
           <a:p>
             <a:pPr lvl="1"/>
             <a:r>
-              <a:rPr lang="en-US" smtClean="0"/>
+              <a:rPr lang="en-US"/>
               <a:t>Second level</a:t>
             </a:r>
           </a:p>
           <a:p>
             <a:pPr lvl="2"/>
             <a:r>
-              <a:rPr lang="en-US" smtClean="0"/>
+              <a:rPr lang="en-US"/>
               <a:t>Third level</a:t>
             </a:r>
           </a:p>
           <a:p>
             <a:pPr lvl="3"/>
             <a:r>
-              <a:rPr lang="en-US" smtClean="0"/>
+              <a:rPr lang="en-US"/>
               <a:t>Fourth level</a:t>
             </a:r>
           </a:p>
           <a:p>
             <a:pPr lvl="4"/>
             <a:r>
-              <a:rPr lang="en-US" smtClean="0"/>
+              <a:rPr lang="en-US"/>
               <a:t>Fifth level</a:t>
             </a:r>
-            <a:endParaRPr lang="en-US"/>
           </a:p>
         </p:txBody>
       </p:sp>
@@ -6065,38 +5992,37 @@
           <a:p>
             <a:pPr lvl="0"/>
             <a:r>
-              <a:rPr lang="en-US" smtClean="0"/>
+              <a:rPr lang="en-US"/>
               <a:t>Click to edit Master text styles</a:t>
             </a:r>
           </a:p>
           <a:p>
             <a:pPr lvl="1"/>
             <a:r>
-              <a:rPr lang="en-US" smtClean="0"/>
+              <a:rPr lang="en-US"/>
               <a:t>Second level</a:t>
             </a:r>
           </a:p>
           <a:p>
             <a:pPr lvl="2"/>
             <a:r>
-              <a:rPr lang="en-US" smtClean="0"/>
+              <a:rPr lang="en-US"/>
               <a:t>Third level</a:t>
             </a:r>
           </a:p>
           <a:p>
             <a:pPr lvl="3"/>
             <a:r>
-              <a:rPr lang="en-US" smtClean="0"/>
+              <a:rPr lang="en-US"/>
               <a:t>Fourth level</a:t>
             </a:r>
           </a:p>
           <a:p>
             <a:pPr lvl="4"/>
             <a:r>
-              <a:rPr lang="en-US" smtClean="0"/>
+              <a:rPr lang="en-US"/>
               <a:t>Fifth level</a:t>
             </a:r>
-            <a:endParaRPr lang="en-US"/>
           </a:p>
         </p:txBody>
       </p:sp>
@@ -6187,10 +6113,9 @@
           <a:lstStyle/>
           <a:p>
             <a:r>
-              <a:rPr lang="en-US" smtClean="0"/>
+              <a:rPr lang="en-US"/>
               <a:t>Click to edit Master title style</a:t>
             </a:r>
-            <a:endParaRPr lang="en-US"/>
           </a:p>
         </p:txBody>
       </p:sp>
@@ -6253,7 +6178,7 @@
           <a:p>
             <a:pPr lvl="0"/>
             <a:r>
-              <a:rPr lang="en-US" smtClean="0"/>
+              <a:rPr lang="en-US"/>
               <a:t>Click to edit Master text styles</a:t>
             </a:r>
           </a:p>
@@ -6281,38 +6206,37 @@
           <a:p>
             <a:pPr lvl="0"/>
             <a:r>
-              <a:rPr lang="en-US" smtClean="0"/>
+              <a:rPr lang="en-US"/>
               <a:t>Click to edit Master text styles</a:t>
             </a:r>
           </a:p>
           <a:p>
             <a:pPr lvl="1"/>
             <a:r>
-              <a:rPr lang="en-US" smtClean="0"/>
+              <a:rPr lang="en-US"/>
               <a:t>Second level</a:t>
             </a:r>
           </a:p>
           <a:p>
             <a:pPr lvl="2"/>
             <a:r>
-              <a:rPr lang="en-US" smtClean="0"/>
+              <a:rPr lang="en-US"/>
               <a:t>Third level</a:t>
             </a:r>
           </a:p>
           <a:p>
             <a:pPr lvl="3"/>
             <a:r>
-              <a:rPr lang="en-US" smtClean="0"/>
+              <a:rPr lang="en-US"/>
               <a:t>Fourth level</a:t>
             </a:r>
           </a:p>
           <a:p>
             <a:pPr lvl="4"/>
             <a:r>
-              <a:rPr lang="en-US" smtClean="0"/>
+              <a:rPr lang="en-US"/>
               <a:t>Fifth level</a:t>
             </a:r>
-            <a:endParaRPr lang="en-US"/>
           </a:p>
         </p:txBody>
       </p:sp>
@@ -6375,7 +6299,7 @@
           <a:p>
             <a:pPr lvl="0"/>
             <a:r>
-              <a:rPr lang="en-US" smtClean="0"/>
+              <a:rPr lang="en-US"/>
               <a:t>Click to edit Master text styles</a:t>
             </a:r>
           </a:p>
@@ -6403,38 +6327,37 @@
           <a:p>
             <a:pPr lvl="0"/>
             <a:r>
-              <a:rPr lang="en-US" smtClean="0"/>
+              <a:rPr lang="en-US"/>
               <a:t>Click to edit Master text styles</a:t>
             </a:r>
           </a:p>
           <a:p>
             <a:pPr lvl="1"/>
             <a:r>
-              <a:rPr lang="en-US" smtClean="0"/>
+              <a:rPr lang="en-US"/>
               <a:t>Second level</a:t>
             </a:r>
           </a:p>
           <a:p>
             <a:pPr lvl="2"/>
             <a:r>
-              <a:rPr lang="en-US" smtClean="0"/>
+              <a:rPr lang="en-US"/>
               <a:t>Third level</a:t>
             </a:r>
           </a:p>
           <a:p>
             <a:pPr lvl="3"/>
             <a:r>
-              <a:rPr lang="en-US" smtClean="0"/>
+              <a:rPr lang="en-US"/>
               <a:t>Fourth level</a:t>
             </a:r>
           </a:p>
           <a:p>
             <a:pPr lvl="4"/>
             <a:r>
-              <a:rPr lang="en-US" smtClean="0"/>
+              <a:rPr lang="en-US"/>
               <a:t>Fifth level</a:t>
             </a:r>
-            <a:endParaRPr lang="en-US"/>
           </a:p>
         </p:txBody>
       </p:sp>
@@ -6520,10 +6443,9 @@
           <a:lstStyle/>
           <a:p>
             <a:r>
-              <a:rPr lang="en-US" smtClean="0"/>
+              <a:rPr lang="en-US"/>
               <a:t>Click to edit Master title style</a:t>
             </a:r>
-            <a:endParaRPr lang="en-US"/>
           </a:p>
         </p:txBody>
       </p:sp>
@@ -6684,10 +6606,9 @@
           </a:lstStyle>
           <a:p>
             <a:r>
-              <a:rPr lang="en-US" smtClean="0"/>
+              <a:rPr lang="en-US"/>
               <a:t>Click to edit Master title style</a:t>
             </a:r>
-            <a:endParaRPr lang="en-US"/>
           </a:p>
         </p:txBody>
       </p:sp>
@@ -6741,38 +6662,37 @@
           <a:p>
             <a:pPr lvl="0"/>
             <a:r>
-              <a:rPr lang="en-US" smtClean="0"/>
+              <a:rPr lang="en-US"/>
               <a:t>Click to edit Master text styles</a:t>
             </a:r>
           </a:p>
           <a:p>
             <a:pPr lvl="1"/>
             <a:r>
-              <a:rPr lang="en-US" smtClean="0"/>
+              <a:rPr lang="en-US"/>
               <a:t>Second level</a:t>
             </a:r>
           </a:p>
           <a:p>
             <a:pPr lvl="2"/>
             <a:r>
-              <a:rPr lang="en-US" smtClean="0"/>
+              <a:rPr lang="en-US"/>
               <a:t>Third level</a:t>
             </a:r>
           </a:p>
           <a:p>
             <a:pPr lvl="3"/>
             <a:r>
-              <a:rPr lang="en-US" smtClean="0"/>
+              <a:rPr lang="en-US"/>
               <a:t>Fourth level</a:t>
             </a:r>
           </a:p>
           <a:p>
             <a:pPr lvl="4"/>
             <a:r>
-              <a:rPr lang="en-US" smtClean="0"/>
+              <a:rPr lang="en-US"/>
               <a:t>Fifth level</a:t>
             </a:r>
-            <a:endParaRPr lang="en-US"/>
           </a:p>
         </p:txBody>
       </p:sp>
@@ -6835,7 +6755,7 @@
           <a:p>
             <a:pPr lvl="0"/>
             <a:r>
-              <a:rPr lang="en-US" smtClean="0"/>
+              <a:rPr lang="en-US"/>
               <a:t>Click to edit Master text styles</a:t>
             </a:r>
           </a:p>
@@ -6932,10 +6852,9 @@
           </a:lstStyle>
           <a:p>
             <a:r>
-              <a:rPr lang="en-US" smtClean="0"/>
+              <a:rPr lang="en-US"/>
               <a:t>Click to edit Master title style</a:t>
             </a:r>
-            <a:endParaRPr lang="en-US"/>
           </a:p>
         </p:txBody>
       </p:sp>
@@ -6998,7 +6917,7 @@
           <a:p>
             <a:pPr lvl="0"/>
             <a:r>
-              <a:rPr lang="en-US" noProof="0" smtClean="0"/>
+              <a:rPr lang="en-US" noProof="0"/>
               <a:t>Click icon to add picture</a:t>
             </a:r>
             <a:endParaRPr lang="en-US" noProof="0" dirty="0"/>
@@ -7064,7 +6983,7 @@
           <a:p>
             <a:pPr lvl="0"/>
             <a:r>
-              <a:rPr lang="en-US" smtClean="0"/>
+              <a:rPr lang="en-US"/>
               <a:t>Click to edit Master text styles</a:t>
             </a:r>
           </a:p>
@@ -7306,7 +7225,7 @@
             <a:pPr eaLnBrk="1" hangingPunct="1">
               <a:defRPr/>
             </a:pPr>
-            <a:endParaRPr lang="en-US" dirty="0" smtClean="0"/>
+            <a:endParaRPr lang="en-US" dirty="0"/>
           </a:p>
         </p:txBody>
       </p:sp>
@@ -7472,7 +7391,7 @@
             <a:pPr eaLnBrk="1" hangingPunct="1">
               <a:defRPr/>
             </a:pPr>
-            <a:endParaRPr lang="en-US" dirty="0" smtClean="0"/>
+            <a:endParaRPr lang="en-US" dirty="0"/>
           </a:p>
         </p:txBody>
       </p:sp>
@@ -7538,7 +7457,7 @@
           <a:p>
             <a:pPr lvl="0"/>
             <a:r>
-              <a:rPr lang="en-US" smtClean="0"/>
+              <a:rPr lang="en-US"/>
               <a:t>Header text</a:t>
             </a:r>
           </a:p>
@@ -7606,35 +7525,35 @@
           <a:p>
             <a:pPr lvl="0"/>
             <a:r>
-              <a:rPr lang="en-US" smtClean="0"/>
+              <a:rPr lang="en-US"/>
               <a:t>Level One Text</a:t>
             </a:r>
           </a:p>
           <a:p>
             <a:pPr lvl="1"/>
             <a:r>
-              <a:rPr lang="en-US" smtClean="0"/>
+              <a:rPr lang="en-US"/>
               <a:t>Level Two Text</a:t>
             </a:r>
           </a:p>
           <a:p>
             <a:pPr lvl="2"/>
             <a:r>
-              <a:rPr lang="en-US" smtClean="0"/>
+              <a:rPr lang="en-US"/>
               <a:t>Level Three Text</a:t>
             </a:r>
           </a:p>
           <a:p>
             <a:pPr lvl="3"/>
             <a:r>
-              <a:rPr lang="en-US" smtClean="0"/>
+              <a:rPr lang="en-US"/>
               <a:t>Level Four Text</a:t>
             </a:r>
           </a:p>
           <a:p>
             <a:pPr lvl="4"/>
             <a:r>
-              <a:rPr lang="en-US" smtClean="0"/>
+              <a:rPr lang="en-US"/>
               <a:t>Level Five Text</a:t>
             </a:r>
           </a:p>
@@ -7901,7 +7820,7 @@
               <a:defRPr/>
             </a:pPr>
             <a:r>
-              <a:rPr lang="en-US" altLang="en-US" sz="1400" i="0" dirty="0" smtClean="0">
+              <a:rPr lang="en-US" altLang="en-US" sz="1400" i="0" dirty="0">
                 <a:solidFill>
                   <a:schemeClr val="bg1"/>
                 </a:solidFill>
@@ -8139,7 +8058,7 @@
               <a:defRPr/>
             </a:pPr>
             <a:r>
-              <a:rPr lang="en-US" sz="800" i="0" dirty="0" smtClean="0">
+              <a:rPr lang="en-US" sz="800" i="0" dirty="0">
                 <a:solidFill>
                   <a:schemeClr val="bg1"/>
                 </a:solidFill>
@@ -8554,11 +8473,11 @@
               <a:defRPr/>
             </a:pPr>
             <a:r>
-              <a:rPr lang="en-US" sz="1000" i="0" dirty="0" smtClean="0"/>
+              <a:rPr lang="en-US" sz="1000" i="0" dirty="0"/>
               <a:t>IBM Confidential</a:t>
             </a:r>
             <a:r>
-              <a:rPr lang="en-US" i="0" dirty="0" smtClean="0"/>
+              <a:rPr lang="en-US" i="0" dirty="0"/>
               <a:t> </a:t>
             </a:r>
           </a:p>
@@ -9054,7 +8973,7 @@
           <a:p>
             <a:pPr eaLnBrk="1" hangingPunct="1"/>
             <a:r>
-              <a:rPr lang="en-US" sz="2000" dirty="0" smtClean="0">
+              <a:rPr lang="en-US" sz="2000" dirty="0">
                 <a:solidFill>
                   <a:schemeClr val="tx1"/>
                 </a:solidFill>
@@ -9062,7 +8981,7 @@
               <a:t>Krishna </a:t>
             </a:r>
             <a:r>
-              <a:rPr lang="en-US" sz="2000" dirty="0" err="1" smtClean="0">
+              <a:rPr lang="en-US" sz="2000" dirty="0" err="1">
                 <a:solidFill>
                   <a:schemeClr val="tx1"/>
                 </a:solidFill>
@@ -9070,7 +8989,7 @@
               <a:t>babu</a:t>
             </a:r>
             <a:r>
-              <a:rPr lang="en-US" sz="2000" dirty="0" smtClean="0">
+              <a:rPr lang="en-US" sz="2000" dirty="0">
                 <a:solidFill>
                   <a:schemeClr val="tx1"/>
                 </a:solidFill>
@@ -9078,7 +8997,7 @@
               <a:t> </a:t>
             </a:r>
             <a:r>
-              <a:rPr lang="en-US" sz="2000" dirty="0" err="1" smtClean="0">
+              <a:rPr lang="en-US" sz="2000" dirty="0" err="1">
                 <a:solidFill>
                   <a:schemeClr val="tx1"/>
                 </a:solidFill>
@@ -9086,7 +9005,7 @@
               <a:t>Ghanta</a:t>
             </a:r>
             <a:r>
-              <a:rPr lang="en-US" sz="2000" dirty="0" smtClean="0">
+              <a:rPr lang="en-US" sz="2000" dirty="0">
                 <a:solidFill>
                   <a:schemeClr val="tx1"/>
                 </a:solidFill>
@@ -9097,7 +9016,7 @@
           <a:p>
             <a:pPr eaLnBrk="1" hangingPunct="1"/>
             <a:r>
-              <a:rPr lang="en-US" sz="2000" dirty="0" smtClean="0">
+              <a:rPr lang="en-US" sz="2000" dirty="0">
                 <a:solidFill>
                   <a:schemeClr val="tx1"/>
                 </a:solidFill>
@@ -9131,7 +9050,7 @@
           <a:p>
             <a:pPr algn="ctr"/>
             <a:r>
-              <a:rPr lang="en-US" sz="5400" b="1" cap="none" spc="50" dirty="0" err="1" smtClean="0">
+              <a:rPr lang="en-US" sz="5400" b="1" cap="none" spc="50" dirty="0" err="1">
                 <a:ln w="0"/>
                 <a:solidFill>
                   <a:schemeClr val="bg2"/>
@@ -9168,13 +9087,6 @@
     <a:masterClrMapping/>
   </p:clrMapOvr>
   <p:transition spd="slow"/>
-  <p:timing>
-    <p:tnLst>
-      <p:par>
-        <p:cTn id="1" dur="indefinite" restart="never" nodeType="tmRoot"/>
-      </p:par>
-    </p:tnLst>
-  </p:timing>
 </p:sld>
 </file>
 
@@ -9211,14 +9123,285 @@
           <a:lstStyle/>
           <a:p>
             <a:r>
-              <a:rPr lang="en-US" dirty="0" err="1" smtClean="0"/>
+              <a:rPr lang="en-US" dirty="0"/>
+              <a:t>Circuit breaker</a:t>
+            </a:r>
+          </a:p>
+        </p:txBody>
+      </p:sp>
+      <p:sp>
+        <p:nvSpPr>
+          <p:cNvPr id="4" name="Slide Number Placeholder 3"/>
+          <p:cNvSpPr>
+            <a:spLocks noGrp="1"/>
+          </p:cNvSpPr>
+          <p:nvPr>
+            <p:ph type="sldNum" sz="quarter" idx="10"/>
+          </p:nvPr>
+        </p:nvSpPr>
+        <p:spPr/>
+        <p:txBody>
+          <a:bodyPr/>
+          <a:lstStyle/>
+          <a:p>
+            <a:pPr>
+              <a:defRPr/>
+            </a:pPr>
+            <a:fld id="{E20BCDF8-30D9-497E-B0E7-F574ED4A1EDB}" type="slidenum">
+              <a:rPr lang="en-US" smtClean="0"/>
+              <a:pPr>
+                <a:defRPr/>
+              </a:pPr>
+              <a:t>10</a:t>
+            </a:fld>
+            <a:endParaRPr lang="en-US" dirty="0"/>
+          </a:p>
+        </p:txBody>
+      </p:sp>
+      <p:pic>
+        <p:nvPicPr>
+          <p:cNvPr id="2050" name="Picture 2" descr="Image result for circuit breaker"/>
+          <p:cNvPicPr>
+            <a:picLocks noGrp="1" noChangeAspect="1" noChangeArrowheads="1"/>
+          </p:cNvPicPr>
+          <p:nvPr>
+            <p:ph idx="1"/>
+          </p:nvPr>
+        </p:nvPicPr>
+        <p:blipFill>
+          <a:blip r:embed="rId2" cstate="print">
+            <a:extLst>
+              <a:ext uri="{28A0092B-C50C-407E-A947-70E740481C1C}">
+                <a14:useLocalDpi xmlns:a14="http://schemas.microsoft.com/office/drawing/2010/main" val="0"/>
+              </a:ext>
+            </a:extLst>
+          </a:blip>
+          <a:srcRect/>
+          <a:stretch>
+            <a:fillRect/>
+          </a:stretch>
+        </p:blipFill>
+        <p:spPr bwMode="auto">
+          <a:xfrm>
+            <a:off x="7284904" y="470703"/>
+            <a:ext cx="1810544" cy="1810544"/>
+          </a:xfrm>
+          <a:prstGeom prst="rect">
+            <a:avLst/>
+          </a:prstGeom>
+          <a:noFill/>
+          <a:extLst>
+            <a:ext uri="{909E8E84-426E-40DD-AFC4-6F175D3DCCD1}">
+              <a14:hiddenFill xmlns:a14="http://schemas.microsoft.com/office/drawing/2010/main">
+                <a:solidFill>
+                  <a:srgbClr val="FFFFFF"/>
+                </a:solidFill>
+              </a14:hiddenFill>
+            </a:ext>
+          </a:extLst>
+        </p:spPr>
+      </p:pic>
+      <p:sp>
+        <p:nvSpPr>
+          <p:cNvPr id="5" name="Rectangle 4"/>
+          <p:cNvSpPr/>
+          <p:nvPr/>
+        </p:nvSpPr>
+        <p:spPr>
+          <a:xfrm>
+            <a:off x="228600" y="1720840"/>
+            <a:ext cx="7086600" cy="2862322"/>
+          </a:xfrm>
+          <a:prstGeom prst="rect">
+            <a:avLst/>
+          </a:prstGeom>
+        </p:spPr>
+        <p:txBody>
+          <a:bodyPr wrap="square">
+            <a:spAutoFit/>
+          </a:bodyPr>
+          <a:lstStyle/>
+          <a:p>
+            <a:pPr marL="285750" indent="-285750">
+              <a:buFont typeface="Arial" panose="020B0604020202020204" pitchFamily="34" charset="0"/>
+              <a:buChar char="•"/>
+            </a:pPr>
+            <a:r>
+              <a:rPr lang="en-US" i="0" dirty="0"/>
+              <a:t>Like our household circuit breaker detects failure conditions and </a:t>
+            </a:r>
+            <a:r>
+              <a:rPr lang="en-US" i="0" dirty="0">
+                <a:solidFill>
+                  <a:schemeClr val="tx2"/>
+                </a:solidFill>
+              </a:rPr>
+              <a:t>"opens" </a:t>
+            </a:r>
+            <a:r>
+              <a:rPr lang="en-US" i="0" dirty="0"/>
+              <a:t>to disallow further calls.</a:t>
+            </a:r>
+          </a:p>
+          <a:p>
+            <a:pPr marL="285750" indent="-285750">
+              <a:buFont typeface="Arial" panose="020B0604020202020204" pitchFamily="34" charset="0"/>
+              <a:buChar char="•"/>
+            </a:pPr>
+            <a:r>
+              <a:rPr lang="en-US" i="0" dirty="0"/>
+              <a:t>When Error rate hits the threshold, the circuit opens</a:t>
+            </a:r>
+          </a:p>
+          <a:p>
+            <a:pPr marL="742950" lvl="1" indent="-285750">
+              <a:buFont typeface="Arial" panose="020B0604020202020204" pitchFamily="34" charset="0"/>
+              <a:buChar char="•"/>
+            </a:pPr>
+            <a:r>
+              <a:rPr lang="en-US" i="0" dirty="0" err="1"/>
               <a:t>Hystrix</a:t>
             </a:r>
             <a:r>
-              <a:rPr lang="en-US" dirty="0" smtClean="0"/>
+              <a:rPr lang="en-US" i="0" dirty="0"/>
+              <a:t> defaults : 20 failures in 5 seconds</a:t>
+            </a:r>
+          </a:p>
+          <a:p>
+            <a:pPr marL="285750" indent="-285750">
+              <a:buFont typeface="Arial" panose="020B0604020202020204" pitchFamily="34" charset="0"/>
+              <a:buChar char="•"/>
+            </a:pPr>
+            <a:r>
+              <a:rPr lang="en-US" i="0" dirty="0"/>
+              <a:t>Identify </a:t>
+            </a:r>
+            <a:r>
+              <a:rPr lang="en-US" i="0" dirty="0">
+                <a:solidFill>
+                  <a:schemeClr val="tx2"/>
+                </a:solidFill>
+              </a:rPr>
+              <a:t>"fallback" </a:t>
+            </a:r>
+            <a:r>
+              <a:rPr lang="en-US" i="0" dirty="0"/>
+              <a:t>- What to do in case of a service dependency failure </a:t>
+            </a:r>
+          </a:p>
+          <a:p>
+            <a:pPr marL="285750" indent="-285750">
+              <a:buFont typeface="Arial" panose="020B0604020202020204" pitchFamily="34" charset="0"/>
+              <a:buChar char="•"/>
+            </a:pPr>
+            <a:r>
+              <a:rPr lang="en-US" i="0" dirty="0"/>
+              <a:t>Automatically </a:t>
+            </a:r>
+            <a:r>
+              <a:rPr lang="en-US" i="0" dirty="0">
+                <a:solidFill>
+                  <a:schemeClr val="tx2"/>
+                </a:solidFill>
+              </a:rPr>
+              <a:t>"closes" </a:t>
+            </a:r>
+            <a:r>
+              <a:rPr lang="en-US" i="0" dirty="0"/>
+              <a:t>itself after interval </a:t>
+            </a:r>
+          </a:p>
+          <a:p>
+            <a:pPr marL="742950" lvl="1" indent="-285750">
+              <a:buFont typeface="Arial" panose="020B0604020202020204" pitchFamily="34" charset="0"/>
+              <a:buChar char="•"/>
+            </a:pPr>
+            <a:r>
+              <a:rPr lang="en-US" i="0" dirty="0" err="1"/>
+              <a:t>Hystrix</a:t>
+            </a:r>
+            <a:r>
+              <a:rPr lang="en-US" i="0" dirty="0"/>
+              <a:t> </a:t>
+            </a:r>
+            <a:r>
+              <a:rPr lang="en-US" i="0" dirty="0" err="1"/>
+              <a:t>defult</a:t>
+            </a:r>
+            <a:r>
+              <a:rPr lang="en-US" i="0" dirty="0"/>
+              <a:t> - 5 seconds</a:t>
+            </a:r>
+          </a:p>
+          <a:p>
+            <a:pPr marL="285750" indent="-285750">
+              <a:buFont typeface="Arial" panose="020B0604020202020204" pitchFamily="34" charset="0"/>
+              <a:buChar char="•"/>
+            </a:pPr>
+            <a:endParaRPr lang="en-US" i="0" dirty="0"/>
+          </a:p>
+          <a:p>
+            <a:r>
+              <a:rPr lang="en-US" i="0" dirty="0"/>
+              <a:t>		</a:t>
+            </a:r>
+          </a:p>
+        </p:txBody>
+      </p:sp>
+    </p:spTree>
+    <p:extLst>
+      <p:ext uri="{BB962C8B-B14F-4D97-AF65-F5344CB8AC3E}">
+        <p14:creationId xmlns:p14="http://schemas.microsoft.com/office/powerpoint/2010/main" val="82730576"/>
+      </p:ext>
+    </p:extLst>
+  </p:cSld>
+  <p:clrMapOvr>
+    <a:masterClrMapping/>
+  </p:clrMapOvr>
+  <p:transition spd="slow"/>
+</p:sld>
+</file>
+
+<file path=ppt/slides/slide11.xml><?xml version="1.0" encoding="utf-8"?>
+<p:sld xmlns:a="http://schemas.openxmlformats.org/drawingml/2006/main" xmlns:r="http://schemas.openxmlformats.org/officeDocument/2006/relationships" xmlns:p="http://schemas.openxmlformats.org/presentationml/2006/main">
+  <p:cSld>
+    <p:spTree>
+      <p:nvGrpSpPr>
+        <p:cNvPr id="1" name=""/>
+        <p:cNvGrpSpPr/>
+        <p:nvPr/>
+      </p:nvGrpSpPr>
+      <p:grpSpPr>
+        <a:xfrm>
+          <a:off x="0" y="0"/>
+          <a:ext cx="0" cy="0"/>
+          <a:chOff x="0" y="0"/>
+          <a:chExt cx="0" cy="0"/>
+        </a:xfrm>
+      </p:grpSpPr>
+      <p:sp>
+        <p:nvSpPr>
+          <p:cNvPr id="2" name="Title 1"/>
+          <p:cNvSpPr>
+            <a:spLocks noGrp="1"/>
+          </p:cNvSpPr>
+          <p:nvPr>
+            <p:ph type="title"/>
+          </p:nvPr>
+        </p:nvSpPr>
+        <p:spPr/>
+        <p:txBody>
+          <a:bodyPr/>
+          <a:lstStyle/>
+          <a:p>
+            <a:r>
+              <a:rPr lang="en-US" dirty="0" err="1"/>
+              <a:t>Hystrix</a:t>
+            </a:r>
+            <a:r>
+              <a:rPr lang="en-US" dirty="0"/>
               <a:t> Setup</a:t>
             </a:r>
-            <a:endParaRPr lang="en-US" dirty="0"/>
           </a:p>
         </p:txBody>
       </p:sp>
@@ -9243,15 +9426,15 @@
           <a:lstStyle/>
           <a:p>
             <a:r>
-              <a:rPr lang="en-US" dirty="0" smtClean="0"/>
+              <a:rPr lang="en-US" dirty="0"/>
               <a:t>Just add the dependency from </a:t>
             </a:r>
             <a:r>
-              <a:rPr lang="en-US" dirty="0" err="1" smtClean="0"/>
+              <a:rPr lang="en-US" dirty="0" err="1"/>
               <a:t>At&amp;T</a:t>
             </a:r>
             <a:r>
-              <a:rPr lang="en-US" dirty="0" smtClean="0"/>
+              <a:rPr lang="en-US" dirty="0"/>
               <a:t> Nexus to your POM </a:t>
             </a:r>
           </a:p>
@@ -9283,7 +9466,7 @@
               <a:pPr>
                 <a:defRPr/>
               </a:pPr>
-              <a:t>10</a:t>
+              <a:t>11</a:t>
             </a:fld>
             <a:endParaRPr lang="en-US" dirty="0"/>
           </a:p>
@@ -9324,1197 +9507,6 @@
     <a:masterClrMapping/>
   </p:clrMapOvr>
   <p:transition spd="slow"/>
-  <p:timing>
-    <p:tnLst>
-      <p:par>
-        <p:cTn id="1" dur="indefinite" restart="never" nodeType="tmRoot"/>
-      </p:par>
-    </p:tnLst>
-  </p:timing>
-</p:sld>
-</file>
-
-<file path=ppt/slides/slide11.xml><?xml version="1.0" encoding="utf-8"?>
-<p:sld xmlns:a="http://schemas.openxmlformats.org/drawingml/2006/main" xmlns:r="http://schemas.openxmlformats.org/officeDocument/2006/relationships" xmlns:p="http://schemas.openxmlformats.org/presentationml/2006/main">
-  <p:cSld>
-    <p:spTree>
-      <p:nvGrpSpPr>
-        <p:cNvPr id="1" name=""/>
-        <p:cNvGrpSpPr/>
-        <p:nvPr/>
-      </p:nvGrpSpPr>
-      <p:grpSpPr>
-        <a:xfrm>
-          <a:off x="0" y="0"/>
-          <a:ext cx="0" cy="0"/>
-          <a:chOff x="0" y="0"/>
-          <a:chExt cx="0" cy="0"/>
-        </a:xfrm>
-      </p:grpSpPr>
-      <p:sp>
-        <p:nvSpPr>
-          <p:cNvPr id="2" name="Title 1"/>
-          <p:cNvSpPr>
-            <a:spLocks noGrp="1"/>
-          </p:cNvSpPr>
-          <p:nvPr>
-            <p:ph type="title"/>
-          </p:nvPr>
-        </p:nvSpPr>
-        <p:spPr/>
-        <p:txBody>
-          <a:bodyPr/>
-          <a:lstStyle/>
-          <a:p>
-            <a:r>
-              <a:rPr lang="en-US" dirty="0" smtClean="0"/>
-              <a:t>Setup </a:t>
-            </a:r>
-            <a:r>
-              <a:rPr lang="en-US" dirty="0" err="1" smtClean="0"/>
-              <a:t>Hystrix</a:t>
-            </a:r>
-            <a:endParaRPr lang="en-US" dirty="0"/>
-          </a:p>
-        </p:txBody>
-      </p:sp>
-      <p:sp>
-        <p:nvSpPr>
-          <p:cNvPr id="4" name="Slide Number Placeholder 3"/>
-          <p:cNvSpPr>
-            <a:spLocks noGrp="1"/>
-          </p:cNvSpPr>
-          <p:nvPr>
-            <p:ph type="sldNum" sz="quarter" idx="10"/>
-          </p:nvPr>
-        </p:nvSpPr>
-        <p:spPr/>
-        <p:txBody>
-          <a:bodyPr/>
-          <a:lstStyle/>
-          <a:p>
-            <a:pPr>
-              <a:defRPr/>
-            </a:pPr>
-            <a:fld id="{E20BCDF8-30D9-497E-B0E7-F574ED4A1EDB}" type="slidenum">
-              <a:rPr lang="en-US" smtClean="0"/>
-              <a:pPr>
-                <a:defRPr/>
-              </a:pPr>
-              <a:t>11</a:t>
-            </a:fld>
-            <a:endParaRPr lang="en-US" dirty="0"/>
-          </a:p>
-        </p:txBody>
-      </p:sp>
-      <p:sp>
-        <p:nvSpPr>
-          <p:cNvPr id="8" name="Rectangle 7"/>
-          <p:cNvSpPr/>
-          <p:nvPr/>
-        </p:nvSpPr>
-        <p:spPr>
-          <a:xfrm>
-            <a:off x="346113" y="1525207"/>
-            <a:ext cx="8001000" cy="1754326"/>
-          </a:xfrm>
-          <a:prstGeom prst="rect">
-            <a:avLst/>
-          </a:prstGeom>
-        </p:spPr>
-        <p:txBody>
-          <a:bodyPr wrap="square">
-            <a:spAutoFit/>
-          </a:bodyPr>
-          <a:lstStyle/>
-          <a:p>
-            <a:r>
-              <a:rPr lang="en-US" sz="1000" dirty="0" smtClean="0">
-                <a:solidFill>
-                  <a:srgbClr val="008080"/>
-                </a:solidFill>
-                <a:latin typeface="Consolas" panose="020B0609020204030204" pitchFamily="49" charset="0"/>
-              </a:rPr>
-              <a:t>&lt;</a:t>
-            </a:r>
-            <a:r>
-              <a:rPr lang="en-US" sz="1000" dirty="0" smtClean="0">
-                <a:solidFill>
-                  <a:srgbClr val="3F7F7F"/>
-                </a:solidFill>
-                <a:latin typeface="Consolas" panose="020B0609020204030204" pitchFamily="49" charset="0"/>
-              </a:rPr>
-              <a:t>dependency</a:t>
-            </a:r>
-            <a:r>
-              <a:rPr lang="en-US" sz="1000" dirty="0" smtClean="0">
-                <a:solidFill>
-                  <a:srgbClr val="008080"/>
-                </a:solidFill>
-                <a:latin typeface="Consolas" panose="020B0609020204030204" pitchFamily="49" charset="0"/>
-              </a:rPr>
-              <a:t>&gt;</a:t>
-            </a:r>
-          </a:p>
-          <a:p>
-            <a:pPr lvl="1"/>
-            <a:r>
-              <a:rPr lang="en-US" sz="1000" dirty="0" smtClean="0">
-                <a:solidFill>
-                  <a:srgbClr val="008080"/>
-                </a:solidFill>
-                <a:latin typeface="Consolas" panose="020B0609020204030204" pitchFamily="49" charset="0"/>
-              </a:rPr>
-              <a:t>&lt;</a:t>
-            </a:r>
-            <a:r>
-              <a:rPr lang="en-US" sz="1000" dirty="0" err="1" smtClean="0">
-                <a:solidFill>
-                  <a:srgbClr val="3F7F7F"/>
-                </a:solidFill>
-                <a:latin typeface="Consolas" panose="020B0609020204030204" pitchFamily="49" charset="0"/>
-              </a:rPr>
-              <a:t>groupId</a:t>
-            </a:r>
-            <a:r>
-              <a:rPr lang="en-US" sz="1000" dirty="0" smtClean="0">
-                <a:solidFill>
-                  <a:srgbClr val="008080"/>
-                </a:solidFill>
-                <a:latin typeface="Consolas" panose="020B0609020204030204" pitchFamily="49" charset="0"/>
-              </a:rPr>
-              <a:t>&gt;</a:t>
-            </a:r>
-            <a:r>
-              <a:rPr lang="en-US" sz="1000" dirty="0" err="1" smtClean="0">
-                <a:solidFill>
-                  <a:srgbClr val="000000"/>
-                </a:solidFill>
-                <a:latin typeface="Consolas" panose="020B0609020204030204" pitchFamily="49" charset="0"/>
-              </a:rPr>
-              <a:t>org.springframework.cloud</a:t>
-            </a:r>
-            <a:r>
-              <a:rPr lang="en-US" sz="1000" dirty="0" smtClean="0">
-                <a:solidFill>
-                  <a:srgbClr val="008080"/>
-                </a:solidFill>
-                <a:latin typeface="Consolas" panose="020B0609020204030204" pitchFamily="49" charset="0"/>
-              </a:rPr>
-              <a:t>&lt;/</a:t>
-            </a:r>
-            <a:r>
-              <a:rPr lang="en-US" sz="1000" dirty="0" err="1" smtClean="0">
-                <a:solidFill>
-                  <a:srgbClr val="3F7F7F"/>
-                </a:solidFill>
-                <a:latin typeface="Consolas" panose="020B0609020204030204" pitchFamily="49" charset="0"/>
-              </a:rPr>
-              <a:t>groupId</a:t>
-            </a:r>
-            <a:r>
-              <a:rPr lang="en-US" sz="1000" dirty="0" smtClean="0">
-                <a:solidFill>
-                  <a:srgbClr val="008080"/>
-                </a:solidFill>
-                <a:latin typeface="Consolas" panose="020B0609020204030204" pitchFamily="49" charset="0"/>
-              </a:rPr>
-              <a:t>&gt;</a:t>
-            </a:r>
-          </a:p>
-          <a:p>
-            <a:pPr lvl="1"/>
-            <a:r>
-              <a:rPr lang="en-US" sz="1000" dirty="0" smtClean="0">
-                <a:solidFill>
-                  <a:srgbClr val="008080"/>
-                </a:solidFill>
-                <a:latin typeface="Consolas" panose="020B0609020204030204" pitchFamily="49" charset="0"/>
-              </a:rPr>
-              <a:t>&lt;</a:t>
-            </a:r>
-            <a:r>
-              <a:rPr lang="en-US" sz="1000" dirty="0" err="1" smtClean="0">
-                <a:solidFill>
-                  <a:srgbClr val="3F7F7F"/>
-                </a:solidFill>
-                <a:latin typeface="Consolas" panose="020B0609020204030204" pitchFamily="49" charset="0"/>
-              </a:rPr>
-              <a:t>artifactId</a:t>
-            </a:r>
-            <a:r>
-              <a:rPr lang="en-US" sz="1000" dirty="0" smtClean="0">
-                <a:solidFill>
-                  <a:srgbClr val="008080"/>
-                </a:solidFill>
-                <a:latin typeface="Consolas" panose="020B0609020204030204" pitchFamily="49" charset="0"/>
-              </a:rPr>
-              <a:t>&gt;</a:t>
-            </a:r>
-            <a:r>
-              <a:rPr lang="en-US" sz="1000" dirty="0" smtClean="0">
-                <a:solidFill>
-                  <a:srgbClr val="000000"/>
-                </a:solidFill>
-                <a:latin typeface="Consolas" panose="020B0609020204030204" pitchFamily="49" charset="0"/>
-              </a:rPr>
-              <a:t>spring-cloud-starter-</a:t>
-            </a:r>
-            <a:r>
-              <a:rPr lang="en-US" sz="1000" u="sng" dirty="0" err="1" smtClean="0">
-                <a:solidFill>
-                  <a:srgbClr val="000000"/>
-                </a:solidFill>
-                <a:latin typeface="Consolas" panose="020B0609020204030204" pitchFamily="49" charset="0"/>
-              </a:rPr>
-              <a:t>hystrix</a:t>
-            </a:r>
-            <a:r>
-              <a:rPr lang="en-US" sz="1000" u="sng" dirty="0" smtClean="0">
-                <a:solidFill>
-                  <a:srgbClr val="008080"/>
-                </a:solidFill>
-                <a:latin typeface="Consolas" panose="020B0609020204030204" pitchFamily="49" charset="0"/>
-              </a:rPr>
-              <a:t>&lt;/</a:t>
-            </a:r>
-            <a:r>
-              <a:rPr lang="en-US" sz="1000" u="sng" dirty="0" err="1" smtClean="0">
-                <a:solidFill>
-                  <a:srgbClr val="3F7F7F"/>
-                </a:solidFill>
-                <a:latin typeface="Consolas" panose="020B0609020204030204" pitchFamily="49" charset="0"/>
-              </a:rPr>
-              <a:t>artifactId</a:t>
-            </a:r>
-            <a:r>
-              <a:rPr lang="en-US" sz="1000" u="sng" dirty="0" smtClean="0">
-                <a:solidFill>
-                  <a:srgbClr val="008080"/>
-                </a:solidFill>
-                <a:latin typeface="Consolas" panose="020B0609020204030204" pitchFamily="49" charset="0"/>
-              </a:rPr>
-              <a:t>&gt;</a:t>
-            </a:r>
-          </a:p>
-          <a:p>
-            <a:pPr lvl="1"/>
-            <a:r>
-              <a:rPr lang="en-US" sz="1000" dirty="0" smtClean="0">
-                <a:solidFill>
-                  <a:srgbClr val="008080"/>
-                </a:solidFill>
-                <a:latin typeface="Consolas" panose="020B0609020204030204" pitchFamily="49" charset="0"/>
-              </a:rPr>
-              <a:t>&lt;</a:t>
-            </a:r>
-            <a:r>
-              <a:rPr lang="en-US" sz="1000" dirty="0" smtClean="0">
-                <a:solidFill>
-                  <a:srgbClr val="3F7F7F"/>
-                </a:solidFill>
-                <a:latin typeface="Consolas" panose="020B0609020204030204" pitchFamily="49" charset="0"/>
-              </a:rPr>
-              <a:t>version</a:t>
-            </a:r>
-            <a:r>
-              <a:rPr lang="en-US" sz="1000" dirty="0" smtClean="0">
-                <a:solidFill>
-                  <a:srgbClr val="008080"/>
-                </a:solidFill>
-                <a:latin typeface="Consolas" panose="020B0609020204030204" pitchFamily="49" charset="0"/>
-              </a:rPr>
-              <a:t>&gt;</a:t>
-            </a:r>
-            <a:r>
-              <a:rPr lang="en-US" sz="1000" dirty="0" smtClean="0">
-                <a:solidFill>
-                  <a:srgbClr val="000000"/>
-                </a:solidFill>
-                <a:latin typeface="Consolas" panose="020B0609020204030204" pitchFamily="49" charset="0"/>
-              </a:rPr>
-              <a:t>1.1.5.RELEASE</a:t>
-            </a:r>
-            <a:r>
-              <a:rPr lang="en-US" sz="1000" dirty="0" smtClean="0">
-                <a:solidFill>
-                  <a:srgbClr val="008080"/>
-                </a:solidFill>
-                <a:latin typeface="Consolas" panose="020B0609020204030204" pitchFamily="49" charset="0"/>
-              </a:rPr>
-              <a:t>&lt;/</a:t>
-            </a:r>
-            <a:r>
-              <a:rPr lang="en-US" sz="1000" dirty="0" smtClean="0">
-                <a:solidFill>
-                  <a:srgbClr val="3F7F7F"/>
-                </a:solidFill>
-                <a:latin typeface="Consolas" panose="020B0609020204030204" pitchFamily="49" charset="0"/>
-              </a:rPr>
-              <a:t>version</a:t>
-            </a:r>
-            <a:r>
-              <a:rPr lang="en-US" sz="1000" dirty="0" smtClean="0">
-                <a:solidFill>
-                  <a:srgbClr val="008080"/>
-                </a:solidFill>
-                <a:latin typeface="Consolas" panose="020B0609020204030204" pitchFamily="49" charset="0"/>
-              </a:rPr>
-              <a:t>&gt;</a:t>
-            </a:r>
-          </a:p>
-          <a:p>
-            <a:r>
-              <a:rPr lang="en-US" sz="1000" dirty="0" smtClean="0">
-                <a:solidFill>
-                  <a:srgbClr val="008080"/>
-                </a:solidFill>
-                <a:latin typeface="Consolas" panose="020B0609020204030204" pitchFamily="49" charset="0"/>
-              </a:rPr>
-              <a:t>&lt;/</a:t>
-            </a:r>
-            <a:r>
-              <a:rPr lang="en-US" sz="1000" dirty="0" smtClean="0">
-                <a:solidFill>
-                  <a:srgbClr val="3F7F7F"/>
-                </a:solidFill>
-                <a:latin typeface="Consolas" panose="020B0609020204030204" pitchFamily="49" charset="0"/>
-              </a:rPr>
-              <a:t>dependency</a:t>
-            </a:r>
-            <a:r>
-              <a:rPr lang="en-US" sz="1000" dirty="0" smtClean="0">
-                <a:solidFill>
-                  <a:srgbClr val="008080"/>
-                </a:solidFill>
-                <a:latin typeface="Consolas" panose="020B0609020204030204" pitchFamily="49" charset="0"/>
-              </a:rPr>
-              <a:t>&gt;</a:t>
-            </a:r>
-          </a:p>
-          <a:p>
-            <a:r>
-              <a:rPr lang="en-US" sz="1000" dirty="0" smtClean="0">
-                <a:solidFill>
-                  <a:srgbClr val="008080"/>
-                </a:solidFill>
-                <a:latin typeface="Consolas" panose="020B0609020204030204" pitchFamily="49" charset="0"/>
-              </a:rPr>
-              <a:t>&lt;</a:t>
-            </a:r>
-            <a:r>
-              <a:rPr lang="en-US" sz="1000" dirty="0" smtClean="0">
-                <a:solidFill>
-                  <a:srgbClr val="3F7F7F"/>
-                </a:solidFill>
-                <a:latin typeface="Consolas" panose="020B0609020204030204" pitchFamily="49" charset="0"/>
-              </a:rPr>
-              <a:t>dependency</a:t>
-            </a:r>
-            <a:r>
-              <a:rPr lang="en-US" sz="1000" dirty="0" smtClean="0">
-                <a:solidFill>
-                  <a:srgbClr val="008080"/>
-                </a:solidFill>
-                <a:latin typeface="Consolas" panose="020B0609020204030204" pitchFamily="49" charset="0"/>
-              </a:rPr>
-              <a:t>&gt;</a:t>
-            </a:r>
-          </a:p>
-          <a:p>
-            <a:pPr lvl="1"/>
-            <a:r>
-              <a:rPr lang="en-US" sz="1000" dirty="0" smtClean="0">
-                <a:solidFill>
-                  <a:srgbClr val="008080"/>
-                </a:solidFill>
-                <a:latin typeface="Consolas" panose="020B0609020204030204" pitchFamily="49" charset="0"/>
-              </a:rPr>
-              <a:t>&lt;</a:t>
-            </a:r>
-            <a:r>
-              <a:rPr lang="en-US" sz="1000" dirty="0" err="1" smtClean="0">
-                <a:solidFill>
-                  <a:srgbClr val="3F7F7F"/>
-                </a:solidFill>
-                <a:latin typeface="Consolas" panose="020B0609020204030204" pitchFamily="49" charset="0"/>
-              </a:rPr>
-              <a:t>groupId</a:t>
-            </a:r>
-            <a:r>
-              <a:rPr lang="en-US" sz="1000" dirty="0" smtClean="0">
-                <a:solidFill>
-                  <a:srgbClr val="008080"/>
-                </a:solidFill>
-                <a:latin typeface="Consolas" panose="020B0609020204030204" pitchFamily="49" charset="0"/>
-              </a:rPr>
-              <a:t>&gt;</a:t>
-            </a:r>
-            <a:r>
-              <a:rPr lang="en-US" sz="1000" dirty="0" err="1" smtClean="0">
-                <a:solidFill>
-                  <a:srgbClr val="000000"/>
-                </a:solidFill>
-                <a:latin typeface="Consolas" panose="020B0609020204030204" pitchFamily="49" charset="0"/>
-              </a:rPr>
-              <a:t>org.springframework.cloud</a:t>
-            </a:r>
-            <a:r>
-              <a:rPr lang="en-US" sz="1000" dirty="0" smtClean="0">
-                <a:solidFill>
-                  <a:srgbClr val="008080"/>
-                </a:solidFill>
-                <a:latin typeface="Consolas" panose="020B0609020204030204" pitchFamily="49" charset="0"/>
-              </a:rPr>
-              <a:t>&lt;/</a:t>
-            </a:r>
-            <a:r>
-              <a:rPr lang="en-US" sz="1000" dirty="0" err="1" smtClean="0">
-                <a:solidFill>
-                  <a:srgbClr val="3F7F7F"/>
-                </a:solidFill>
-                <a:latin typeface="Consolas" panose="020B0609020204030204" pitchFamily="49" charset="0"/>
-              </a:rPr>
-              <a:t>groupId</a:t>
-            </a:r>
-            <a:r>
-              <a:rPr lang="en-US" sz="1000" dirty="0" smtClean="0">
-                <a:solidFill>
-                  <a:srgbClr val="008080"/>
-                </a:solidFill>
-                <a:latin typeface="Consolas" panose="020B0609020204030204" pitchFamily="49" charset="0"/>
-              </a:rPr>
-              <a:t>&gt;</a:t>
-            </a:r>
-          </a:p>
-          <a:p>
-            <a:pPr lvl="1"/>
-            <a:r>
-              <a:rPr lang="en-US" sz="1000" dirty="0" smtClean="0">
-                <a:solidFill>
-                  <a:srgbClr val="008080"/>
-                </a:solidFill>
-                <a:latin typeface="Consolas" panose="020B0609020204030204" pitchFamily="49" charset="0"/>
-              </a:rPr>
-              <a:t>&lt;</a:t>
-            </a:r>
-            <a:r>
-              <a:rPr lang="en-US" sz="1000" dirty="0" err="1" smtClean="0">
-                <a:solidFill>
-                  <a:srgbClr val="3F7F7F"/>
-                </a:solidFill>
-                <a:latin typeface="Consolas" panose="020B0609020204030204" pitchFamily="49" charset="0"/>
-              </a:rPr>
-              <a:t>artifactId</a:t>
-            </a:r>
-            <a:r>
-              <a:rPr lang="en-US" sz="1000" dirty="0" smtClean="0">
-                <a:solidFill>
-                  <a:srgbClr val="008080"/>
-                </a:solidFill>
-                <a:latin typeface="Consolas" panose="020B0609020204030204" pitchFamily="49" charset="0"/>
-              </a:rPr>
-              <a:t>&gt;</a:t>
-            </a:r>
-            <a:r>
-              <a:rPr lang="en-US" sz="1000" dirty="0" smtClean="0">
-                <a:solidFill>
-                  <a:srgbClr val="000000"/>
-                </a:solidFill>
-                <a:latin typeface="Consolas" panose="020B0609020204030204" pitchFamily="49" charset="0"/>
-              </a:rPr>
-              <a:t>spring-cloud-starter-</a:t>
-            </a:r>
-            <a:r>
-              <a:rPr lang="en-US" sz="1000" u="sng" dirty="0" err="1" smtClean="0">
-                <a:solidFill>
-                  <a:srgbClr val="000000"/>
-                </a:solidFill>
-                <a:latin typeface="Consolas" panose="020B0609020204030204" pitchFamily="49" charset="0"/>
-              </a:rPr>
-              <a:t>hystrix</a:t>
-            </a:r>
-            <a:r>
-              <a:rPr lang="en-US" sz="1000" u="sng" dirty="0" smtClean="0">
-                <a:solidFill>
-                  <a:srgbClr val="000000"/>
-                </a:solidFill>
-                <a:latin typeface="Consolas" panose="020B0609020204030204" pitchFamily="49" charset="0"/>
-              </a:rPr>
-              <a:t>-dashboard</a:t>
-            </a:r>
-            <a:r>
-              <a:rPr lang="en-US" sz="1000" u="sng" dirty="0" smtClean="0">
-                <a:solidFill>
-                  <a:srgbClr val="008080"/>
-                </a:solidFill>
-                <a:latin typeface="Consolas" panose="020B0609020204030204" pitchFamily="49" charset="0"/>
-              </a:rPr>
-              <a:t>&lt;/</a:t>
-            </a:r>
-            <a:r>
-              <a:rPr lang="en-US" sz="1000" u="sng" dirty="0" err="1" smtClean="0">
-                <a:solidFill>
-                  <a:srgbClr val="3F7F7F"/>
-                </a:solidFill>
-                <a:latin typeface="Consolas" panose="020B0609020204030204" pitchFamily="49" charset="0"/>
-              </a:rPr>
-              <a:t>artifactId</a:t>
-            </a:r>
-            <a:r>
-              <a:rPr lang="en-US" sz="1000" u="sng" dirty="0" smtClean="0">
-                <a:solidFill>
-                  <a:srgbClr val="008080"/>
-                </a:solidFill>
-                <a:latin typeface="Consolas" panose="020B0609020204030204" pitchFamily="49" charset="0"/>
-              </a:rPr>
-              <a:t>&gt;</a:t>
-            </a:r>
-          </a:p>
-          <a:p>
-            <a:pPr lvl="1"/>
-            <a:r>
-              <a:rPr lang="en-US" sz="1000" dirty="0" smtClean="0">
-                <a:solidFill>
-                  <a:srgbClr val="008080"/>
-                </a:solidFill>
-                <a:latin typeface="Consolas" panose="020B0609020204030204" pitchFamily="49" charset="0"/>
-              </a:rPr>
-              <a:t>&lt;</a:t>
-            </a:r>
-            <a:r>
-              <a:rPr lang="en-US" sz="1000" dirty="0" smtClean="0">
-                <a:solidFill>
-                  <a:srgbClr val="3F7F7F"/>
-                </a:solidFill>
-                <a:latin typeface="Consolas" panose="020B0609020204030204" pitchFamily="49" charset="0"/>
-              </a:rPr>
-              <a:t>version</a:t>
-            </a:r>
-            <a:r>
-              <a:rPr lang="en-US" sz="1000" dirty="0" smtClean="0">
-                <a:solidFill>
-                  <a:srgbClr val="008080"/>
-                </a:solidFill>
-                <a:latin typeface="Consolas" panose="020B0609020204030204" pitchFamily="49" charset="0"/>
-              </a:rPr>
-              <a:t>&gt;</a:t>
-            </a:r>
-            <a:r>
-              <a:rPr lang="en-US" sz="1000" dirty="0" smtClean="0">
-                <a:solidFill>
-                  <a:srgbClr val="000000"/>
-                </a:solidFill>
-                <a:latin typeface="Consolas" panose="020B0609020204030204" pitchFamily="49" charset="0"/>
-              </a:rPr>
-              <a:t>1.1.5.RELEASE</a:t>
-            </a:r>
-            <a:r>
-              <a:rPr lang="en-US" sz="1000" dirty="0" smtClean="0">
-                <a:solidFill>
-                  <a:srgbClr val="008080"/>
-                </a:solidFill>
-                <a:latin typeface="Consolas" panose="020B0609020204030204" pitchFamily="49" charset="0"/>
-              </a:rPr>
-              <a:t>&lt;/</a:t>
-            </a:r>
-            <a:r>
-              <a:rPr lang="en-US" sz="1000" dirty="0" smtClean="0">
-                <a:solidFill>
-                  <a:srgbClr val="3F7F7F"/>
-                </a:solidFill>
-                <a:latin typeface="Consolas" panose="020B0609020204030204" pitchFamily="49" charset="0"/>
-              </a:rPr>
-              <a:t>version</a:t>
-            </a:r>
-            <a:r>
-              <a:rPr lang="en-US" sz="1000" dirty="0" smtClean="0">
-                <a:solidFill>
-                  <a:srgbClr val="008080"/>
-                </a:solidFill>
-                <a:latin typeface="Consolas" panose="020B0609020204030204" pitchFamily="49" charset="0"/>
-              </a:rPr>
-              <a:t>&gt;</a:t>
-            </a:r>
-          </a:p>
-          <a:p>
-            <a:r>
-              <a:rPr lang="en-US" sz="1000" dirty="0" smtClean="0">
-                <a:solidFill>
-                  <a:srgbClr val="008080"/>
-                </a:solidFill>
-                <a:latin typeface="Consolas" panose="020B0609020204030204" pitchFamily="49" charset="0"/>
-              </a:rPr>
-              <a:t>&lt;/</a:t>
-            </a:r>
-            <a:r>
-              <a:rPr lang="en-US" sz="1000" dirty="0" smtClean="0">
-                <a:solidFill>
-                  <a:srgbClr val="3F7F7F"/>
-                </a:solidFill>
-                <a:latin typeface="Consolas" panose="020B0609020204030204" pitchFamily="49" charset="0"/>
-              </a:rPr>
-              <a:t>dependency</a:t>
-            </a:r>
-            <a:r>
-              <a:rPr lang="en-US" dirty="0" smtClean="0">
-                <a:solidFill>
-                  <a:srgbClr val="008080"/>
-                </a:solidFill>
-                <a:latin typeface="Consolas" panose="020B0609020204030204" pitchFamily="49" charset="0"/>
-              </a:rPr>
-              <a:t>&gt;</a:t>
-            </a:r>
-            <a:endParaRPr lang="en-US" dirty="0"/>
-          </a:p>
-        </p:txBody>
-      </p:sp>
-      <p:sp>
-        <p:nvSpPr>
-          <p:cNvPr id="9" name="Rectangle 8"/>
-          <p:cNvSpPr/>
-          <p:nvPr/>
-        </p:nvSpPr>
-        <p:spPr>
-          <a:xfrm>
-            <a:off x="304800" y="3797763"/>
-            <a:ext cx="8083627" cy="1738938"/>
-          </a:xfrm>
-          <a:prstGeom prst="rect">
-            <a:avLst/>
-          </a:prstGeom>
-        </p:spPr>
-        <p:txBody>
-          <a:bodyPr wrap="square">
-            <a:spAutoFit/>
-          </a:bodyPr>
-          <a:lstStyle/>
-          <a:p>
-            <a:r>
-              <a:rPr lang="en-US" sz="1100" dirty="0" smtClean="0">
-                <a:solidFill>
-                  <a:srgbClr val="646464"/>
-                </a:solidFill>
-                <a:latin typeface="Consolas" panose="020B0609020204030204" pitchFamily="49" charset="0"/>
-              </a:rPr>
-              <a:t>@</a:t>
-            </a:r>
-            <a:r>
-              <a:rPr lang="en-US" sz="1100" dirty="0" err="1">
-                <a:solidFill>
-                  <a:srgbClr val="646464"/>
-                </a:solidFill>
-                <a:latin typeface="Consolas" panose="020B0609020204030204" pitchFamily="49" charset="0"/>
-              </a:rPr>
-              <a:t>SpringBootApplication</a:t>
-            </a:r>
-            <a:endParaRPr lang="en-US" sz="1100" dirty="0">
-              <a:solidFill>
-                <a:srgbClr val="646464"/>
-              </a:solidFill>
-              <a:latin typeface="Consolas" panose="020B0609020204030204" pitchFamily="49" charset="0"/>
-            </a:endParaRPr>
-          </a:p>
-          <a:p>
-            <a:r>
-              <a:rPr lang="en-US" sz="1500" dirty="0">
-                <a:solidFill>
-                  <a:srgbClr val="646464"/>
-                </a:solidFill>
-                <a:latin typeface="Consolas" panose="020B0609020204030204" pitchFamily="49" charset="0"/>
-              </a:rPr>
-              <a:t>@</a:t>
-            </a:r>
-            <a:r>
-              <a:rPr lang="en-US" sz="1500" dirty="0" err="1">
-                <a:solidFill>
-                  <a:srgbClr val="646464"/>
-                </a:solidFill>
-                <a:latin typeface="Consolas" panose="020B0609020204030204" pitchFamily="49" charset="0"/>
-              </a:rPr>
-              <a:t>EnableHystrix</a:t>
-            </a:r>
-            <a:endParaRPr lang="en-US" sz="1500" dirty="0">
-              <a:solidFill>
-                <a:srgbClr val="646464"/>
-              </a:solidFill>
-              <a:latin typeface="Consolas" panose="020B0609020204030204" pitchFamily="49" charset="0"/>
-            </a:endParaRPr>
-          </a:p>
-          <a:p>
-            <a:r>
-              <a:rPr lang="en-US" sz="1500" dirty="0">
-                <a:solidFill>
-                  <a:srgbClr val="646464"/>
-                </a:solidFill>
-                <a:latin typeface="Consolas" panose="020B0609020204030204" pitchFamily="49" charset="0"/>
-              </a:rPr>
-              <a:t>@</a:t>
-            </a:r>
-            <a:r>
-              <a:rPr lang="en-US" sz="1500" dirty="0" err="1">
-                <a:solidFill>
-                  <a:srgbClr val="646464"/>
-                </a:solidFill>
-                <a:latin typeface="Consolas" panose="020B0609020204030204" pitchFamily="49" charset="0"/>
-              </a:rPr>
-              <a:t>EnableHystrixDashboard</a:t>
-            </a:r>
-            <a:endParaRPr lang="en-US" sz="1500" dirty="0">
-              <a:solidFill>
-                <a:srgbClr val="646464"/>
-              </a:solidFill>
-              <a:latin typeface="Consolas" panose="020B0609020204030204" pitchFamily="49" charset="0"/>
-            </a:endParaRPr>
-          </a:p>
-          <a:p>
-            <a:r>
-              <a:rPr lang="en-US" sz="1100" dirty="0">
-                <a:solidFill>
-                  <a:srgbClr val="646464"/>
-                </a:solidFill>
-                <a:latin typeface="Consolas" panose="020B0609020204030204" pitchFamily="49" charset="0"/>
-              </a:rPr>
-              <a:t>@</a:t>
-            </a:r>
-            <a:r>
-              <a:rPr lang="en-US" sz="1100" dirty="0" err="1">
-                <a:solidFill>
-                  <a:srgbClr val="646464"/>
-                </a:solidFill>
-                <a:latin typeface="Consolas" panose="020B0609020204030204" pitchFamily="49" charset="0"/>
-              </a:rPr>
-              <a:t>ComponentScan</a:t>
-            </a:r>
-            <a:r>
-              <a:rPr lang="en-US" sz="1100" dirty="0">
-                <a:solidFill>
-                  <a:srgbClr val="000000"/>
-                </a:solidFill>
-                <a:latin typeface="Consolas" panose="020B0609020204030204" pitchFamily="49" charset="0"/>
-              </a:rPr>
-              <a:t>(</a:t>
-            </a:r>
-            <a:r>
-              <a:rPr lang="en-US" sz="1100" dirty="0" err="1">
-                <a:solidFill>
-                  <a:srgbClr val="000000"/>
-                </a:solidFill>
-                <a:latin typeface="Consolas" panose="020B0609020204030204" pitchFamily="49" charset="0"/>
-              </a:rPr>
-              <a:t>basePackages</a:t>
-            </a:r>
-            <a:r>
-              <a:rPr lang="en-US" sz="1100" dirty="0">
-                <a:solidFill>
-                  <a:srgbClr val="000000"/>
-                </a:solidFill>
-                <a:latin typeface="Consolas" panose="020B0609020204030204" pitchFamily="49" charset="0"/>
-              </a:rPr>
-              <a:t> = {</a:t>
-            </a:r>
-            <a:r>
-              <a:rPr lang="en-US" sz="1100" dirty="0">
-                <a:solidFill>
-                  <a:srgbClr val="2A00FF"/>
-                </a:solidFill>
-                <a:latin typeface="Consolas" panose="020B0609020204030204" pitchFamily="49" charset="0"/>
-              </a:rPr>
-              <a:t>"</a:t>
-            </a:r>
-            <a:r>
-              <a:rPr lang="en-US" sz="1100" dirty="0" err="1">
-                <a:solidFill>
-                  <a:srgbClr val="2A00FF"/>
-                </a:solidFill>
-                <a:latin typeface="Consolas" panose="020B0609020204030204" pitchFamily="49" charset="0"/>
-              </a:rPr>
-              <a:t>com.att</a:t>
-            </a:r>
-            <a:r>
-              <a:rPr lang="en-US" sz="1100" dirty="0">
-                <a:solidFill>
-                  <a:srgbClr val="2A00FF"/>
-                </a:solidFill>
-                <a:latin typeface="Consolas" panose="020B0609020204030204" pitchFamily="49" charset="0"/>
-              </a:rPr>
-              <a:t>"</a:t>
-            </a:r>
-            <a:r>
-              <a:rPr lang="en-US" sz="1100" dirty="0">
-                <a:solidFill>
-                  <a:srgbClr val="000000"/>
-                </a:solidFill>
-                <a:latin typeface="Consolas" panose="020B0609020204030204" pitchFamily="49" charset="0"/>
-              </a:rPr>
-              <a:t>})</a:t>
-            </a:r>
-          </a:p>
-          <a:p>
-            <a:r>
-              <a:rPr lang="en-US" sz="1100" b="1" dirty="0" smtClean="0">
-                <a:solidFill>
-                  <a:srgbClr val="7F0055"/>
-                </a:solidFill>
-                <a:latin typeface="Consolas" panose="020B0609020204030204" pitchFamily="49" charset="0"/>
-              </a:rPr>
-              <a:t>public</a:t>
-            </a:r>
-            <a:r>
-              <a:rPr lang="en-US" sz="1100" b="1" dirty="0" smtClean="0">
-                <a:solidFill>
-                  <a:srgbClr val="000000"/>
-                </a:solidFill>
-                <a:latin typeface="Consolas" panose="020B0609020204030204" pitchFamily="49" charset="0"/>
-              </a:rPr>
-              <a:t> </a:t>
-            </a:r>
-            <a:r>
-              <a:rPr lang="en-US" sz="1100" b="1" dirty="0">
-                <a:solidFill>
-                  <a:srgbClr val="7F0055"/>
-                </a:solidFill>
-                <a:latin typeface="Consolas" panose="020B0609020204030204" pitchFamily="49" charset="0"/>
-              </a:rPr>
-              <a:t>class</a:t>
-            </a:r>
-            <a:r>
-              <a:rPr lang="en-US" sz="1100" b="1" dirty="0">
-                <a:solidFill>
-                  <a:srgbClr val="000000"/>
-                </a:solidFill>
-                <a:latin typeface="Consolas" panose="020B0609020204030204" pitchFamily="49" charset="0"/>
-              </a:rPr>
-              <a:t> Application </a:t>
-            </a:r>
-            <a:r>
-              <a:rPr lang="en-US" sz="1100" b="1" dirty="0">
-                <a:solidFill>
-                  <a:srgbClr val="7F0055"/>
-                </a:solidFill>
-                <a:latin typeface="Consolas" panose="020B0609020204030204" pitchFamily="49" charset="0"/>
-              </a:rPr>
-              <a:t>extends</a:t>
-            </a:r>
-            <a:r>
-              <a:rPr lang="en-US" sz="1100" b="1" dirty="0">
-                <a:solidFill>
-                  <a:srgbClr val="000000"/>
-                </a:solidFill>
-                <a:latin typeface="Consolas" panose="020B0609020204030204" pitchFamily="49" charset="0"/>
-              </a:rPr>
-              <a:t> </a:t>
-            </a:r>
-            <a:r>
-              <a:rPr lang="en-US" sz="1100" b="1" dirty="0" err="1">
-                <a:solidFill>
-                  <a:srgbClr val="000000"/>
-                </a:solidFill>
-                <a:latin typeface="Consolas" panose="020B0609020204030204" pitchFamily="49" charset="0"/>
-              </a:rPr>
-              <a:t>SpringBootServletInitializer</a:t>
-            </a:r>
-            <a:r>
-              <a:rPr lang="en-US" sz="1100" b="1" dirty="0">
-                <a:solidFill>
-                  <a:srgbClr val="000000"/>
-                </a:solidFill>
-                <a:latin typeface="Consolas" panose="020B0609020204030204" pitchFamily="49" charset="0"/>
-              </a:rPr>
-              <a:t> {</a:t>
-            </a:r>
-          </a:p>
-          <a:p>
-            <a:r>
-              <a:rPr lang="en-US" sz="1100" dirty="0">
-                <a:solidFill>
-                  <a:srgbClr val="000000"/>
-                </a:solidFill>
-                <a:latin typeface="Consolas" panose="020B0609020204030204" pitchFamily="49" charset="0"/>
-              </a:rPr>
-              <a:t>    </a:t>
-            </a:r>
-            <a:r>
-              <a:rPr lang="en-US" sz="1100" dirty="0">
-                <a:solidFill>
-                  <a:srgbClr val="646464"/>
-                </a:solidFill>
-                <a:latin typeface="Consolas" panose="020B0609020204030204" pitchFamily="49" charset="0"/>
-              </a:rPr>
-              <a:t>@Override</a:t>
-            </a:r>
-          </a:p>
-          <a:p>
-            <a:r>
-              <a:rPr lang="en-US" sz="1100" dirty="0">
-                <a:solidFill>
-                  <a:srgbClr val="000000"/>
-                </a:solidFill>
-                <a:latin typeface="Consolas" panose="020B0609020204030204" pitchFamily="49" charset="0"/>
-              </a:rPr>
-              <a:t>    </a:t>
-            </a:r>
-            <a:r>
-              <a:rPr lang="en-US" sz="1100" b="1" dirty="0">
-                <a:solidFill>
-                  <a:srgbClr val="7F0055"/>
-                </a:solidFill>
-                <a:latin typeface="Consolas" panose="020B0609020204030204" pitchFamily="49" charset="0"/>
-              </a:rPr>
-              <a:t>protected</a:t>
-            </a:r>
-            <a:r>
-              <a:rPr lang="en-US" sz="1100" b="1" dirty="0">
-                <a:solidFill>
-                  <a:srgbClr val="000000"/>
-                </a:solidFill>
-                <a:latin typeface="Consolas" panose="020B0609020204030204" pitchFamily="49" charset="0"/>
-              </a:rPr>
-              <a:t> </a:t>
-            </a:r>
-            <a:r>
-              <a:rPr lang="en-US" sz="1100" b="1" dirty="0" err="1">
-                <a:solidFill>
-                  <a:srgbClr val="000000"/>
-                </a:solidFill>
-                <a:latin typeface="Consolas" panose="020B0609020204030204" pitchFamily="49" charset="0"/>
-              </a:rPr>
-              <a:t>SpringApplicationBuilder</a:t>
-            </a:r>
-            <a:r>
-              <a:rPr lang="en-US" sz="1100" b="1" dirty="0">
-                <a:solidFill>
-                  <a:srgbClr val="000000"/>
-                </a:solidFill>
-                <a:latin typeface="Consolas" panose="020B0609020204030204" pitchFamily="49" charset="0"/>
-              </a:rPr>
-              <a:t> configure(</a:t>
-            </a:r>
-            <a:r>
-              <a:rPr lang="en-US" sz="1100" b="1" dirty="0" err="1">
-                <a:solidFill>
-                  <a:srgbClr val="000000"/>
-                </a:solidFill>
-                <a:latin typeface="Consolas" panose="020B0609020204030204" pitchFamily="49" charset="0"/>
-              </a:rPr>
-              <a:t>SpringApplicationBuilder</a:t>
-            </a:r>
-            <a:r>
-              <a:rPr lang="en-US" sz="1100" b="1" dirty="0">
-                <a:solidFill>
-                  <a:srgbClr val="000000"/>
-                </a:solidFill>
-                <a:latin typeface="Consolas" panose="020B0609020204030204" pitchFamily="49" charset="0"/>
-              </a:rPr>
-              <a:t> </a:t>
-            </a:r>
-            <a:r>
-              <a:rPr lang="en-US" sz="1100" b="1" dirty="0">
-                <a:solidFill>
-                  <a:srgbClr val="6A3E3E"/>
-                </a:solidFill>
-                <a:latin typeface="Consolas" panose="020B0609020204030204" pitchFamily="49" charset="0"/>
-              </a:rPr>
-              <a:t>application</a:t>
-            </a:r>
-            <a:r>
-              <a:rPr lang="en-US" sz="1100" b="1" dirty="0">
-                <a:solidFill>
-                  <a:srgbClr val="000000"/>
-                </a:solidFill>
-                <a:latin typeface="Consolas" panose="020B0609020204030204" pitchFamily="49" charset="0"/>
-              </a:rPr>
-              <a:t>) {</a:t>
-            </a:r>
-          </a:p>
-          <a:p>
-            <a:r>
-              <a:rPr lang="en-US" sz="1100" dirty="0">
-                <a:solidFill>
-                  <a:srgbClr val="000000"/>
-                </a:solidFill>
-                <a:latin typeface="Consolas" panose="020B0609020204030204" pitchFamily="49" charset="0"/>
-              </a:rPr>
-              <a:t>        </a:t>
-            </a:r>
-            <a:r>
-              <a:rPr lang="en-US" sz="1100" b="1" dirty="0">
-                <a:solidFill>
-                  <a:srgbClr val="7F0055"/>
-                </a:solidFill>
-                <a:latin typeface="Consolas" panose="020B0609020204030204" pitchFamily="49" charset="0"/>
-              </a:rPr>
-              <a:t>return</a:t>
-            </a:r>
-            <a:r>
-              <a:rPr lang="en-US" sz="1100" b="1" dirty="0">
-                <a:solidFill>
-                  <a:srgbClr val="000000"/>
-                </a:solidFill>
-                <a:latin typeface="Consolas" panose="020B0609020204030204" pitchFamily="49" charset="0"/>
-              </a:rPr>
-              <a:t> </a:t>
-            </a:r>
-            <a:r>
-              <a:rPr lang="en-US" sz="1100" b="1" dirty="0" err="1">
-                <a:solidFill>
-                  <a:srgbClr val="6A3E3E"/>
-                </a:solidFill>
-                <a:latin typeface="Consolas" panose="020B0609020204030204" pitchFamily="49" charset="0"/>
-              </a:rPr>
-              <a:t>application</a:t>
-            </a:r>
-            <a:r>
-              <a:rPr lang="en-US" sz="1100" b="1" dirty="0" err="1">
-                <a:solidFill>
-                  <a:srgbClr val="000000"/>
-                </a:solidFill>
-                <a:latin typeface="Consolas" panose="020B0609020204030204" pitchFamily="49" charset="0"/>
-              </a:rPr>
-              <a:t>.sources</a:t>
-            </a:r>
-            <a:r>
-              <a:rPr lang="en-US" sz="1100" b="1" dirty="0">
-                <a:solidFill>
-                  <a:srgbClr val="000000"/>
-                </a:solidFill>
-                <a:latin typeface="Consolas" panose="020B0609020204030204" pitchFamily="49" charset="0"/>
-              </a:rPr>
-              <a:t>(</a:t>
-            </a:r>
-            <a:r>
-              <a:rPr lang="en-US" sz="1100" b="1" dirty="0" err="1">
-                <a:solidFill>
-                  <a:srgbClr val="000000"/>
-                </a:solidFill>
-                <a:latin typeface="Consolas" panose="020B0609020204030204" pitchFamily="49" charset="0"/>
-              </a:rPr>
-              <a:t>Application.</a:t>
-            </a:r>
-            <a:r>
-              <a:rPr lang="en-US" sz="1100" b="1" dirty="0" err="1">
-                <a:solidFill>
-                  <a:srgbClr val="7F0055"/>
-                </a:solidFill>
-                <a:latin typeface="Consolas" panose="020B0609020204030204" pitchFamily="49" charset="0"/>
-              </a:rPr>
-              <a:t>class</a:t>
-            </a:r>
-            <a:r>
-              <a:rPr lang="en-US" sz="1100" b="1" dirty="0">
-                <a:solidFill>
-                  <a:srgbClr val="000000"/>
-                </a:solidFill>
-                <a:latin typeface="Consolas" panose="020B0609020204030204" pitchFamily="49" charset="0"/>
-              </a:rPr>
-              <a:t>);</a:t>
-            </a:r>
-          </a:p>
-          <a:p>
-            <a:r>
-              <a:rPr lang="en-US" sz="1100" dirty="0">
-                <a:solidFill>
-                  <a:srgbClr val="000000"/>
-                </a:solidFill>
-                <a:latin typeface="Consolas" panose="020B0609020204030204" pitchFamily="49" charset="0"/>
-              </a:rPr>
-              <a:t>    }</a:t>
-            </a:r>
-          </a:p>
-        </p:txBody>
-      </p:sp>
-      <p:sp>
-        <p:nvSpPr>
-          <p:cNvPr id="10" name="TextBox 9"/>
-          <p:cNvSpPr txBox="1"/>
-          <p:nvPr/>
-        </p:nvSpPr>
-        <p:spPr>
-          <a:xfrm>
-            <a:off x="304800" y="3386200"/>
-            <a:ext cx="6019800" cy="369332"/>
-          </a:xfrm>
-          <a:prstGeom prst="rect">
-            <a:avLst/>
-          </a:prstGeom>
-          <a:noFill/>
-        </p:spPr>
-        <p:txBody>
-          <a:bodyPr wrap="square" rtlCol="0">
-            <a:spAutoFit/>
-          </a:bodyPr>
-          <a:lstStyle/>
-          <a:p>
-            <a:r>
-              <a:rPr lang="en-US" i="0" dirty="0" smtClean="0"/>
-              <a:t>Simply switch </a:t>
-            </a:r>
-            <a:r>
-              <a:rPr lang="en-US" i="0" dirty="0" err="1" smtClean="0"/>
-              <a:t>Hystrix</a:t>
-            </a:r>
-            <a:r>
-              <a:rPr lang="en-US" i="0" dirty="0" smtClean="0"/>
-              <a:t> on in your configuration file</a:t>
-            </a:r>
-            <a:endParaRPr lang="en-US" i="0" dirty="0"/>
-          </a:p>
-        </p:txBody>
-      </p:sp>
-      <p:sp>
-        <p:nvSpPr>
-          <p:cNvPr id="11" name="Rectangle 10"/>
-          <p:cNvSpPr/>
-          <p:nvPr/>
-        </p:nvSpPr>
-        <p:spPr>
-          <a:xfrm>
-            <a:off x="346113" y="1125625"/>
-            <a:ext cx="6816687" cy="369332"/>
-          </a:xfrm>
-          <a:prstGeom prst="rect">
-            <a:avLst/>
-          </a:prstGeom>
-        </p:spPr>
-        <p:txBody>
-          <a:bodyPr wrap="square">
-            <a:spAutoFit/>
-          </a:bodyPr>
-          <a:lstStyle/>
-          <a:p>
-            <a:r>
-              <a:rPr lang="en-US" dirty="0"/>
-              <a:t>Just add the dependency from </a:t>
-            </a:r>
-            <a:r>
-              <a:rPr lang="en-US" dirty="0" err="1"/>
-              <a:t>At&amp;T</a:t>
-            </a:r>
-            <a:r>
-              <a:rPr lang="en-US" dirty="0"/>
-              <a:t> Nexus to your POM </a:t>
-            </a:r>
-          </a:p>
-        </p:txBody>
-      </p:sp>
-    </p:spTree>
-    <p:extLst>
-      <p:ext uri="{BB962C8B-B14F-4D97-AF65-F5344CB8AC3E}">
-        <p14:creationId xmlns:p14="http://schemas.microsoft.com/office/powerpoint/2010/main" val="1796015694"/>
-      </p:ext>
-    </p:extLst>
-  </p:cSld>
-  <p:clrMapOvr>
-    <a:masterClrMapping/>
-  </p:clrMapOvr>
-  <p:transition spd="slow"/>
-  <p:timing>
-    <p:tnLst>
-      <p:par>
-        <p:cTn id="1" dur="indefinite" restart="never" nodeType="tmRoot"/>
-      </p:par>
-    </p:tnLst>
-  </p:timing>
 </p:sld>
 </file>
 
@@ -10551,12 +9543,12 @@
           <a:lstStyle/>
           <a:p>
             <a:r>
-              <a:rPr lang="en-US" dirty="0" smtClean="0"/>
-              <a:t>@</a:t>
-            </a:r>
-            <a:r>
-              <a:rPr lang="en-US" dirty="0" err="1" smtClean="0"/>
-              <a:t>HystrixCommand</a:t>
+              <a:rPr lang="en-US" dirty="0"/>
+              <a:t>Setup </a:t>
+            </a:r>
+            <a:r>
+              <a:rPr lang="en-US" dirty="0" err="1"/>
+              <a:t>Hystrix</a:t>
             </a:r>
             <a:endParaRPr lang="en-US" dirty="0"/>
           </a:p>
@@ -10593,197 +9585,1097 @@
       </p:sp>
       <p:sp>
         <p:nvSpPr>
-          <p:cNvPr id="6" name="Content Placeholder 5"/>
-          <p:cNvSpPr>
-            <a:spLocks noGrp="1"/>
-          </p:cNvSpPr>
-          <p:nvPr>
-            <p:ph idx="1"/>
-          </p:nvPr>
+          <p:cNvPr id="8" name="Rectangle 7"/>
+          <p:cNvSpPr/>
+          <p:nvPr/>
         </p:nvSpPr>
         <p:spPr>
           <a:xfrm>
-            <a:off x="533400" y="1231378"/>
-            <a:ext cx="7848600" cy="5093222"/>
+            <a:off x="346113" y="1525207"/>
+            <a:ext cx="8001000" cy="1754326"/>
           </a:xfrm>
+          <a:prstGeom prst="rect">
+            <a:avLst/>
+          </a:prstGeom>
         </p:spPr>
         <p:txBody>
-          <a:bodyPr/>
+          <a:bodyPr wrap="square">
+            <a:spAutoFit/>
+          </a:bodyPr>
           <a:lstStyle/>
           <a:p>
             <a:r>
-              <a:rPr lang="en-US" dirty="0" smtClean="0"/>
-              <a:t>Use </a:t>
+              <a:rPr lang="en-US" sz="1000" dirty="0">
+                <a:solidFill>
+                  <a:srgbClr val="008080"/>
+                </a:solidFill>
+                <a:latin typeface="Consolas" panose="020B0609020204030204" pitchFamily="49" charset="0"/>
+              </a:rPr>
+              <a:t>&lt;</a:t>
+            </a:r>
+            <a:r>
+              <a:rPr lang="en-US" sz="1000" dirty="0">
+                <a:solidFill>
+                  <a:srgbClr val="3F7F7F"/>
+                </a:solidFill>
+                <a:latin typeface="Consolas" panose="020B0609020204030204" pitchFamily="49" charset="0"/>
+              </a:rPr>
+              <a:t>dependency</a:t>
+            </a:r>
+            <a:r>
+              <a:rPr lang="en-US" sz="1000" dirty="0">
+                <a:solidFill>
+                  <a:srgbClr val="008080"/>
+                </a:solidFill>
+                <a:latin typeface="Consolas" panose="020B0609020204030204" pitchFamily="49" charset="0"/>
+              </a:rPr>
+              <a:t>&gt;</a:t>
+            </a:r>
+          </a:p>
+          <a:p>
+            <a:pPr lvl="1"/>
+            <a:r>
+              <a:rPr lang="en-US" sz="1000" dirty="0">
+                <a:solidFill>
+                  <a:srgbClr val="008080"/>
+                </a:solidFill>
+                <a:latin typeface="Consolas" panose="020B0609020204030204" pitchFamily="49" charset="0"/>
+              </a:rPr>
+              <a:t>&lt;</a:t>
+            </a:r>
+            <a:r>
+              <a:rPr lang="en-US" sz="1000" dirty="0" err="1">
+                <a:solidFill>
+                  <a:srgbClr val="3F7F7F"/>
+                </a:solidFill>
+                <a:latin typeface="Consolas" panose="020B0609020204030204" pitchFamily="49" charset="0"/>
+              </a:rPr>
+              <a:t>groupId</a:t>
+            </a:r>
+            <a:r>
+              <a:rPr lang="en-US" sz="1000" dirty="0">
+                <a:solidFill>
+                  <a:srgbClr val="008080"/>
+                </a:solidFill>
+                <a:latin typeface="Consolas" panose="020B0609020204030204" pitchFamily="49" charset="0"/>
+              </a:rPr>
+              <a:t>&gt;</a:t>
+            </a:r>
+            <a:r>
+              <a:rPr lang="en-US" sz="1000" dirty="0" err="1">
+                <a:solidFill>
+                  <a:srgbClr val="000000"/>
+                </a:solidFill>
+                <a:latin typeface="Consolas" panose="020B0609020204030204" pitchFamily="49" charset="0"/>
+              </a:rPr>
+              <a:t>org.springframework.cloud</a:t>
+            </a:r>
+            <a:r>
+              <a:rPr lang="en-US" sz="1000" dirty="0">
+                <a:solidFill>
+                  <a:srgbClr val="008080"/>
+                </a:solidFill>
+                <a:latin typeface="Consolas" panose="020B0609020204030204" pitchFamily="49" charset="0"/>
+              </a:rPr>
+              <a:t>&lt;/</a:t>
+            </a:r>
+            <a:r>
+              <a:rPr lang="en-US" sz="1000" dirty="0" err="1">
+                <a:solidFill>
+                  <a:srgbClr val="3F7F7F"/>
+                </a:solidFill>
+                <a:latin typeface="Consolas" panose="020B0609020204030204" pitchFamily="49" charset="0"/>
+              </a:rPr>
+              <a:t>groupId</a:t>
+            </a:r>
+            <a:r>
+              <a:rPr lang="en-US" sz="1000" dirty="0">
+                <a:solidFill>
+                  <a:srgbClr val="008080"/>
+                </a:solidFill>
+                <a:latin typeface="Consolas" panose="020B0609020204030204" pitchFamily="49" charset="0"/>
+              </a:rPr>
+              <a:t>&gt;</a:t>
+            </a:r>
+          </a:p>
+          <a:p>
+            <a:pPr lvl="1"/>
+            <a:r>
+              <a:rPr lang="en-US" sz="1000" dirty="0">
+                <a:solidFill>
+                  <a:srgbClr val="008080"/>
+                </a:solidFill>
+                <a:latin typeface="Consolas" panose="020B0609020204030204" pitchFamily="49" charset="0"/>
+              </a:rPr>
+              <a:t>&lt;</a:t>
+            </a:r>
+            <a:r>
+              <a:rPr lang="en-US" sz="1000" dirty="0" err="1">
+                <a:solidFill>
+                  <a:srgbClr val="3F7F7F"/>
+                </a:solidFill>
+                <a:latin typeface="Consolas" panose="020B0609020204030204" pitchFamily="49" charset="0"/>
+              </a:rPr>
+              <a:t>artifactId</a:t>
+            </a:r>
+            <a:r>
+              <a:rPr lang="en-US" sz="1000" dirty="0">
+                <a:solidFill>
+                  <a:srgbClr val="008080"/>
+                </a:solidFill>
+                <a:latin typeface="Consolas" panose="020B0609020204030204" pitchFamily="49" charset="0"/>
+              </a:rPr>
+              <a:t>&gt;</a:t>
+            </a:r>
+            <a:r>
+              <a:rPr lang="en-US" sz="1000" dirty="0">
+                <a:solidFill>
+                  <a:srgbClr val="000000"/>
+                </a:solidFill>
+                <a:latin typeface="Consolas" panose="020B0609020204030204" pitchFamily="49" charset="0"/>
+              </a:rPr>
+              <a:t>spring-cloud-starter-</a:t>
+            </a:r>
+            <a:r>
+              <a:rPr lang="en-US" sz="1000" u="sng" dirty="0" err="1">
+                <a:solidFill>
+                  <a:srgbClr val="000000"/>
+                </a:solidFill>
+                <a:latin typeface="Consolas" panose="020B0609020204030204" pitchFamily="49" charset="0"/>
+              </a:rPr>
+              <a:t>hystrix</a:t>
+            </a:r>
+            <a:r>
+              <a:rPr lang="en-US" sz="1000" u="sng" dirty="0">
+                <a:solidFill>
+                  <a:srgbClr val="008080"/>
+                </a:solidFill>
+                <a:latin typeface="Consolas" panose="020B0609020204030204" pitchFamily="49" charset="0"/>
+              </a:rPr>
+              <a:t>&lt;/</a:t>
+            </a:r>
+            <a:r>
+              <a:rPr lang="en-US" sz="1000" u="sng" dirty="0" err="1">
+                <a:solidFill>
+                  <a:srgbClr val="3F7F7F"/>
+                </a:solidFill>
+                <a:latin typeface="Consolas" panose="020B0609020204030204" pitchFamily="49" charset="0"/>
+              </a:rPr>
+              <a:t>artifactId</a:t>
+            </a:r>
+            <a:r>
+              <a:rPr lang="en-US" sz="1000" u="sng" dirty="0">
+                <a:solidFill>
+                  <a:srgbClr val="008080"/>
+                </a:solidFill>
+                <a:latin typeface="Consolas" panose="020B0609020204030204" pitchFamily="49" charset="0"/>
+              </a:rPr>
+              <a:t>&gt;</a:t>
+            </a:r>
+          </a:p>
+          <a:p>
+            <a:pPr lvl="1"/>
+            <a:r>
+              <a:rPr lang="en-US" sz="1000" dirty="0">
+                <a:solidFill>
+                  <a:srgbClr val="008080"/>
+                </a:solidFill>
+                <a:latin typeface="Consolas" panose="020B0609020204030204" pitchFamily="49" charset="0"/>
+              </a:rPr>
+              <a:t>&lt;</a:t>
+            </a:r>
+            <a:r>
+              <a:rPr lang="en-US" sz="1000" dirty="0">
+                <a:solidFill>
+                  <a:srgbClr val="3F7F7F"/>
+                </a:solidFill>
+                <a:latin typeface="Consolas" panose="020B0609020204030204" pitchFamily="49" charset="0"/>
+              </a:rPr>
+              <a:t>version</a:t>
+            </a:r>
+            <a:r>
+              <a:rPr lang="en-US" sz="1000" dirty="0">
+                <a:solidFill>
+                  <a:srgbClr val="008080"/>
+                </a:solidFill>
+                <a:latin typeface="Consolas" panose="020B0609020204030204" pitchFamily="49" charset="0"/>
+              </a:rPr>
+              <a:t>&gt;</a:t>
+            </a:r>
+            <a:r>
+              <a:rPr lang="en-US" sz="1000" dirty="0">
+                <a:solidFill>
+                  <a:srgbClr val="000000"/>
+                </a:solidFill>
+                <a:latin typeface="Consolas" panose="020B0609020204030204" pitchFamily="49" charset="0"/>
+              </a:rPr>
+              <a:t>1.1.5.RELEASE</a:t>
+            </a:r>
+            <a:r>
+              <a:rPr lang="en-US" sz="1000" dirty="0">
+                <a:solidFill>
+                  <a:srgbClr val="008080"/>
+                </a:solidFill>
+                <a:latin typeface="Consolas" panose="020B0609020204030204" pitchFamily="49" charset="0"/>
+              </a:rPr>
+              <a:t>&lt;/</a:t>
+            </a:r>
+            <a:r>
+              <a:rPr lang="en-US" sz="1000" dirty="0">
+                <a:solidFill>
+                  <a:srgbClr val="3F7F7F"/>
+                </a:solidFill>
+                <a:latin typeface="Consolas" panose="020B0609020204030204" pitchFamily="49" charset="0"/>
+              </a:rPr>
+              <a:t>version</a:t>
+            </a:r>
+            <a:r>
+              <a:rPr lang="en-US" sz="1000" dirty="0">
+                <a:solidFill>
+                  <a:srgbClr val="008080"/>
+                </a:solidFill>
+                <a:latin typeface="Consolas" panose="020B0609020204030204" pitchFamily="49" charset="0"/>
+              </a:rPr>
+              <a:t>&gt;</a:t>
+            </a:r>
+          </a:p>
+          <a:p>
+            <a:r>
+              <a:rPr lang="en-US" sz="1000" dirty="0">
+                <a:solidFill>
+                  <a:srgbClr val="008080"/>
+                </a:solidFill>
+                <a:latin typeface="Consolas" panose="020B0609020204030204" pitchFamily="49" charset="0"/>
+              </a:rPr>
+              <a:t>&lt;/</a:t>
+            </a:r>
+            <a:r>
+              <a:rPr lang="en-US" sz="1000" dirty="0">
+                <a:solidFill>
+                  <a:srgbClr val="3F7F7F"/>
+                </a:solidFill>
+                <a:latin typeface="Consolas" panose="020B0609020204030204" pitchFamily="49" charset="0"/>
+              </a:rPr>
+              <a:t>dependency</a:t>
+            </a:r>
+            <a:r>
+              <a:rPr lang="en-US" sz="1000" dirty="0">
+                <a:solidFill>
+                  <a:srgbClr val="008080"/>
+                </a:solidFill>
+                <a:latin typeface="Consolas" panose="020B0609020204030204" pitchFamily="49" charset="0"/>
+              </a:rPr>
+              <a:t>&gt;</a:t>
+            </a:r>
+          </a:p>
+          <a:p>
+            <a:r>
+              <a:rPr lang="en-US" sz="1000" dirty="0">
+                <a:solidFill>
+                  <a:srgbClr val="008080"/>
+                </a:solidFill>
+                <a:latin typeface="Consolas" panose="020B0609020204030204" pitchFamily="49" charset="0"/>
+              </a:rPr>
+              <a:t>&lt;</a:t>
+            </a:r>
+            <a:r>
+              <a:rPr lang="en-US" sz="1000" dirty="0">
+                <a:solidFill>
+                  <a:srgbClr val="3F7F7F"/>
+                </a:solidFill>
+                <a:latin typeface="Consolas" panose="020B0609020204030204" pitchFamily="49" charset="0"/>
+              </a:rPr>
+              <a:t>dependency</a:t>
+            </a:r>
+            <a:r>
+              <a:rPr lang="en-US" sz="1000" dirty="0">
+                <a:solidFill>
+                  <a:srgbClr val="008080"/>
+                </a:solidFill>
+                <a:latin typeface="Consolas" panose="020B0609020204030204" pitchFamily="49" charset="0"/>
+              </a:rPr>
+              <a:t>&gt;</a:t>
+            </a:r>
+          </a:p>
+          <a:p>
+            <a:pPr lvl="1"/>
+            <a:r>
+              <a:rPr lang="en-US" sz="1000" dirty="0">
+                <a:solidFill>
+                  <a:srgbClr val="008080"/>
+                </a:solidFill>
+                <a:latin typeface="Consolas" panose="020B0609020204030204" pitchFamily="49" charset="0"/>
+              </a:rPr>
+              <a:t>&lt;</a:t>
+            </a:r>
+            <a:r>
+              <a:rPr lang="en-US" sz="1000" dirty="0" err="1">
+                <a:solidFill>
+                  <a:srgbClr val="3F7F7F"/>
+                </a:solidFill>
+                <a:latin typeface="Consolas" panose="020B0609020204030204" pitchFamily="49" charset="0"/>
+              </a:rPr>
+              <a:t>groupId</a:t>
+            </a:r>
+            <a:r>
+              <a:rPr lang="en-US" sz="1000" dirty="0">
+                <a:solidFill>
+                  <a:srgbClr val="008080"/>
+                </a:solidFill>
+                <a:latin typeface="Consolas" panose="020B0609020204030204" pitchFamily="49" charset="0"/>
+              </a:rPr>
+              <a:t>&gt;</a:t>
+            </a:r>
+            <a:r>
+              <a:rPr lang="en-US" sz="1000" dirty="0" err="1">
+                <a:solidFill>
+                  <a:srgbClr val="000000"/>
+                </a:solidFill>
+                <a:latin typeface="Consolas" panose="020B0609020204030204" pitchFamily="49" charset="0"/>
+              </a:rPr>
+              <a:t>org.springframework.cloud</a:t>
+            </a:r>
+            <a:r>
+              <a:rPr lang="en-US" sz="1000" dirty="0">
+                <a:solidFill>
+                  <a:srgbClr val="008080"/>
+                </a:solidFill>
+                <a:latin typeface="Consolas" panose="020B0609020204030204" pitchFamily="49" charset="0"/>
+              </a:rPr>
+              <a:t>&lt;/</a:t>
+            </a:r>
+            <a:r>
+              <a:rPr lang="en-US" sz="1000" dirty="0" err="1">
+                <a:solidFill>
+                  <a:srgbClr val="3F7F7F"/>
+                </a:solidFill>
+                <a:latin typeface="Consolas" panose="020B0609020204030204" pitchFamily="49" charset="0"/>
+              </a:rPr>
+              <a:t>groupId</a:t>
+            </a:r>
+            <a:r>
+              <a:rPr lang="en-US" sz="1000" dirty="0">
+                <a:solidFill>
+                  <a:srgbClr val="008080"/>
+                </a:solidFill>
+                <a:latin typeface="Consolas" panose="020B0609020204030204" pitchFamily="49" charset="0"/>
+              </a:rPr>
+              <a:t>&gt;</a:t>
+            </a:r>
+          </a:p>
+          <a:p>
+            <a:pPr lvl="1"/>
+            <a:r>
+              <a:rPr lang="en-US" sz="1000" dirty="0">
+                <a:solidFill>
+                  <a:srgbClr val="008080"/>
+                </a:solidFill>
+                <a:latin typeface="Consolas" panose="020B0609020204030204" pitchFamily="49" charset="0"/>
+              </a:rPr>
+              <a:t>&lt;</a:t>
+            </a:r>
+            <a:r>
+              <a:rPr lang="en-US" sz="1000" dirty="0" err="1">
+                <a:solidFill>
+                  <a:srgbClr val="3F7F7F"/>
+                </a:solidFill>
+                <a:latin typeface="Consolas" panose="020B0609020204030204" pitchFamily="49" charset="0"/>
+              </a:rPr>
+              <a:t>artifactId</a:t>
+            </a:r>
+            <a:r>
+              <a:rPr lang="en-US" sz="1000" dirty="0">
+                <a:solidFill>
+                  <a:srgbClr val="008080"/>
+                </a:solidFill>
+                <a:latin typeface="Consolas" panose="020B0609020204030204" pitchFamily="49" charset="0"/>
+              </a:rPr>
+              <a:t>&gt;</a:t>
+            </a:r>
+            <a:r>
+              <a:rPr lang="en-US" sz="1000" dirty="0">
+                <a:solidFill>
+                  <a:srgbClr val="000000"/>
+                </a:solidFill>
+                <a:latin typeface="Consolas" panose="020B0609020204030204" pitchFamily="49" charset="0"/>
+              </a:rPr>
+              <a:t>spring-cloud-starter-</a:t>
+            </a:r>
+            <a:r>
+              <a:rPr lang="en-US" sz="1000" u="sng" dirty="0" err="1">
+                <a:solidFill>
+                  <a:srgbClr val="000000"/>
+                </a:solidFill>
+                <a:latin typeface="Consolas" panose="020B0609020204030204" pitchFamily="49" charset="0"/>
+              </a:rPr>
+              <a:t>hystrix</a:t>
+            </a:r>
+            <a:r>
+              <a:rPr lang="en-US" sz="1000" u="sng" dirty="0">
+                <a:solidFill>
+                  <a:srgbClr val="000000"/>
+                </a:solidFill>
+                <a:latin typeface="Consolas" panose="020B0609020204030204" pitchFamily="49" charset="0"/>
+              </a:rPr>
+              <a:t>-dashboard</a:t>
+            </a:r>
+            <a:r>
+              <a:rPr lang="en-US" sz="1000" u="sng" dirty="0">
+                <a:solidFill>
+                  <a:srgbClr val="008080"/>
+                </a:solidFill>
+                <a:latin typeface="Consolas" panose="020B0609020204030204" pitchFamily="49" charset="0"/>
+              </a:rPr>
+              <a:t>&lt;/</a:t>
+            </a:r>
+            <a:r>
+              <a:rPr lang="en-US" sz="1000" u="sng" dirty="0" err="1">
+                <a:solidFill>
+                  <a:srgbClr val="3F7F7F"/>
+                </a:solidFill>
+                <a:latin typeface="Consolas" panose="020B0609020204030204" pitchFamily="49" charset="0"/>
+              </a:rPr>
+              <a:t>artifactId</a:t>
+            </a:r>
+            <a:r>
+              <a:rPr lang="en-US" sz="1000" u="sng" dirty="0">
+                <a:solidFill>
+                  <a:srgbClr val="008080"/>
+                </a:solidFill>
+                <a:latin typeface="Consolas" panose="020B0609020204030204" pitchFamily="49" charset="0"/>
+              </a:rPr>
+              <a:t>&gt;</a:t>
+            </a:r>
+          </a:p>
+          <a:p>
+            <a:pPr lvl="1"/>
+            <a:r>
+              <a:rPr lang="en-US" sz="1000" dirty="0">
+                <a:solidFill>
+                  <a:srgbClr val="008080"/>
+                </a:solidFill>
+                <a:latin typeface="Consolas" panose="020B0609020204030204" pitchFamily="49" charset="0"/>
+              </a:rPr>
+              <a:t>&lt;</a:t>
+            </a:r>
+            <a:r>
+              <a:rPr lang="en-US" sz="1000" dirty="0">
+                <a:solidFill>
+                  <a:srgbClr val="3F7F7F"/>
+                </a:solidFill>
+                <a:latin typeface="Consolas" panose="020B0609020204030204" pitchFamily="49" charset="0"/>
+              </a:rPr>
+              <a:t>version</a:t>
+            </a:r>
+            <a:r>
+              <a:rPr lang="en-US" sz="1000" dirty="0">
+                <a:solidFill>
+                  <a:srgbClr val="008080"/>
+                </a:solidFill>
+                <a:latin typeface="Consolas" panose="020B0609020204030204" pitchFamily="49" charset="0"/>
+              </a:rPr>
+              <a:t>&gt;</a:t>
+            </a:r>
+            <a:r>
+              <a:rPr lang="en-US" sz="1000" dirty="0">
+                <a:solidFill>
+                  <a:srgbClr val="000000"/>
+                </a:solidFill>
+                <a:latin typeface="Consolas" panose="020B0609020204030204" pitchFamily="49" charset="0"/>
+              </a:rPr>
+              <a:t>1.1.5.RELEASE</a:t>
+            </a:r>
+            <a:r>
+              <a:rPr lang="en-US" sz="1000" dirty="0">
+                <a:solidFill>
+                  <a:srgbClr val="008080"/>
+                </a:solidFill>
+                <a:latin typeface="Consolas" panose="020B0609020204030204" pitchFamily="49" charset="0"/>
+              </a:rPr>
+              <a:t>&lt;/</a:t>
+            </a:r>
+            <a:r>
+              <a:rPr lang="en-US" sz="1000" dirty="0">
+                <a:solidFill>
+                  <a:srgbClr val="3F7F7F"/>
+                </a:solidFill>
+                <a:latin typeface="Consolas" panose="020B0609020204030204" pitchFamily="49" charset="0"/>
+              </a:rPr>
+              <a:t>version</a:t>
+            </a:r>
+            <a:r>
+              <a:rPr lang="en-US" sz="1000" dirty="0">
+                <a:solidFill>
+                  <a:srgbClr val="008080"/>
+                </a:solidFill>
+                <a:latin typeface="Consolas" panose="020B0609020204030204" pitchFamily="49" charset="0"/>
+              </a:rPr>
+              <a:t>&gt;</a:t>
+            </a:r>
+          </a:p>
+          <a:p>
+            <a:r>
+              <a:rPr lang="en-US" sz="1000" dirty="0">
+                <a:solidFill>
+                  <a:srgbClr val="008080"/>
+                </a:solidFill>
+                <a:latin typeface="Consolas" panose="020B0609020204030204" pitchFamily="49" charset="0"/>
+              </a:rPr>
+              <a:t>&lt;/</a:t>
+            </a:r>
+            <a:r>
+              <a:rPr lang="en-US" sz="1000" dirty="0">
+                <a:solidFill>
+                  <a:srgbClr val="3F7F7F"/>
+                </a:solidFill>
+                <a:latin typeface="Consolas" panose="020B0609020204030204" pitchFamily="49" charset="0"/>
+              </a:rPr>
+              <a:t>dependency</a:t>
             </a:r>
             <a:r>
               <a:rPr lang="en-US" dirty="0">
                 <a:solidFill>
-                  <a:schemeClr val="tx2"/>
-                </a:solidFill>
+                  <a:srgbClr val="008080"/>
+                </a:solidFill>
+                <a:latin typeface="Consolas" panose="020B0609020204030204" pitchFamily="49" charset="0"/>
+              </a:rPr>
+              <a:t>&gt;</a:t>
+            </a:r>
+            <a:endParaRPr lang="en-US" dirty="0"/>
+          </a:p>
+        </p:txBody>
+      </p:sp>
+      <p:sp>
+        <p:nvSpPr>
+          <p:cNvPr id="9" name="Rectangle 8"/>
+          <p:cNvSpPr/>
+          <p:nvPr/>
+        </p:nvSpPr>
+        <p:spPr>
+          <a:xfrm>
+            <a:off x="304800" y="3797763"/>
+            <a:ext cx="8083627" cy="1738938"/>
+          </a:xfrm>
+          <a:prstGeom prst="rect">
+            <a:avLst/>
+          </a:prstGeom>
+        </p:spPr>
+        <p:txBody>
+          <a:bodyPr wrap="square">
+            <a:spAutoFit/>
+          </a:bodyPr>
+          <a:lstStyle/>
+          <a:p>
+            <a:r>
+              <a:rPr lang="en-US" sz="1100" dirty="0">
+                <a:solidFill>
+                  <a:srgbClr val="646464"/>
+                </a:solidFill>
+                <a:latin typeface="Consolas" panose="020B0609020204030204" pitchFamily="49" charset="0"/>
               </a:rPr>
               <a:t>@</a:t>
             </a:r>
             <a:r>
-              <a:rPr lang="en-US" dirty="0" err="1" smtClean="0">
-                <a:solidFill>
-                  <a:schemeClr val="tx2"/>
-                </a:solidFill>
+              <a:rPr lang="en-US" sz="1100" dirty="0" err="1">
+                <a:solidFill>
+                  <a:srgbClr val="646464"/>
+                </a:solidFill>
+                <a:latin typeface="Consolas" panose="020B0609020204030204" pitchFamily="49" charset="0"/>
               </a:rPr>
-              <a:t>HystrixCommand</a:t>
-            </a:r>
-            <a:r>
-              <a:rPr lang="en-US" dirty="0" smtClean="0">
-                <a:solidFill>
-                  <a:schemeClr val="tx2"/>
-                </a:solidFill>
+              <a:t>SpringBootApplication</a:t>
+            </a:r>
+            <a:endParaRPr lang="en-US" sz="1100" dirty="0">
+              <a:solidFill>
+                <a:srgbClr val="646464"/>
+              </a:solidFill>
+              <a:latin typeface="Consolas" panose="020B0609020204030204" pitchFamily="49" charset="0"/>
+            </a:endParaRPr>
+          </a:p>
+          <a:p>
+            <a:r>
+              <a:rPr lang="en-US" sz="1500" dirty="0">
+                <a:solidFill>
+                  <a:srgbClr val="646464"/>
+                </a:solidFill>
+                <a:latin typeface="Consolas" panose="020B0609020204030204" pitchFamily="49" charset="0"/>
+              </a:rPr>
+              <a:t>@</a:t>
+            </a:r>
+            <a:r>
+              <a:rPr lang="en-US" sz="1500" dirty="0" err="1">
+                <a:solidFill>
+                  <a:srgbClr val="646464"/>
+                </a:solidFill>
+                <a:latin typeface="Consolas" panose="020B0609020204030204" pitchFamily="49" charset="0"/>
+              </a:rPr>
+              <a:t>EnableHystrix</a:t>
+            </a:r>
+            <a:endParaRPr lang="en-US" sz="1500" dirty="0">
+              <a:solidFill>
+                <a:srgbClr val="646464"/>
+              </a:solidFill>
+              <a:latin typeface="Consolas" panose="020B0609020204030204" pitchFamily="49" charset="0"/>
+            </a:endParaRPr>
+          </a:p>
+          <a:p>
+            <a:r>
+              <a:rPr lang="en-US" sz="1500" dirty="0">
+                <a:solidFill>
+                  <a:srgbClr val="646464"/>
+                </a:solidFill>
+                <a:latin typeface="Consolas" panose="020B0609020204030204" pitchFamily="49" charset="0"/>
+              </a:rPr>
+              <a:t>@</a:t>
+            </a:r>
+            <a:r>
+              <a:rPr lang="en-US" sz="1500" dirty="0" err="1">
+                <a:solidFill>
+                  <a:srgbClr val="646464"/>
+                </a:solidFill>
+                <a:latin typeface="Consolas" panose="020B0609020204030204" pitchFamily="49" charset="0"/>
+              </a:rPr>
+              <a:t>EnableHystrixDashboard</a:t>
+            </a:r>
+            <a:endParaRPr lang="en-US" sz="1500" dirty="0">
+              <a:solidFill>
+                <a:srgbClr val="646464"/>
+              </a:solidFill>
+              <a:latin typeface="Consolas" panose="020B0609020204030204" pitchFamily="49" charset="0"/>
+            </a:endParaRPr>
+          </a:p>
+          <a:p>
+            <a:r>
+              <a:rPr lang="en-US" sz="1100" dirty="0">
+                <a:solidFill>
+                  <a:srgbClr val="646464"/>
+                </a:solidFill>
+                <a:latin typeface="Consolas" panose="020B0609020204030204" pitchFamily="49" charset="0"/>
+              </a:rPr>
+              <a:t>@</a:t>
+            </a:r>
+            <a:r>
+              <a:rPr lang="en-US" sz="1100" dirty="0" err="1">
+                <a:solidFill>
+                  <a:srgbClr val="646464"/>
+                </a:solidFill>
+                <a:latin typeface="Consolas" panose="020B0609020204030204" pitchFamily="49" charset="0"/>
+              </a:rPr>
+              <a:t>ComponentScan</a:t>
+            </a:r>
+            <a:r>
+              <a:rPr lang="en-US" sz="1100" dirty="0">
+                <a:solidFill>
+                  <a:srgbClr val="000000"/>
+                </a:solidFill>
+                <a:latin typeface="Consolas" panose="020B0609020204030204" pitchFamily="49" charset="0"/>
+              </a:rPr>
+              <a:t>(</a:t>
+            </a:r>
+            <a:r>
+              <a:rPr lang="en-US" sz="1100" dirty="0" err="1">
+                <a:solidFill>
+                  <a:srgbClr val="000000"/>
+                </a:solidFill>
+                <a:latin typeface="Consolas" panose="020B0609020204030204" pitchFamily="49" charset="0"/>
+              </a:rPr>
+              <a:t>basePackages</a:t>
+            </a:r>
+            <a:r>
+              <a:rPr lang="en-US" sz="1100" dirty="0">
+                <a:solidFill>
+                  <a:srgbClr val="000000"/>
+                </a:solidFill>
+                <a:latin typeface="Consolas" panose="020B0609020204030204" pitchFamily="49" charset="0"/>
+              </a:rPr>
+              <a:t> = {</a:t>
+            </a:r>
+            <a:r>
+              <a:rPr lang="en-US" sz="1100" dirty="0">
+                <a:solidFill>
+                  <a:srgbClr val="2A00FF"/>
+                </a:solidFill>
+                <a:latin typeface="Consolas" panose="020B0609020204030204" pitchFamily="49" charset="0"/>
+              </a:rPr>
+              <a:t>"</a:t>
+            </a:r>
+            <a:r>
+              <a:rPr lang="en-US" sz="1100" dirty="0" err="1">
+                <a:solidFill>
+                  <a:srgbClr val="2A00FF"/>
+                </a:solidFill>
+                <a:latin typeface="Consolas" panose="020B0609020204030204" pitchFamily="49" charset="0"/>
+              </a:rPr>
+              <a:t>com.att</a:t>
+            </a:r>
+            <a:r>
+              <a:rPr lang="en-US" sz="1100" dirty="0">
+                <a:solidFill>
+                  <a:srgbClr val="2A00FF"/>
+                </a:solidFill>
+                <a:latin typeface="Consolas" panose="020B0609020204030204" pitchFamily="49" charset="0"/>
+              </a:rPr>
+              <a:t>"</a:t>
+            </a:r>
+            <a:r>
+              <a:rPr lang="en-US" sz="1100" dirty="0">
+                <a:solidFill>
+                  <a:srgbClr val="000000"/>
+                </a:solidFill>
+                <a:latin typeface="Consolas" panose="020B0609020204030204" pitchFamily="49" charset="0"/>
+              </a:rPr>
+              <a:t>})</a:t>
+            </a:r>
+          </a:p>
+          <a:p>
+            <a:r>
+              <a:rPr lang="en-US" sz="1100" b="1" dirty="0">
+                <a:solidFill>
+                  <a:srgbClr val="7F0055"/>
+                </a:solidFill>
+                <a:latin typeface="Consolas" panose="020B0609020204030204" pitchFamily="49" charset="0"/>
+              </a:rPr>
+              <a:t>public</a:t>
+            </a:r>
+            <a:r>
+              <a:rPr lang="en-US" sz="1100" b="1" dirty="0">
+                <a:solidFill>
+                  <a:srgbClr val="000000"/>
+                </a:solidFill>
+                <a:latin typeface="Consolas" panose="020B0609020204030204" pitchFamily="49" charset="0"/>
               </a:rPr>
               <a:t> </a:t>
             </a:r>
             <a:r>
-              <a:rPr lang="en-US" dirty="0" smtClean="0"/>
-              <a:t>to wrap methods in a circuit breaker</a:t>
-            </a:r>
-          </a:p>
-          <a:p>
-            <a:pPr lvl="1"/>
-            <a:r>
-              <a:rPr lang="en-US" dirty="0" smtClean="0"/>
-              <a:t>Based on recent failures </a:t>
-            </a:r>
-            <a:r>
-              <a:rPr lang="en-US" dirty="0" err="1" smtClean="0"/>
-              <a:t>Hystrix</a:t>
-            </a:r>
-            <a:r>
-              <a:rPr lang="en-US" dirty="0" smtClean="0"/>
-              <a:t> will call one of these two methods </a:t>
-            </a:r>
-          </a:p>
-          <a:p>
-            <a:pPr lvl="1"/>
-            <a:r>
-              <a:rPr lang="en-US" dirty="0" err="1" smtClean="0"/>
-              <a:t>fallbackMethod</a:t>
-            </a:r>
-            <a:r>
-              <a:rPr lang="en-US" dirty="0" smtClean="0"/>
-              <a:t> must have same signature(parameters and return types) as primary.</a:t>
-            </a:r>
-          </a:p>
-          <a:p>
-            <a:r>
-              <a:rPr lang="en-US" dirty="0" smtClean="0">
-                <a:solidFill>
-                  <a:schemeClr val="tx2"/>
-                </a:solidFill>
+              <a:rPr lang="en-US" sz="1100" b="1" dirty="0">
+                <a:solidFill>
+                  <a:srgbClr val="7F0055"/>
+                </a:solidFill>
+                <a:latin typeface="Consolas" panose="020B0609020204030204" pitchFamily="49" charset="0"/>
               </a:rPr>
-              <a:t>@</a:t>
-            </a:r>
-            <a:r>
-              <a:rPr lang="en-US" dirty="0" err="1" smtClean="0">
-                <a:solidFill>
-                  <a:schemeClr val="tx2"/>
-                </a:solidFill>
+              <a:t>class</a:t>
+            </a:r>
+            <a:r>
+              <a:rPr lang="en-US" sz="1100" b="1" dirty="0">
+                <a:solidFill>
+                  <a:srgbClr val="000000"/>
+                </a:solidFill>
+                <a:latin typeface="Consolas" panose="020B0609020204030204" pitchFamily="49" charset="0"/>
               </a:rPr>
-              <a:t>HystrixCommand</a:t>
-            </a:r>
-            <a:r>
-              <a:rPr lang="en-US" dirty="0" smtClean="0">
-                <a:solidFill>
-                  <a:schemeClr val="tx2"/>
-                </a:solidFill>
+              <a:t> Application </a:t>
+            </a:r>
+            <a:r>
+              <a:rPr lang="en-US" sz="1100" b="1" dirty="0">
+                <a:solidFill>
+                  <a:srgbClr val="7F0055"/>
+                </a:solidFill>
+                <a:latin typeface="Consolas" panose="020B0609020204030204" pitchFamily="49" charset="0"/>
+              </a:rPr>
+              <a:t>extends</a:t>
+            </a:r>
+            <a:r>
+              <a:rPr lang="en-US" sz="1100" b="1" dirty="0">
+                <a:solidFill>
+                  <a:srgbClr val="000000"/>
+                </a:solidFill>
+                <a:latin typeface="Consolas" panose="020B0609020204030204" pitchFamily="49" charset="0"/>
               </a:rPr>
               <a:t> </a:t>
             </a:r>
             <a:r>
-              <a:rPr lang="en-US" dirty="0" smtClean="0"/>
-              <a:t>can be called in various ways Synchronously , </a:t>
-            </a:r>
-            <a:r>
-              <a:rPr lang="en-US" dirty="0" err="1" smtClean="0"/>
-              <a:t>Asynchronusly</a:t>
-            </a:r>
-            <a:r>
-              <a:rPr lang="en-US" dirty="0" smtClean="0"/>
-              <a:t> , Reactively </a:t>
-            </a:r>
-          </a:p>
+              <a:rPr lang="en-US" sz="1100" b="1" dirty="0" err="1">
+                <a:solidFill>
+                  <a:srgbClr val="000000"/>
+                </a:solidFill>
+                <a:latin typeface="Consolas" panose="020B0609020204030204" pitchFamily="49" charset="0"/>
+              </a:rPr>
+              <a:t>SpringBootServletInitializer</a:t>
+            </a:r>
+            <a:r>
+              <a:rPr lang="en-US" sz="1100" b="1" dirty="0">
+                <a:solidFill>
+                  <a:srgbClr val="000000"/>
+                </a:solidFill>
+                <a:latin typeface="Consolas" panose="020B0609020204030204" pitchFamily="49" charset="0"/>
+              </a:rPr>
+              <a:t> {</a:t>
+            </a:r>
+          </a:p>
+          <a:p>
+            <a:r>
+              <a:rPr lang="en-US" sz="1100" dirty="0">
+                <a:solidFill>
+                  <a:srgbClr val="000000"/>
+                </a:solidFill>
+                <a:latin typeface="Consolas" panose="020B0609020204030204" pitchFamily="49" charset="0"/>
+              </a:rPr>
+              <a:t>    </a:t>
+            </a:r>
+            <a:r>
+              <a:rPr lang="en-US" sz="1100" dirty="0">
+                <a:solidFill>
+                  <a:srgbClr val="646464"/>
+                </a:solidFill>
+                <a:latin typeface="Consolas" panose="020B0609020204030204" pitchFamily="49" charset="0"/>
+              </a:rPr>
+              <a:t>@Override</a:t>
+            </a:r>
+          </a:p>
+          <a:p>
+            <a:r>
+              <a:rPr lang="en-US" sz="1100" dirty="0">
+                <a:solidFill>
+                  <a:srgbClr val="000000"/>
+                </a:solidFill>
+                <a:latin typeface="Consolas" panose="020B0609020204030204" pitchFamily="49" charset="0"/>
+              </a:rPr>
+              <a:t>    </a:t>
+            </a:r>
+            <a:r>
+              <a:rPr lang="en-US" sz="1100" b="1" dirty="0">
+                <a:solidFill>
+                  <a:srgbClr val="7F0055"/>
+                </a:solidFill>
+                <a:latin typeface="Consolas" panose="020B0609020204030204" pitchFamily="49" charset="0"/>
+              </a:rPr>
+              <a:t>protected</a:t>
+            </a:r>
+            <a:r>
+              <a:rPr lang="en-US" sz="1100" b="1" dirty="0">
+                <a:solidFill>
+                  <a:srgbClr val="000000"/>
+                </a:solidFill>
+                <a:latin typeface="Consolas" panose="020B0609020204030204" pitchFamily="49" charset="0"/>
+              </a:rPr>
+              <a:t> </a:t>
+            </a:r>
+            <a:r>
+              <a:rPr lang="en-US" sz="1100" b="1" dirty="0" err="1">
+                <a:solidFill>
+                  <a:srgbClr val="000000"/>
+                </a:solidFill>
+                <a:latin typeface="Consolas" panose="020B0609020204030204" pitchFamily="49" charset="0"/>
+              </a:rPr>
+              <a:t>SpringApplicationBuilder</a:t>
+            </a:r>
+            <a:r>
+              <a:rPr lang="en-US" sz="1100" b="1" dirty="0">
+                <a:solidFill>
+                  <a:srgbClr val="000000"/>
+                </a:solidFill>
+                <a:latin typeface="Consolas" panose="020B0609020204030204" pitchFamily="49" charset="0"/>
+              </a:rPr>
+              <a:t> configure(</a:t>
+            </a:r>
+            <a:r>
+              <a:rPr lang="en-US" sz="1100" b="1" dirty="0" err="1">
+                <a:solidFill>
+                  <a:srgbClr val="000000"/>
+                </a:solidFill>
+                <a:latin typeface="Consolas" panose="020B0609020204030204" pitchFamily="49" charset="0"/>
+              </a:rPr>
+              <a:t>SpringApplicationBuilder</a:t>
+            </a:r>
+            <a:r>
+              <a:rPr lang="en-US" sz="1100" b="1" dirty="0">
+                <a:solidFill>
+                  <a:srgbClr val="000000"/>
+                </a:solidFill>
+                <a:latin typeface="Consolas" panose="020B0609020204030204" pitchFamily="49" charset="0"/>
+              </a:rPr>
+              <a:t> </a:t>
+            </a:r>
+            <a:r>
+              <a:rPr lang="en-US" sz="1100" b="1" dirty="0">
+                <a:solidFill>
+                  <a:srgbClr val="6A3E3E"/>
+                </a:solidFill>
+                <a:latin typeface="Consolas" panose="020B0609020204030204" pitchFamily="49" charset="0"/>
+              </a:rPr>
+              <a:t>application</a:t>
+            </a:r>
+            <a:r>
+              <a:rPr lang="en-US" sz="1100" b="1" dirty="0">
+                <a:solidFill>
+                  <a:srgbClr val="000000"/>
+                </a:solidFill>
+                <a:latin typeface="Consolas" panose="020B0609020204030204" pitchFamily="49" charset="0"/>
+              </a:rPr>
+              <a:t>) {</a:t>
+            </a:r>
+          </a:p>
+          <a:p>
+            <a:r>
+              <a:rPr lang="en-US" sz="1100" dirty="0">
+                <a:solidFill>
+                  <a:srgbClr val="000000"/>
+                </a:solidFill>
+                <a:latin typeface="Consolas" panose="020B0609020204030204" pitchFamily="49" charset="0"/>
+              </a:rPr>
+              <a:t>        </a:t>
+            </a:r>
+            <a:r>
+              <a:rPr lang="en-US" sz="1100" b="1" dirty="0">
+                <a:solidFill>
+                  <a:srgbClr val="7F0055"/>
+                </a:solidFill>
+                <a:latin typeface="Consolas" panose="020B0609020204030204" pitchFamily="49" charset="0"/>
+              </a:rPr>
+              <a:t>return</a:t>
+            </a:r>
+            <a:r>
+              <a:rPr lang="en-US" sz="1100" b="1" dirty="0">
+                <a:solidFill>
+                  <a:srgbClr val="000000"/>
+                </a:solidFill>
+                <a:latin typeface="Consolas" panose="020B0609020204030204" pitchFamily="49" charset="0"/>
+              </a:rPr>
+              <a:t> </a:t>
+            </a:r>
+            <a:r>
+              <a:rPr lang="en-US" sz="1100" b="1" dirty="0" err="1">
+                <a:solidFill>
+                  <a:srgbClr val="6A3E3E"/>
+                </a:solidFill>
+                <a:latin typeface="Consolas" panose="020B0609020204030204" pitchFamily="49" charset="0"/>
+              </a:rPr>
+              <a:t>application</a:t>
+            </a:r>
+            <a:r>
+              <a:rPr lang="en-US" sz="1100" b="1" dirty="0" err="1">
+                <a:solidFill>
+                  <a:srgbClr val="000000"/>
+                </a:solidFill>
+                <a:latin typeface="Consolas" panose="020B0609020204030204" pitchFamily="49" charset="0"/>
+              </a:rPr>
+              <a:t>.sources</a:t>
+            </a:r>
+            <a:r>
+              <a:rPr lang="en-US" sz="1100" b="1" dirty="0">
+                <a:solidFill>
+                  <a:srgbClr val="000000"/>
+                </a:solidFill>
+                <a:latin typeface="Consolas" panose="020B0609020204030204" pitchFamily="49" charset="0"/>
+              </a:rPr>
+              <a:t>(</a:t>
+            </a:r>
+            <a:r>
+              <a:rPr lang="en-US" sz="1100" b="1" dirty="0" err="1">
+                <a:solidFill>
+                  <a:srgbClr val="000000"/>
+                </a:solidFill>
+                <a:latin typeface="Consolas" panose="020B0609020204030204" pitchFamily="49" charset="0"/>
+              </a:rPr>
+              <a:t>Application.</a:t>
+            </a:r>
+            <a:r>
+              <a:rPr lang="en-US" sz="1100" b="1" dirty="0" err="1">
+                <a:solidFill>
+                  <a:srgbClr val="7F0055"/>
+                </a:solidFill>
+                <a:latin typeface="Consolas" panose="020B0609020204030204" pitchFamily="49" charset="0"/>
+              </a:rPr>
+              <a:t>class</a:t>
+            </a:r>
+            <a:r>
+              <a:rPr lang="en-US" sz="1100" b="1" dirty="0">
+                <a:solidFill>
+                  <a:srgbClr val="000000"/>
+                </a:solidFill>
+                <a:latin typeface="Consolas" panose="020B0609020204030204" pitchFamily="49" charset="0"/>
+              </a:rPr>
+              <a:t>);</a:t>
+            </a:r>
+          </a:p>
+          <a:p>
+            <a:r>
+              <a:rPr lang="en-US" sz="1100" dirty="0">
+                <a:solidFill>
+                  <a:srgbClr val="000000"/>
+                </a:solidFill>
+                <a:latin typeface="Consolas" panose="020B0609020204030204" pitchFamily="49" charset="0"/>
+              </a:rPr>
+              <a:t>    }</a:t>
+            </a:r>
+          </a:p>
+        </p:txBody>
+      </p:sp>
+      <p:sp>
+        <p:nvSpPr>
+          <p:cNvPr id="10" name="TextBox 9"/>
+          <p:cNvSpPr txBox="1"/>
+          <p:nvPr/>
+        </p:nvSpPr>
+        <p:spPr>
+          <a:xfrm>
+            <a:off x="304800" y="3386200"/>
+            <a:ext cx="6019800" cy="369332"/>
+          </a:xfrm>
+          <a:prstGeom prst="rect">
+            <a:avLst/>
+          </a:prstGeom>
+          <a:noFill/>
+        </p:spPr>
+        <p:txBody>
+          <a:bodyPr wrap="square" rtlCol="0">
+            <a:spAutoFit/>
+          </a:bodyPr>
+          <a:lstStyle/>
+          <a:p>
+            <a:r>
+              <a:rPr lang="en-US" i="0" dirty="0"/>
+              <a:t>Simply switch </a:t>
+            </a:r>
+            <a:r>
+              <a:rPr lang="en-US" i="0" dirty="0" err="1"/>
+              <a:t>Hystrix</a:t>
+            </a:r>
+            <a:r>
+              <a:rPr lang="en-US" i="0" dirty="0"/>
+              <a:t> on in your configuration file</a:t>
+            </a:r>
+          </a:p>
+        </p:txBody>
+      </p:sp>
+      <p:sp>
+        <p:nvSpPr>
+          <p:cNvPr id="11" name="Rectangle 10"/>
+          <p:cNvSpPr/>
+          <p:nvPr/>
+        </p:nvSpPr>
+        <p:spPr>
+          <a:xfrm>
+            <a:off x="346113" y="1125625"/>
+            <a:ext cx="6816687" cy="369332"/>
+          </a:xfrm>
+          <a:prstGeom prst="rect">
+            <a:avLst/>
+          </a:prstGeom>
+        </p:spPr>
+        <p:txBody>
+          <a:bodyPr wrap="square">
+            <a:spAutoFit/>
+          </a:bodyPr>
+          <a:lstStyle/>
           <a:p>
             <a:r>
               <a:rPr lang="en-US" dirty="0"/>
-              <a:t>Failure / Recovery behavior is highly customizable with </a:t>
-            </a:r>
-            <a:r>
-              <a:rPr lang="en-US" dirty="0">
-                <a:solidFill>
-                  <a:schemeClr val="tx2"/>
-                </a:solidFill>
-              </a:rPr>
-              <a:t>@</a:t>
-            </a:r>
-            <a:r>
-              <a:rPr lang="en-US" dirty="0" err="1">
-                <a:solidFill>
-                  <a:schemeClr val="tx2"/>
-                </a:solidFill>
-              </a:rPr>
-              <a:t>HystrixProperty</a:t>
-            </a:r>
-            <a:endParaRPr lang="en-US" dirty="0">
-              <a:solidFill>
-                <a:schemeClr val="tx2"/>
-              </a:solidFill>
-            </a:endParaRPr>
-          </a:p>
-          <a:p>
-            <a:r>
-              <a:rPr lang="en-US" dirty="0" err="1" smtClean="0"/>
-              <a:t>Javanica</a:t>
-            </a:r>
-            <a:r>
-              <a:rPr lang="en-US" dirty="0" smtClean="0"/>
-              <a:t> documentation talks more about all important properties.</a:t>
-            </a:r>
-          </a:p>
-          <a:p>
-            <a:pPr lvl="1"/>
+              <a:t>Just add the dependency from </a:t>
+            </a:r>
+            <a:r>
+              <a:rPr lang="en-US" dirty="0" err="1"/>
+              <a:t>At&amp;T</a:t>
+            </a:r>
             <a:r>
               <a:rPr lang="en-US" dirty="0"/>
-              <a:t>https://github.com/Netflix/Hystrix/tree/master/hystrix-contrib/hystrix-javanica</a:t>
-            </a:r>
-          </a:p>
-          <a:p>
-            <a:pPr lvl="1"/>
-            <a:r>
-              <a:rPr lang="en-US" dirty="0"/>
-              <a:t>https://github.com/Netflix/Hystrix/tree/master/hystrix-contrib/hystrix-javanica</a:t>
-            </a:r>
-          </a:p>
-          <a:p>
-            <a:pPr lvl="1"/>
-            <a:r>
-              <a:rPr lang="en-US" dirty="0" smtClean="0"/>
-              <a:t>https</a:t>
-            </a:r>
-            <a:r>
-              <a:rPr lang="en-US" dirty="0"/>
-              <a:t>://github.com/Netflix/Hystrix/wiki/Configuration</a:t>
-            </a:r>
-            <a:endParaRPr lang="en-US" dirty="0" smtClean="0"/>
-          </a:p>
-          <a:p>
-            <a:endParaRPr lang="en-US" dirty="0">
-              <a:solidFill>
-                <a:schemeClr val="tx2"/>
-              </a:solidFill>
-            </a:endParaRPr>
+              <a:t> Nexus to your POM </a:t>
+            </a:r>
           </a:p>
         </p:txBody>
       </p:sp>
     </p:spTree>
     <p:extLst>
       <p:ext uri="{BB962C8B-B14F-4D97-AF65-F5344CB8AC3E}">
-        <p14:creationId xmlns:p14="http://schemas.microsoft.com/office/powerpoint/2010/main" val="2054901670"/>
+        <p14:creationId xmlns:p14="http://schemas.microsoft.com/office/powerpoint/2010/main" val="1796015694"/>
       </p:ext>
     </p:extLst>
   </p:cSld>
@@ -10791,13 +10683,6 @@
     <a:masterClrMapping/>
   </p:clrMapOvr>
   <p:transition spd="slow"/>
-  <p:timing>
-    <p:tnLst>
-      <p:par>
-        <p:cTn id="1" dur="indefinite" restart="never" nodeType="tmRoot"/>
-      </p:par>
-    </p:tnLst>
-  </p:timing>
 </p:sld>
 </file>
 
@@ -10834,10 +10719,280 @@
           <a:lstStyle/>
           <a:p>
             <a:r>
-              <a:rPr lang="en-US" dirty="0" smtClean="0"/>
+              <a:rPr lang="en-US" dirty="0"/>
+              <a:t>@</a:t>
+            </a:r>
+            <a:r>
+              <a:rPr lang="en-US" dirty="0" err="1"/>
+              <a:t>HystrixCommand</a:t>
+            </a:r>
+            <a:endParaRPr lang="en-US" dirty="0"/>
+          </a:p>
+        </p:txBody>
+      </p:sp>
+      <p:sp>
+        <p:nvSpPr>
+          <p:cNvPr id="4" name="Slide Number Placeholder 3"/>
+          <p:cNvSpPr>
+            <a:spLocks noGrp="1"/>
+          </p:cNvSpPr>
+          <p:nvPr>
+            <p:ph type="sldNum" sz="quarter" idx="10"/>
+          </p:nvPr>
+        </p:nvSpPr>
+        <p:spPr/>
+        <p:txBody>
+          <a:bodyPr/>
+          <a:lstStyle/>
+          <a:p>
+            <a:pPr>
+              <a:defRPr/>
+            </a:pPr>
+            <a:fld id="{E20BCDF8-30D9-497E-B0E7-F574ED4A1EDB}" type="slidenum">
+              <a:rPr lang="en-US" smtClean="0"/>
+              <a:pPr>
+                <a:defRPr/>
+              </a:pPr>
+              <a:t>13</a:t>
+            </a:fld>
+            <a:endParaRPr lang="en-US" dirty="0"/>
+          </a:p>
+        </p:txBody>
+      </p:sp>
+      <p:sp>
+        <p:nvSpPr>
+          <p:cNvPr id="6" name="Content Placeholder 5"/>
+          <p:cNvSpPr>
+            <a:spLocks noGrp="1"/>
+          </p:cNvSpPr>
+          <p:nvPr>
+            <p:ph idx="1"/>
+          </p:nvPr>
+        </p:nvSpPr>
+        <p:spPr>
+          <a:xfrm>
+            <a:off x="533400" y="1231378"/>
+            <a:ext cx="7848600" cy="5093222"/>
+          </a:xfrm>
+        </p:spPr>
+        <p:txBody>
+          <a:bodyPr/>
+          <a:lstStyle/>
+          <a:p>
+            <a:r>
+              <a:rPr lang="en-US" dirty="0"/>
+              <a:t>Use </a:t>
+            </a:r>
+            <a:r>
+              <a:rPr lang="en-US" dirty="0">
+                <a:solidFill>
+                  <a:schemeClr val="tx2"/>
+                </a:solidFill>
+              </a:rPr>
+              <a:t>@</a:t>
+            </a:r>
+            <a:r>
+              <a:rPr lang="en-US" dirty="0" err="1">
+                <a:solidFill>
+                  <a:schemeClr val="tx2"/>
+                </a:solidFill>
+              </a:rPr>
+              <a:t>HystrixCommand</a:t>
+            </a:r>
+            <a:r>
+              <a:rPr lang="en-US" dirty="0">
+                <a:solidFill>
+                  <a:schemeClr val="tx2"/>
+                </a:solidFill>
+              </a:rPr>
+              <a:t> </a:t>
+            </a:r>
+            <a:r>
+              <a:rPr lang="en-US" dirty="0"/>
+              <a:t>to wrap methods in a circuit breaker</a:t>
+            </a:r>
+          </a:p>
+          <a:p>
+            <a:pPr lvl="1"/>
+            <a:r>
+              <a:rPr lang="en-US" dirty="0"/>
+              <a:t>Based on recent failures </a:t>
+            </a:r>
+            <a:r>
+              <a:rPr lang="en-US" dirty="0" err="1"/>
+              <a:t>Hystrix</a:t>
+            </a:r>
+            <a:r>
+              <a:rPr lang="en-US" dirty="0"/>
+              <a:t> will call one of these two methods </a:t>
+            </a:r>
+          </a:p>
+          <a:p>
+            <a:pPr lvl="1"/>
+            <a:r>
+              <a:rPr lang="en-US" dirty="0" err="1"/>
+              <a:t>fallbackMethod</a:t>
+            </a:r>
+            <a:r>
+              <a:rPr lang="en-US" dirty="0"/>
+              <a:t> must have same signature(parameters and return types) as primary.</a:t>
+            </a:r>
+          </a:p>
+          <a:p>
+            <a:r>
+              <a:rPr lang="en-US" dirty="0">
+                <a:solidFill>
+                  <a:schemeClr val="tx2"/>
+                </a:solidFill>
+              </a:rPr>
+              <a:t>@</a:t>
+            </a:r>
+            <a:r>
+              <a:rPr lang="en-US" dirty="0" err="1">
+                <a:solidFill>
+                  <a:schemeClr val="tx2"/>
+                </a:solidFill>
+              </a:rPr>
+              <a:t>HystrixCommand</a:t>
+            </a:r>
+            <a:r>
+              <a:rPr lang="en-US" dirty="0">
+                <a:solidFill>
+                  <a:schemeClr val="tx2"/>
+                </a:solidFill>
+              </a:rPr>
+              <a:t> </a:t>
+            </a:r>
+            <a:r>
+              <a:rPr lang="en-US" dirty="0"/>
+              <a:t>can be called in various ways Synchronously , </a:t>
+            </a:r>
+            <a:r>
+              <a:rPr lang="en-US" dirty="0" err="1"/>
+              <a:t>Asynchronusly</a:t>
+            </a:r>
+            <a:r>
+              <a:rPr lang="en-US" dirty="0"/>
+              <a:t> , Reactively </a:t>
+            </a:r>
+          </a:p>
+          <a:p>
+            <a:r>
+              <a:rPr lang="en-US" dirty="0"/>
+              <a:t>Failure / Recovery behavior is highly customizable with </a:t>
+            </a:r>
+            <a:r>
+              <a:rPr lang="en-US" dirty="0">
+                <a:solidFill>
+                  <a:schemeClr val="tx2"/>
+                </a:solidFill>
+              </a:rPr>
+              <a:t>@</a:t>
+            </a:r>
+            <a:r>
+              <a:rPr lang="en-US" dirty="0" err="1">
+                <a:solidFill>
+                  <a:schemeClr val="tx2"/>
+                </a:solidFill>
+              </a:rPr>
+              <a:t>HystrixProperty</a:t>
+            </a:r>
+            <a:endParaRPr lang="en-US" dirty="0">
+              <a:solidFill>
+                <a:schemeClr val="tx2"/>
+              </a:solidFill>
+            </a:endParaRPr>
+          </a:p>
+          <a:p>
+            <a:r>
+              <a:rPr lang="en-US" dirty="0" err="1"/>
+              <a:t>Javanica</a:t>
+            </a:r>
+            <a:r>
+              <a:rPr lang="en-US" dirty="0"/>
+              <a:t> documentation talks more about all important properties.</a:t>
+            </a:r>
+          </a:p>
+          <a:p>
+            <a:pPr lvl="1"/>
+            <a:r>
+              <a:rPr lang="en-US" dirty="0"/>
+              <a:t>https://github.com/Netflix/Hystrix/tree/master/hystrix-contrib/hystrix-javanica</a:t>
+            </a:r>
+          </a:p>
+          <a:p>
+            <a:pPr lvl="1"/>
+            <a:r>
+              <a:rPr lang="en-US" dirty="0"/>
+              <a:t>https://github.com/Netflix/Hystrix/tree/master/hystrix-contrib/hystrix-javanica</a:t>
+            </a:r>
+          </a:p>
+          <a:p>
+            <a:pPr lvl="1"/>
+            <a:r>
+              <a:rPr lang="en-US" dirty="0"/>
+              <a:t>https://github.com/Netflix/Hystrix/wiki/Configuration</a:t>
+            </a:r>
+          </a:p>
+          <a:p>
+            <a:endParaRPr lang="en-US" dirty="0">
+              <a:solidFill>
+                <a:schemeClr val="tx2"/>
+              </a:solidFill>
+            </a:endParaRPr>
+          </a:p>
+        </p:txBody>
+      </p:sp>
+    </p:spTree>
+    <p:extLst>
+      <p:ext uri="{BB962C8B-B14F-4D97-AF65-F5344CB8AC3E}">
+        <p14:creationId xmlns:p14="http://schemas.microsoft.com/office/powerpoint/2010/main" val="2054901670"/>
+      </p:ext>
+    </p:extLst>
+  </p:cSld>
+  <p:clrMapOvr>
+    <a:masterClrMapping/>
+  </p:clrMapOvr>
+  <p:transition spd="slow"/>
+</p:sld>
+</file>
+
+<file path=ppt/slides/slide14.xml><?xml version="1.0" encoding="utf-8"?>
+<p:sld xmlns:a="http://schemas.openxmlformats.org/drawingml/2006/main" xmlns:r="http://schemas.openxmlformats.org/officeDocument/2006/relationships" xmlns:p="http://schemas.openxmlformats.org/presentationml/2006/main">
+  <p:cSld>
+    <p:spTree>
+      <p:nvGrpSpPr>
+        <p:cNvPr id="1" name=""/>
+        <p:cNvGrpSpPr/>
+        <p:nvPr/>
+      </p:nvGrpSpPr>
+      <p:grpSpPr>
+        <a:xfrm>
+          <a:off x="0" y="0"/>
+          <a:ext cx="0" cy="0"/>
+          <a:chOff x="0" y="0"/>
+          <a:chExt cx="0" cy="0"/>
+        </a:xfrm>
+      </p:grpSpPr>
+      <p:sp>
+        <p:nvSpPr>
+          <p:cNvPr id="2" name="Title 1"/>
+          <p:cNvSpPr>
+            <a:spLocks noGrp="1"/>
+          </p:cNvSpPr>
+          <p:nvPr>
+            <p:ph type="title"/>
+          </p:nvPr>
+        </p:nvSpPr>
+        <p:spPr/>
+        <p:txBody>
+          <a:bodyPr/>
+          <a:lstStyle/>
+          <a:p>
+            <a:r>
+              <a:rPr lang="en-US" dirty="0"/>
               <a:t>Use-Case &amp; Demo</a:t>
             </a:r>
-            <a:endParaRPr lang="en-US" dirty="0"/>
           </a:p>
         </p:txBody>
       </p:sp>
@@ -10862,115 +11017,111 @@
           <a:lstStyle/>
           <a:p>
             <a:r>
-              <a:rPr lang="en-US" dirty="0" smtClean="0"/>
+              <a:rPr lang="en-US" dirty="0"/>
               <a:t>mS1 – </a:t>
             </a:r>
             <a:r>
-              <a:rPr lang="en-US" dirty="0" err="1" smtClean="0"/>
+              <a:rPr lang="en-US" dirty="0" err="1"/>
               <a:t>EnterpriceOrder</a:t>
             </a:r>
-            <a:endParaRPr lang="en-US" dirty="0" smtClean="0"/>
+            <a:endParaRPr lang="en-US" dirty="0"/>
           </a:p>
           <a:p>
             <a:pPr lvl="1"/>
             <a:r>
-              <a:rPr lang="en-US" dirty="0" err="1" smtClean="0"/>
+              <a:rPr lang="en-US" dirty="0" err="1"/>
               <a:t>createOrder</a:t>
             </a:r>
             <a:r>
-              <a:rPr lang="en-US" dirty="0" smtClean="0"/>
+              <a:rPr lang="en-US" dirty="0"/>
               <a:t>()</a:t>
             </a:r>
           </a:p>
           <a:p>
             <a:pPr lvl="2"/>
             <a:r>
-              <a:rPr lang="en-US" dirty="0" smtClean="0"/>
+              <a:rPr lang="en-US" dirty="0"/>
               <a:t>Send </a:t>
             </a:r>
             <a:r>
-              <a:rPr lang="en-US" dirty="0" err="1" smtClean="0"/>
+              <a:rPr lang="en-US" dirty="0" err="1"/>
               <a:t>OrderID</a:t>
             </a:r>
             <a:r>
-              <a:rPr lang="en-US" dirty="0" smtClean="0"/>
+              <a:rPr lang="en-US" dirty="0"/>
               <a:t> , </a:t>
             </a:r>
             <a:r>
-              <a:rPr lang="en-US" dirty="0" err="1" smtClean="0"/>
+              <a:rPr lang="en-US" dirty="0" err="1"/>
               <a:t>customerInfo</a:t>
             </a:r>
             <a:r>
-              <a:rPr lang="en-US" dirty="0" smtClean="0"/>
+              <a:rPr lang="en-US" dirty="0"/>
               <a:t> to mS2 - </a:t>
             </a:r>
             <a:r>
-              <a:rPr lang="en-US" dirty="0" err="1" smtClean="0"/>
+              <a:rPr lang="en-US" dirty="0" err="1"/>
               <a:t>getOrderInfo</a:t>
             </a:r>
             <a:r>
-              <a:rPr lang="en-US" dirty="0" smtClean="0"/>
+              <a:rPr lang="en-US" dirty="0"/>
               <a:t>() to get </a:t>
             </a:r>
             <a:r>
-              <a:rPr lang="en-US" dirty="0" err="1" smtClean="0"/>
+              <a:rPr lang="en-US" dirty="0" err="1"/>
               <a:t>orderInfo</a:t>
             </a:r>
-            <a:endParaRPr lang="en-US" dirty="0" smtClean="0"/>
-          </a:p>
-          <a:p>
-            <a:r>
-              <a:rPr lang="en-US" dirty="0" smtClean="0"/>
+            <a:endParaRPr lang="en-US" dirty="0"/>
+          </a:p>
+          <a:p>
+            <a:r>
+              <a:rPr lang="en-US" dirty="0"/>
               <a:t>mS2 – </a:t>
             </a:r>
             <a:r>
-              <a:rPr lang="en-US" sz="1300" b="1" dirty="0" err="1" smtClean="0"/>
+              <a:rPr lang="en-US" sz="1300" b="1" dirty="0" err="1"/>
               <a:t>OrderInfoValidator</a:t>
             </a:r>
             <a:r>
-              <a:rPr lang="en-US" sz="1300" dirty="0" smtClean="0"/>
+              <a:rPr lang="en-US" sz="1300" dirty="0"/>
               <a:t> – Implements </a:t>
             </a:r>
             <a:r>
-              <a:rPr lang="en-US" sz="1300" dirty="0" err="1" smtClean="0"/>
+              <a:rPr lang="en-US" sz="1300" dirty="0" err="1"/>
               <a:t>Hystrix</a:t>
             </a:r>
             <a:r>
-              <a:rPr lang="en-US" sz="1300" dirty="0" smtClean="0"/>
+              <a:rPr lang="en-US" sz="1300" dirty="0"/>
               <a:t> Circuit breaker at this while calling </a:t>
             </a:r>
             <a:r>
               <a:rPr lang="en-US" sz="1300" dirty="0" err="1"/>
               <a:t>getValidatedAddress</a:t>
             </a:r>
-            <a:endParaRPr lang="en-US" sz="1300" dirty="0" smtClean="0"/>
+            <a:endParaRPr lang="en-US" sz="1300" dirty="0"/>
           </a:p>
           <a:p>
             <a:pPr marL="574675" lvl="2" indent="0">
               <a:buNone/>
             </a:pPr>
             <a:r>
-              <a:rPr lang="en-US" dirty="0" smtClean="0"/>
+              <a:rPr lang="en-US" dirty="0"/>
               <a:t>Implement </a:t>
             </a:r>
             <a:r>
-              <a:rPr lang="en-US" dirty="0" err="1" smtClean="0"/>
+              <a:rPr lang="en-US" dirty="0" err="1"/>
               <a:t>Hystrix</a:t>
             </a:r>
             <a:r>
               <a:rPr lang="en-US" dirty="0"/>
-              <a:t> </a:t>
-            </a:r>
-            <a:r>
-              <a:rPr lang="en-US" dirty="0" smtClean="0"/>
-              <a:t>at the </a:t>
-            </a:r>
-            <a:r>
-              <a:rPr lang="en-US" dirty="0" err="1" smtClean="0"/>
+              <a:t> at the </a:t>
+            </a:r>
+            <a:r>
+              <a:rPr lang="en-US" dirty="0" err="1"/>
               <a:t>validateOrder</a:t>
             </a:r>
             <a:r>
-              <a:rPr lang="en-US" dirty="0" smtClean="0"/>
+              <a:rPr lang="en-US" dirty="0"/>
               <a:t> method to fallback quickly and avoid cascading failures</a:t>
             </a:r>
           </a:p>
@@ -10979,45 +11130,45 @@
               <a:buNone/>
             </a:pPr>
             <a:r>
-              <a:rPr lang="en-US" dirty="0" smtClean="0"/>
+              <a:rPr lang="en-US" dirty="0"/>
               <a:t>with </a:t>
             </a:r>
             <a:r>
-              <a:rPr lang="en-US" dirty="0" err="1" smtClean="0"/>
+              <a:rPr lang="en-US" dirty="0" err="1"/>
               <a:t>autoValidate</a:t>
             </a:r>
             <a:r>
-              <a:rPr lang="en-US" dirty="0" smtClean="0"/>
+              <a:rPr lang="en-US" dirty="0"/>
               <a:t> logical method</a:t>
             </a:r>
           </a:p>
           <a:p>
             <a:r>
-              <a:rPr lang="en-US" dirty="0" smtClean="0"/>
+              <a:rPr lang="en-US" dirty="0"/>
               <a:t>mS3- </a:t>
             </a:r>
             <a:r>
-              <a:rPr lang="en-US" dirty="0" err="1" smtClean="0"/>
+              <a:rPr lang="en-US" dirty="0" err="1"/>
               <a:t>AddressValidator</a:t>
             </a:r>
-            <a:endParaRPr lang="en-US" dirty="0" smtClean="0"/>
+            <a:endParaRPr lang="en-US" dirty="0"/>
           </a:p>
           <a:p>
             <a:pPr lvl="2"/>
             <a:r>
-              <a:rPr lang="en-US" dirty="0" err="1" smtClean="0"/>
+              <a:rPr lang="en-US" dirty="0" err="1"/>
               <a:t>getValidatedAddress</a:t>
             </a:r>
             <a:r>
-              <a:rPr lang="en-US" dirty="0" smtClean="0"/>
+              <a:rPr lang="en-US" dirty="0"/>
               <a:t>(</a:t>
             </a:r>
             <a:r>
-              <a:rPr lang="en-US" dirty="0" err="1" smtClean="0"/>
+              <a:rPr lang="en-US" dirty="0" err="1"/>
               <a:t>unparsedAddress</a:t>
             </a:r>
             <a:r>
-              <a:rPr lang="en-US" dirty="0" smtClean="0"/>
+              <a:rPr lang="en-US" dirty="0"/>
               <a:t>){</a:t>
             </a:r>
           </a:p>
@@ -11026,15 +11177,15 @@
               <a:buNone/>
             </a:pPr>
             <a:r>
-              <a:rPr lang="en-US" dirty="0" smtClean="0"/>
+              <a:rPr lang="en-US" dirty="0"/>
               <a:t>	return </a:t>
             </a:r>
             <a:r>
-              <a:rPr lang="en-US" dirty="0" err="1" smtClean="0"/>
+              <a:rPr lang="en-US" dirty="0" err="1"/>
               <a:t>validatedAddress</a:t>
             </a:r>
             <a:r>
-              <a:rPr lang="en-US" dirty="0" smtClean="0"/>
+              <a:rPr lang="en-US" dirty="0"/>
               <a:t>;</a:t>
             </a:r>
           </a:p>
@@ -11043,7 +11194,7 @@
               <a:buNone/>
             </a:pPr>
             <a:r>
-              <a:rPr lang="en-US" dirty="0" smtClean="0"/>
+              <a:rPr lang="en-US" dirty="0"/>
               <a:t>}</a:t>
             </a:r>
           </a:p>
@@ -11072,7 +11223,7 @@
               <a:pPr>
                 <a:defRPr/>
               </a:pPr>
-              <a:t>13</a:t>
+              <a:t>14</a:t>
             </a:fld>
             <a:endParaRPr lang="en-US" dirty="0"/>
           </a:p>
@@ -11156,7 +11307,7 @@
                 <a:tabLst/>
               </a:pPr>
               <a:r>
-                <a:rPr kumimoji="0" lang="en-US" sz="1200" b="0" i="0" u="none" strike="noStrike" cap="none" normalizeH="0" baseline="0" dirty="0" smtClean="0">
+                <a:rPr kumimoji="0" lang="en-US" sz="1200" b="0" i="0" u="none" strike="noStrike" cap="none" normalizeH="0" baseline="0" dirty="0">
                   <a:ln>
                     <a:noFill/>
                   </a:ln>
@@ -11316,7 +11467,7 @@
                 <a:tabLst/>
               </a:pPr>
               <a:r>
-                <a:rPr kumimoji="0" lang="en-US" sz="1200" b="0" i="0" u="none" strike="noStrike" cap="none" normalizeH="0" baseline="0" dirty="0" smtClean="0">
+                <a:rPr kumimoji="0" lang="en-US" sz="1200" b="0" i="0" u="none" strike="noStrike" cap="none" normalizeH="0" baseline="0" dirty="0">
                   <a:ln>
                     <a:noFill/>
                   </a:ln>
@@ -11396,7 +11547,7 @@
                 <a:tabLst/>
               </a:pPr>
               <a:r>
-                <a:rPr kumimoji="0" lang="en-US" sz="1200" b="0" i="0" u="none" strike="noStrike" cap="none" normalizeH="0" baseline="0" dirty="0" smtClean="0">
+                <a:rPr kumimoji="0" lang="en-US" sz="1200" b="0" i="0" u="none" strike="noStrike" cap="none" normalizeH="0" baseline="0" dirty="0">
                   <a:ln>
                     <a:noFill/>
                   </a:ln>
@@ -11465,7 +11616,7 @@
                 <a:buNone/>
                 <a:tabLst/>
               </a:pPr>
-              <a:endParaRPr kumimoji="0" lang="en-US" sz="1800" b="0" i="1" u="none" strike="noStrike" cap="none" normalizeH="0" baseline="0" smtClean="0">
+              <a:endParaRPr kumimoji="0" lang="en-US" sz="1800" b="0" i="1" u="none" strike="noStrike" cap="none" normalizeH="0" baseline="0">
                 <a:ln>
                   <a:noFill/>
                 </a:ln>
@@ -11627,258 +11778,6 @@
     <a:masterClrMapping/>
   </p:clrMapOvr>
   <p:transition spd="slow"/>
-  <p:timing>
-    <p:tnLst>
-      <p:par>
-        <p:cTn id="1" dur="indefinite" restart="never" nodeType="tmRoot"/>
-      </p:par>
-    </p:tnLst>
-  </p:timing>
-</p:sld>
-</file>
-
-<file path=ppt/slides/slide14.xml><?xml version="1.0" encoding="utf-8"?>
-<p:sld xmlns:a="http://schemas.openxmlformats.org/drawingml/2006/main" xmlns:r="http://schemas.openxmlformats.org/officeDocument/2006/relationships" xmlns:p="http://schemas.openxmlformats.org/presentationml/2006/main">
-  <p:cSld>
-    <p:spTree>
-      <p:nvGrpSpPr>
-        <p:cNvPr id="1" name=""/>
-        <p:cNvGrpSpPr/>
-        <p:nvPr/>
-      </p:nvGrpSpPr>
-      <p:grpSpPr>
-        <a:xfrm>
-          <a:off x="0" y="0"/>
-          <a:ext cx="0" cy="0"/>
-          <a:chOff x="0" y="0"/>
-          <a:chExt cx="0" cy="0"/>
-        </a:xfrm>
-      </p:grpSpPr>
-      <p:sp>
-        <p:nvSpPr>
-          <p:cNvPr id="2" name="Title 1"/>
-          <p:cNvSpPr>
-            <a:spLocks noGrp="1"/>
-          </p:cNvSpPr>
-          <p:nvPr>
-            <p:ph type="title"/>
-          </p:nvPr>
-        </p:nvSpPr>
-        <p:spPr/>
-        <p:txBody>
-          <a:bodyPr/>
-          <a:lstStyle/>
-          <a:p>
-            <a:r>
-              <a:rPr lang="en-US" dirty="0" err="1" smtClean="0"/>
-              <a:t>Hystrix</a:t>
-            </a:r>
-            <a:r>
-              <a:rPr lang="en-US" dirty="0" smtClean="0"/>
-              <a:t> - Dashboard</a:t>
-            </a:r>
-            <a:endParaRPr lang="en-US" dirty="0"/>
-          </a:p>
-        </p:txBody>
-      </p:sp>
-      <p:sp>
-        <p:nvSpPr>
-          <p:cNvPr id="4" name="Slide Number Placeholder 3"/>
-          <p:cNvSpPr>
-            <a:spLocks noGrp="1"/>
-          </p:cNvSpPr>
-          <p:nvPr>
-            <p:ph type="sldNum" sz="quarter" idx="10"/>
-          </p:nvPr>
-        </p:nvSpPr>
-        <p:spPr/>
-        <p:txBody>
-          <a:bodyPr/>
-          <a:lstStyle/>
-          <a:p>
-            <a:pPr>
-              <a:defRPr/>
-            </a:pPr>
-            <a:fld id="{E20BCDF8-30D9-497E-B0E7-F574ED4A1EDB}" type="slidenum">
-              <a:rPr lang="en-US" smtClean="0"/>
-              <a:pPr>
-                <a:defRPr/>
-              </a:pPr>
-              <a:t>14</a:t>
-            </a:fld>
-            <a:endParaRPr lang="en-US" dirty="0"/>
-          </a:p>
-        </p:txBody>
-      </p:sp>
-      <p:sp>
-        <p:nvSpPr>
-          <p:cNvPr id="7" name="Rectangle 6"/>
-          <p:cNvSpPr/>
-          <p:nvPr/>
-        </p:nvSpPr>
-        <p:spPr>
-          <a:xfrm>
-            <a:off x="317652" y="1329422"/>
-            <a:ext cx="8064347" cy="369332"/>
-          </a:xfrm>
-          <a:prstGeom prst="rect">
-            <a:avLst/>
-          </a:prstGeom>
-        </p:spPr>
-        <p:txBody>
-          <a:bodyPr wrap="square">
-            <a:spAutoFit/>
-          </a:bodyPr>
-          <a:lstStyle/>
-          <a:p>
-            <a:r>
-              <a:rPr lang="en-US" i="0" dirty="0" err="1"/>
-              <a:t>Hystrix</a:t>
-            </a:r>
-            <a:r>
-              <a:rPr lang="en-US" i="0" dirty="0"/>
-              <a:t> provides a built in dashboard to check the status of the circuit breaker</a:t>
-            </a:r>
-          </a:p>
-        </p:txBody>
-      </p:sp>
-      <p:sp>
-        <p:nvSpPr>
-          <p:cNvPr id="8" name="Rectangle 7"/>
-          <p:cNvSpPr/>
-          <p:nvPr/>
-        </p:nvSpPr>
-        <p:spPr>
-          <a:xfrm>
-            <a:off x="152400" y="1606421"/>
-            <a:ext cx="2438400" cy="2123658"/>
-          </a:xfrm>
-          <a:prstGeom prst="rect">
-            <a:avLst/>
-          </a:prstGeom>
-        </p:spPr>
-        <p:txBody>
-          <a:bodyPr wrap="square">
-            <a:spAutoFit/>
-          </a:bodyPr>
-          <a:lstStyle/>
-          <a:p>
-            <a:r>
-              <a:rPr lang="en-US" i="0" dirty="0"/>
-              <a:t>Accessing </a:t>
-            </a:r>
-            <a:r>
-              <a:rPr lang="en-US" i="0" dirty="0" err="1" smtClean="0"/>
-              <a:t>Hystrix</a:t>
-            </a:r>
-            <a:r>
-              <a:rPr lang="en-US" i="0" dirty="0" smtClean="0"/>
-              <a:t> </a:t>
-            </a:r>
-            <a:r>
-              <a:rPr lang="en-US" i="0" dirty="0"/>
-              <a:t>dashboard</a:t>
-            </a:r>
-          </a:p>
-          <a:p>
-            <a:pPr marL="171450" indent="-171450">
-              <a:buFont typeface="Arial" panose="020B0604020202020204" pitchFamily="34" charset="0"/>
-              <a:buChar char="•"/>
-            </a:pPr>
-            <a:r>
-              <a:rPr lang="en-US" sz="1200" i="0" dirty="0"/>
-              <a:t>http://&lt;host&gt;:&lt;port&gt;/</a:t>
-            </a:r>
-            <a:r>
-              <a:rPr lang="en-US" sz="1200" i="0" dirty="0" smtClean="0"/>
-              <a:t>hystrix</a:t>
-            </a:r>
-          </a:p>
-          <a:p>
-            <a:pPr marL="171450" indent="-171450">
-              <a:buFont typeface="Arial" panose="020B0604020202020204" pitchFamily="34" charset="0"/>
-              <a:buChar char="•"/>
-            </a:pPr>
-            <a:r>
-              <a:rPr lang="en-US" sz="1200" i="0" dirty="0" smtClean="0">
-                <a:hlinkClick r:id="rId2"/>
-              </a:rPr>
-              <a:t>http</a:t>
-            </a:r>
-            <a:r>
-              <a:rPr lang="en-US" sz="1200" i="0" dirty="0">
-                <a:hlinkClick r:id="rId2"/>
-              </a:rPr>
-              <a:t>://</a:t>
-            </a:r>
-            <a:r>
-              <a:rPr lang="en-US" sz="1200" i="0" dirty="0" smtClean="0">
-                <a:hlinkClick r:id="rId2"/>
-              </a:rPr>
-              <a:t>localhost:9091/eo/hystrix/monitor?stream=http%3A%2F%2Flocalhost%3A9091%2Feo%2Fhystrix.stream&amp;title=HystrixDB</a:t>
-            </a:r>
-            <a:endParaRPr lang="en-US" sz="1200" i="0" dirty="0"/>
-          </a:p>
-          <a:p>
-            <a:pPr marL="171450" indent="-171450">
-              <a:buFont typeface="Arial" panose="020B0604020202020204" pitchFamily="34" charset="0"/>
-              <a:buChar char="•"/>
-            </a:pPr>
-            <a:r>
-              <a:rPr lang="en-US" sz="1200" i="0" dirty="0" smtClean="0"/>
-              <a:t>http</a:t>
-            </a:r>
-            <a:r>
-              <a:rPr lang="en-US" sz="1200" i="0" dirty="0"/>
-              <a:t>://&lt;host&gt;:&lt;port&gt;/hystrix.stream</a:t>
-            </a:r>
-          </a:p>
-        </p:txBody>
-      </p:sp>
-      <p:pic>
-        <p:nvPicPr>
-          <p:cNvPr id="6" name="Content Placeholder 5"/>
-          <p:cNvPicPr>
-            <a:picLocks noGrp="1" noChangeAspect="1"/>
-          </p:cNvPicPr>
-          <p:nvPr>
-            <p:ph idx="1"/>
-          </p:nvPr>
-        </p:nvPicPr>
-        <p:blipFill>
-          <a:blip r:embed="rId3"/>
-          <a:stretch>
-            <a:fillRect/>
-          </a:stretch>
-        </p:blipFill>
-        <p:spPr>
-          <a:xfrm>
-            <a:off x="3050158" y="2209800"/>
-            <a:ext cx="6093842" cy="4138613"/>
-          </a:xfrm>
-          <a:prstGeom prst="rect">
-            <a:avLst/>
-          </a:prstGeom>
-        </p:spPr>
-      </p:pic>
-    </p:spTree>
-    <p:extLst>
-      <p:ext uri="{BB962C8B-B14F-4D97-AF65-F5344CB8AC3E}">
-        <p14:creationId xmlns:p14="http://schemas.microsoft.com/office/powerpoint/2010/main" val="3084146789"/>
-      </p:ext>
-    </p:extLst>
-  </p:cSld>
-  <p:clrMapOvr>
-    <a:masterClrMapping/>
-  </p:clrMapOvr>
-  <p:transition spd="slow"/>
-  <p:timing>
-    <p:tnLst>
-      <p:par>
-        <p:cTn id="1" dur="indefinite" restart="never" nodeType="tmRoot"/>
-      </p:par>
-    </p:tnLst>
-  </p:timing>
 </p:sld>
 </file>
 
@@ -11915,18 +11814,13 @@
           <a:lstStyle/>
           <a:p>
             <a:r>
-              <a:rPr lang="en-US" dirty="0" smtClean="0"/>
-              <a:t>Understanding </a:t>
-            </a:r>
-            <a:r>
-              <a:rPr lang="en-US" dirty="0" err="1" smtClean="0"/>
+              <a:rPr lang="en-US" dirty="0" err="1"/>
               <a:t>Hystrix</a:t>
             </a:r>
             <a:r>
-              <a:rPr lang="en-US" dirty="0" smtClean="0"/>
-              <a:t> – Dashboard</a:t>
-            </a:r>
-            <a:endParaRPr lang="en-US" dirty="0"/>
+              <a:rPr lang="en-US" dirty="0"/>
+              <a:t> - Dashboard</a:t>
+            </a:r>
           </a:p>
         </p:txBody>
       </p:sp>
@@ -11954,6 +11848,205 @@
                 <a:defRPr/>
               </a:pPr>
               <a:t>15</a:t>
+            </a:fld>
+            <a:endParaRPr lang="en-US" dirty="0"/>
+          </a:p>
+        </p:txBody>
+      </p:sp>
+      <p:sp>
+        <p:nvSpPr>
+          <p:cNvPr id="7" name="Rectangle 6"/>
+          <p:cNvSpPr/>
+          <p:nvPr/>
+        </p:nvSpPr>
+        <p:spPr>
+          <a:xfrm>
+            <a:off x="317652" y="1329422"/>
+            <a:ext cx="8064347" cy="369332"/>
+          </a:xfrm>
+          <a:prstGeom prst="rect">
+            <a:avLst/>
+          </a:prstGeom>
+        </p:spPr>
+        <p:txBody>
+          <a:bodyPr wrap="square">
+            <a:spAutoFit/>
+          </a:bodyPr>
+          <a:lstStyle/>
+          <a:p>
+            <a:r>
+              <a:rPr lang="en-US" i="0" dirty="0" err="1"/>
+              <a:t>Hystrix</a:t>
+            </a:r>
+            <a:r>
+              <a:rPr lang="en-US" i="0" dirty="0"/>
+              <a:t> provides a built in dashboard to check the status of the circuit breaker</a:t>
+            </a:r>
+          </a:p>
+        </p:txBody>
+      </p:sp>
+      <p:sp>
+        <p:nvSpPr>
+          <p:cNvPr id="8" name="Rectangle 7"/>
+          <p:cNvSpPr/>
+          <p:nvPr/>
+        </p:nvSpPr>
+        <p:spPr>
+          <a:xfrm>
+            <a:off x="152400" y="1606421"/>
+            <a:ext cx="8077200" cy="923330"/>
+          </a:xfrm>
+          <a:prstGeom prst="rect">
+            <a:avLst/>
+          </a:prstGeom>
+        </p:spPr>
+        <p:txBody>
+          <a:bodyPr wrap="square">
+            <a:spAutoFit/>
+          </a:bodyPr>
+          <a:lstStyle/>
+          <a:p>
+            <a:r>
+              <a:rPr lang="en-US" i="0" dirty="0"/>
+              <a:t>Accessing </a:t>
+            </a:r>
+            <a:r>
+              <a:rPr lang="en-US" i="0" dirty="0" err="1"/>
+              <a:t>Hystrix</a:t>
+            </a:r>
+            <a:r>
+              <a:rPr lang="en-US" i="0" dirty="0"/>
+              <a:t> dashboard</a:t>
+            </a:r>
+          </a:p>
+          <a:p>
+            <a:r>
+              <a:rPr lang="en-US" sz="1200" i="0" dirty="0"/>
+              <a:t>http://&lt;host&gt;:&lt;port&gt;/hystrix</a:t>
+            </a:r>
+          </a:p>
+          <a:p>
+            <a:endParaRPr lang="en-US" sz="1200" i="0" dirty="0"/>
+          </a:p>
+          <a:p>
+            <a:r>
+              <a:rPr lang="en-US" sz="1200" i="0" dirty="0"/>
+              <a:t>http://&lt;host&gt;:&lt;port&gt;/hystrix.stream</a:t>
+            </a:r>
+          </a:p>
+        </p:txBody>
+      </p:sp>
+      <p:pic>
+        <p:nvPicPr>
+          <p:cNvPr id="6" name="Content Placeholder 5"/>
+          <p:cNvPicPr>
+            <a:picLocks noGrp="1" noChangeAspect="1"/>
+          </p:cNvPicPr>
+          <p:nvPr>
+            <p:ph idx="1"/>
+          </p:nvPr>
+        </p:nvPicPr>
+        <p:blipFill>
+          <a:blip r:embed="rId2"/>
+          <a:stretch>
+            <a:fillRect/>
+          </a:stretch>
+        </p:blipFill>
+        <p:spPr>
+          <a:xfrm>
+            <a:off x="3050158" y="2209800"/>
+            <a:ext cx="6093842" cy="4138613"/>
+          </a:xfrm>
+          <a:prstGeom prst="rect">
+            <a:avLst/>
+          </a:prstGeom>
+        </p:spPr>
+      </p:pic>
+    </p:spTree>
+    <p:extLst>
+      <p:ext uri="{BB962C8B-B14F-4D97-AF65-F5344CB8AC3E}">
+        <p14:creationId xmlns:p14="http://schemas.microsoft.com/office/powerpoint/2010/main" val="3084146789"/>
+      </p:ext>
+    </p:extLst>
+  </p:cSld>
+  <p:clrMapOvr>
+    <a:masterClrMapping/>
+  </p:clrMapOvr>
+  <p:transition spd="slow"/>
+</p:sld>
+</file>
+
+<file path=ppt/slides/slide16.xml><?xml version="1.0" encoding="utf-8"?>
+<p:sld xmlns:a="http://schemas.openxmlformats.org/drawingml/2006/main" xmlns:r="http://schemas.openxmlformats.org/officeDocument/2006/relationships" xmlns:p="http://schemas.openxmlformats.org/presentationml/2006/main">
+  <p:cSld>
+    <p:spTree>
+      <p:nvGrpSpPr>
+        <p:cNvPr id="1" name=""/>
+        <p:cNvGrpSpPr/>
+        <p:nvPr/>
+      </p:nvGrpSpPr>
+      <p:grpSpPr>
+        <a:xfrm>
+          <a:off x="0" y="0"/>
+          <a:ext cx="0" cy="0"/>
+          <a:chOff x="0" y="0"/>
+          <a:chExt cx="0" cy="0"/>
+        </a:xfrm>
+      </p:grpSpPr>
+      <p:sp>
+        <p:nvSpPr>
+          <p:cNvPr id="2" name="Title 1"/>
+          <p:cNvSpPr>
+            <a:spLocks noGrp="1"/>
+          </p:cNvSpPr>
+          <p:nvPr>
+            <p:ph type="title"/>
+          </p:nvPr>
+        </p:nvSpPr>
+        <p:spPr/>
+        <p:txBody>
+          <a:bodyPr/>
+          <a:lstStyle/>
+          <a:p>
+            <a:r>
+              <a:rPr lang="en-US" dirty="0"/>
+              <a:t>Understanding </a:t>
+            </a:r>
+            <a:r>
+              <a:rPr lang="en-US" dirty="0" err="1"/>
+              <a:t>Hystrix</a:t>
+            </a:r>
+            <a:r>
+              <a:rPr lang="en-US" dirty="0"/>
+              <a:t> – Dashboard</a:t>
+            </a:r>
+          </a:p>
+        </p:txBody>
+      </p:sp>
+      <p:sp>
+        <p:nvSpPr>
+          <p:cNvPr id="4" name="Slide Number Placeholder 3"/>
+          <p:cNvSpPr>
+            <a:spLocks noGrp="1"/>
+          </p:cNvSpPr>
+          <p:nvPr>
+            <p:ph type="sldNum" sz="quarter" idx="10"/>
+          </p:nvPr>
+        </p:nvSpPr>
+        <p:spPr/>
+        <p:txBody>
+          <a:bodyPr/>
+          <a:lstStyle/>
+          <a:p>
+            <a:pPr>
+              <a:defRPr/>
+            </a:pPr>
+            <a:fld id="{E20BCDF8-30D9-497E-B0E7-F574ED4A1EDB}" type="slidenum">
+              <a:rPr lang="en-US" smtClean="0"/>
+              <a:pPr>
+                <a:defRPr/>
+              </a:pPr>
+              <a:t>16</a:t>
             </a:fld>
             <a:endParaRPr lang="en-US" dirty="0"/>
           </a:p>
@@ -12013,264 +12106,6 @@
     <a:masterClrMapping/>
   </p:clrMapOvr>
   <p:transition spd="slow"/>
-  <p:timing>
-    <p:tnLst>
-      <p:par>
-        <p:cTn id="1" dur="indefinite" restart="never" nodeType="tmRoot"/>
-      </p:par>
-    </p:tnLst>
-  </p:timing>
-</p:sld>
-</file>
-
-<file path=ppt/slides/slide16.xml><?xml version="1.0" encoding="utf-8"?>
-<p:sld xmlns:a="http://schemas.openxmlformats.org/drawingml/2006/main" xmlns:r="http://schemas.openxmlformats.org/officeDocument/2006/relationships" xmlns:p="http://schemas.openxmlformats.org/presentationml/2006/main">
-  <p:cSld>
-    <p:spTree>
-      <p:nvGrpSpPr>
-        <p:cNvPr id="1" name=""/>
-        <p:cNvGrpSpPr/>
-        <p:nvPr/>
-      </p:nvGrpSpPr>
-      <p:grpSpPr>
-        <a:xfrm>
-          <a:off x="0" y="0"/>
-          <a:ext cx="0" cy="0"/>
-          <a:chOff x="0" y="0"/>
-          <a:chExt cx="0" cy="0"/>
-        </a:xfrm>
-      </p:grpSpPr>
-      <p:sp>
-        <p:nvSpPr>
-          <p:cNvPr id="2" name="Title 1"/>
-          <p:cNvSpPr>
-            <a:spLocks noGrp="1"/>
-          </p:cNvSpPr>
-          <p:nvPr>
-            <p:ph type="title"/>
-          </p:nvPr>
-        </p:nvSpPr>
-        <p:spPr/>
-        <p:txBody>
-          <a:bodyPr/>
-          <a:lstStyle/>
-          <a:p>
-            <a:r>
-              <a:rPr lang="en-US" dirty="0" smtClean="0"/>
-              <a:t>Turbine</a:t>
-            </a:r>
-            <a:endParaRPr lang="en-US" dirty="0"/>
-          </a:p>
-        </p:txBody>
-      </p:sp>
-      <p:sp>
-        <p:nvSpPr>
-          <p:cNvPr id="3" name="Content Placeholder 2"/>
-          <p:cNvSpPr>
-            <a:spLocks noGrp="1"/>
-          </p:cNvSpPr>
-          <p:nvPr>
-            <p:ph idx="1"/>
-          </p:nvPr>
-        </p:nvSpPr>
-        <p:spPr/>
-        <p:txBody>
-          <a:bodyPr/>
-          <a:lstStyle/>
-          <a:p>
-            <a:r>
-              <a:rPr lang="en-US" dirty="0"/>
-              <a:t>Looking at an individual instances </a:t>
-            </a:r>
-            <a:r>
-              <a:rPr lang="en-US" dirty="0" err="1"/>
-              <a:t>Hystrix</a:t>
-            </a:r>
-            <a:r>
-              <a:rPr lang="en-US" dirty="0"/>
-              <a:t> data is not very useful in terms of the overall health of the system. </a:t>
-            </a:r>
-            <a:endParaRPr lang="en-US" dirty="0" smtClean="0"/>
-          </a:p>
-          <a:p>
-            <a:r>
-              <a:rPr lang="en-US" dirty="0" smtClean="0"/>
-              <a:t>Turbine </a:t>
-            </a:r>
-            <a:r>
-              <a:rPr lang="en-US" dirty="0"/>
-              <a:t>is an application that aggregates all of the relevant </a:t>
-            </a:r>
-            <a:r>
-              <a:rPr lang="en-US" dirty="0">
-                <a:solidFill>
-                  <a:schemeClr val="tx2"/>
-                </a:solidFill>
-              </a:rPr>
-              <a:t>/</a:t>
-            </a:r>
-            <a:r>
-              <a:rPr lang="en-US" dirty="0" err="1">
-                <a:solidFill>
-                  <a:schemeClr val="tx2"/>
-                </a:solidFill>
-              </a:rPr>
-              <a:t>hystrix.stream</a:t>
-            </a:r>
-            <a:r>
-              <a:rPr lang="en-US" dirty="0">
-                <a:solidFill>
-                  <a:schemeClr val="tx2"/>
-                </a:solidFill>
-              </a:rPr>
-              <a:t> </a:t>
-            </a:r>
-            <a:r>
-              <a:rPr lang="en-US" dirty="0"/>
-              <a:t>endpoints into a combined </a:t>
-            </a:r>
-            <a:r>
-              <a:rPr lang="en-US" dirty="0">
-                <a:solidFill>
-                  <a:schemeClr val="tx2"/>
-                </a:solidFill>
-              </a:rPr>
-              <a:t>/</a:t>
-            </a:r>
-            <a:r>
-              <a:rPr lang="en-US" dirty="0" err="1">
-                <a:solidFill>
-                  <a:schemeClr val="tx2"/>
-                </a:solidFill>
-              </a:rPr>
-              <a:t>turbine.stream</a:t>
-            </a:r>
-            <a:r>
-              <a:rPr lang="en-US" dirty="0">
-                <a:solidFill>
-                  <a:schemeClr val="tx2"/>
-                </a:solidFill>
-              </a:rPr>
-              <a:t> </a:t>
-            </a:r>
-            <a:r>
-              <a:rPr lang="en-US" dirty="0"/>
-              <a:t>for use in the </a:t>
-            </a:r>
-            <a:r>
-              <a:rPr lang="en-US" dirty="0" err="1"/>
-              <a:t>Hystrix</a:t>
-            </a:r>
-            <a:r>
-              <a:rPr lang="en-US" dirty="0"/>
-              <a:t> Dashboard. Running Turbine is as simple as annotating your main class with the </a:t>
-            </a:r>
-            <a:r>
-              <a:rPr lang="en-US" dirty="0">
-                <a:solidFill>
-                  <a:schemeClr val="tx2"/>
-                </a:solidFill>
-              </a:rPr>
-              <a:t>@</a:t>
-            </a:r>
-            <a:r>
-              <a:rPr lang="en-US" dirty="0" err="1">
-                <a:solidFill>
-                  <a:schemeClr val="tx2"/>
-                </a:solidFill>
-              </a:rPr>
-              <a:t>EnableTurbine</a:t>
-            </a:r>
-            <a:r>
-              <a:rPr lang="en-US" dirty="0">
-                <a:solidFill>
-                  <a:schemeClr val="tx2"/>
-                </a:solidFill>
-              </a:rPr>
-              <a:t> </a:t>
-            </a:r>
-            <a:r>
-              <a:rPr lang="en-US" dirty="0"/>
-              <a:t>annotation (e.g. using spring-cloud-starter-turbine to set up the </a:t>
-            </a:r>
-            <a:r>
-              <a:rPr lang="en-US" dirty="0" err="1"/>
-              <a:t>classpath</a:t>
-            </a:r>
-            <a:r>
-              <a:rPr lang="en-US" dirty="0" smtClean="0"/>
-              <a:t>).</a:t>
-            </a:r>
-          </a:p>
-          <a:p>
-            <a:r>
-              <a:rPr lang="en-US" dirty="0"/>
-              <a:t>Monitoring large number of </a:t>
-            </a:r>
-            <a:r>
-              <a:rPr lang="en-US" dirty="0" err="1"/>
-              <a:t>hystrix</a:t>
-            </a:r>
-            <a:r>
-              <a:rPr lang="en-US" dirty="0"/>
-              <a:t> dashboards is not really practical, so Turbine helps you to consolidate the streams and show it on one dash board</a:t>
-            </a:r>
-          </a:p>
-          <a:p>
-            <a:r>
-              <a:rPr lang="en-US" dirty="0"/>
-              <a:t>Gather metrics from the individual instances and share in one place</a:t>
-            </a:r>
-          </a:p>
-        </p:txBody>
-      </p:sp>
-      <p:sp>
-        <p:nvSpPr>
-          <p:cNvPr id="4" name="Slide Number Placeholder 3"/>
-          <p:cNvSpPr>
-            <a:spLocks noGrp="1"/>
-          </p:cNvSpPr>
-          <p:nvPr>
-            <p:ph type="sldNum" sz="quarter" idx="10"/>
-          </p:nvPr>
-        </p:nvSpPr>
-        <p:spPr/>
-        <p:txBody>
-          <a:bodyPr/>
-          <a:lstStyle/>
-          <a:p>
-            <a:pPr>
-              <a:defRPr/>
-            </a:pPr>
-            <a:fld id="{E20BCDF8-30D9-497E-B0E7-F574ED4A1EDB}" type="slidenum">
-              <a:rPr lang="en-US" smtClean="0"/>
-              <a:pPr>
-                <a:defRPr/>
-              </a:pPr>
-              <a:t>16</a:t>
-            </a:fld>
-            <a:endParaRPr lang="en-US" dirty="0"/>
-          </a:p>
-        </p:txBody>
-      </p:sp>
-    </p:spTree>
-    <p:extLst>
-      <p:ext uri="{BB962C8B-B14F-4D97-AF65-F5344CB8AC3E}">
-        <p14:creationId xmlns:p14="http://schemas.microsoft.com/office/powerpoint/2010/main" val="3327139903"/>
-      </p:ext>
-    </p:extLst>
-  </p:cSld>
-  <p:clrMapOvr>
-    <a:masterClrMapping/>
-  </p:clrMapOvr>
-  <p:transition spd="slow"/>
-  <p:timing>
-    <p:tnLst>
-      <p:par>
-        <p:cTn id="1" dur="indefinite" restart="never" nodeType="tmRoot"/>
-      </p:par>
-    </p:tnLst>
-  </p:timing>
 </p:sld>
 </file>
 
@@ -12307,10 +12142,165 @@
           <a:lstStyle/>
           <a:p>
             <a:r>
-              <a:rPr lang="en-US" dirty="0" smtClean="0"/>
-              <a:t>Questions ??</a:t>
-            </a:r>
-            <a:endParaRPr lang="en-US" dirty="0"/>
+              <a:rPr lang="en-US" dirty="0"/>
+              <a:t>Turbine</a:t>
+            </a:r>
+          </a:p>
+        </p:txBody>
+      </p:sp>
+      <p:sp>
+        <p:nvSpPr>
+          <p:cNvPr id="3" name="Content Placeholder 2"/>
+          <p:cNvSpPr>
+            <a:spLocks noGrp="1"/>
+          </p:cNvSpPr>
+          <p:nvPr>
+            <p:ph idx="1"/>
+          </p:nvPr>
+        </p:nvSpPr>
+        <p:spPr/>
+        <p:txBody>
+          <a:bodyPr/>
+          <a:lstStyle/>
+          <a:p>
+            <a:r>
+              <a:rPr lang="en-US" dirty="0"/>
+              <a:t>Looking at an individual instances </a:t>
+            </a:r>
+            <a:r>
+              <a:rPr lang="en-US" dirty="0" err="1"/>
+              <a:t>Hystrix</a:t>
+            </a:r>
+            <a:r>
+              <a:rPr lang="en-US" dirty="0"/>
+              <a:t> data is not very useful in terms of the overall health of the system. </a:t>
+            </a:r>
+          </a:p>
+          <a:p>
+            <a:r>
+              <a:rPr lang="en-US" dirty="0"/>
+              <a:t>Turbine is an application that aggregates all of the relevant </a:t>
+            </a:r>
+            <a:r>
+              <a:rPr lang="en-US" dirty="0">
+                <a:solidFill>
+                  <a:schemeClr val="tx2"/>
+                </a:solidFill>
+              </a:rPr>
+              <a:t>/</a:t>
+            </a:r>
+            <a:r>
+              <a:rPr lang="en-US" dirty="0" err="1">
+                <a:solidFill>
+                  <a:schemeClr val="tx2"/>
+                </a:solidFill>
+              </a:rPr>
+              <a:t>hystrix.stream</a:t>
+            </a:r>
+            <a:r>
+              <a:rPr lang="en-US" dirty="0">
+                <a:solidFill>
+                  <a:schemeClr val="tx2"/>
+                </a:solidFill>
+              </a:rPr>
+              <a:t> </a:t>
+            </a:r>
+            <a:r>
+              <a:rPr lang="en-US" dirty="0"/>
+              <a:t>endpoints into a combined </a:t>
+            </a:r>
+            <a:r>
+              <a:rPr lang="en-US" dirty="0">
+                <a:solidFill>
+                  <a:schemeClr val="tx2"/>
+                </a:solidFill>
+              </a:rPr>
+              <a:t>/</a:t>
+            </a:r>
+            <a:r>
+              <a:rPr lang="en-US" dirty="0" err="1">
+                <a:solidFill>
+                  <a:schemeClr val="tx2"/>
+                </a:solidFill>
+              </a:rPr>
+              <a:t>turbine.stream</a:t>
+            </a:r>
+            <a:r>
+              <a:rPr lang="en-US" dirty="0">
+                <a:solidFill>
+                  <a:schemeClr val="tx2"/>
+                </a:solidFill>
+              </a:rPr>
+              <a:t> </a:t>
+            </a:r>
+            <a:r>
+              <a:rPr lang="en-US" dirty="0"/>
+              <a:t>for use in the </a:t>
+            </a:r>
+            <a:r>
+              <a:rPr lang="en-US" dirty="0" err="1"/>
+              <a:t>Hystrix</a:t>
+            </a:r>
+            <a:r>
+              <a:rPr lang="en-US" dirty="0"/>
+              <a:t> Dashboard. Running Turbine is as simple as annotating your main class with the </a:t>
+            </a:r>
+            <a:r>
+              <a:rPr lang="en-US" dirty="0">
+                <a:solidFill>
+                  <a:schemeClr val="tx2"/>
+                </a:solidFill>
+              </a:rPr>
+              <a:t>@</a:t>
+            </a:r>
+            <a:r>
+              <a:rPr lang="en-US" dirty="0" err="1">
+                <a:solidFill>
+                  <a:schemeClr val="tx2"/>
+                </a:solidFill>
+              </a:rPr>
+              <a:t>EnableTurbine</a:t>
+            </a:r>
+            <a:r>
+              <a:rPr lang="en-US" dirty="0">
+                <a:solidFill>
+                  <a:schemeClr val="tx2"/>
+                </a:solidFill>
+              </a:rPr>
+              <a:t> </a:t>
+            </a:r>
+            <a:r>
+              <a:rPr lang="en-US" dirty="0"/>
+              <a:t>annotation (e.g. using spring-cloud-starter-turbine to set up the </a:t>
+            </a:r>
+            <a:r>
+              <a:rPr lang="en-US" dirty="0" err="1"/>
+              <a:t>classpath</a:t>
+            </a:r>
+            <a:r>
+              <a:rPr lang="en-US" dirty="0"/>
+              <a:t>).</a:t>
+            </a:r>
+          </a:p>
+          <a:p>
+            <a:r>
+              <a:rPr lang="en-US" dirty="0"/>
+              <a:t>Monitoring large number of </a:t>
+            </a:r>
+            <a:r>
+              <a:rPr lang="en-US" dirty="0" err="1"/>
+              <a:t>hystrix</a:t>
+            </a:r>
+            <a:r>
+              <a:rPr lang="en-US" dirty="0"/>
+              <a:t> dashboards is not really practical, so Turbine helps you to consolidate the streams and show it on one dash board</a:t>
+            </a:r>
+          </a:p>
+          <a:p>
+            <a:r>
+              <a:rPr lang="en-US" dirty="0"/>
+              <a:t>Gather metrics from the individual instances and share in one place</a:t>
+            </a:r>
           </a:p>
         </p:txBody>
       </p:sp>
@@ -12338,6 +12328,88 @@
                 <a:defRPr/>
               </a:pPr>
               <a:t>17</a:t>
+            </a:fld>
+            <a:endParaRPr lang="en-US" dirty="0"/>
+          </a:p>
+        </p:txBody>
+      </p:sp>
+    </p:spTree>
+    <p:extLst>
+      <p:ext uri="{BB962C8B-B14F-4D97-AF65-F5344CB8AC3E}">
+        <p14:creationId xmlns:p14="http://schemas.microsoft.com/office/powerpoint/2010/main" val="3327139903"/>
+      </p:ext>
+    </p:extLst>
+  </p:cSld>
+  <p:clrMapOvr>
+    <a:masterClrMapping/>
+  </p:clrMapOvr>
+  <p:transition spd="slow"/>
+</p:sld>
+</file>
+
+<file path=ppt/slides/slide18.xml><?xml version="1.0" encoding="utf-8"?>
+<p:sld xmlns:a="http://schemas.openxmlformats.org/drawingml/2006/main" xmlns:r="http://schemas.openxmlformats.org/officeDocument/2006/relationships" xmlns:p="http://schemas.openxmlformats.org/presentationml/2006/main">
+  <p:cSld>
+    <p:spTree>
+      <p:nvGrpSpPr>
+        <p:cNvPr id="1" name=""/>
+        <p:cNvGrpSpPr/>
+        <p:nvPr/>
+      </p:nvGrpSpPr>
+      <p:grpSpPr>
+        <a:xfrm>
+          <a:off x="0" y="0"/>
+          <a:ext cx="0" cy="0"/>
+          <a:chOff x="0" y="0"/>
+          <a:chExt cx="0" cy="0"/>
+        </a:xfrm>
+      </p:grpSpPr>
+      <p:sp>
+        <p:nvSpPr>
+          <p:cNvPr id="2" name="Title 1"/>
+          <p:cNvSpPr>
+            <a:spLocks noGrp="1"/>
+          </p:cNvSpPr>
+          <p:nvPr>
+            <p:ph type="title"/>
+          </p:nvPr>
+        </p:nvSpPr>
+        <p:spPr/>
+        <p:txBody>
+          <a:bodyPr/>
+          <a:lstStyle/>
+          <a:p>
+            <a:r>
+              <a:rPr lang="en-US" dirty="0"/>
+              <a:t>Questions ??</a:t>
+            </a:r>
+          </a:p>
+        </p:txBody>
+      </p:sp>
+      <p:sp>
+        <p:nvSpPr>
+          <p:cNvPr id="4" name="Slide Number Placeholder 3"/>
+          <p:cNvSpPr>
+            <a:spLocks noGrp="1"/>
+          </p:cNvSpPr>
+          <p:nvPr>
+            <p:ph type="sldNum" sz="quarter" idx="10"/>
+          </p:nvPr>
+        </p:nvSpPr>
+        <p:spPr/>
+        <p:txBody>
+          <a:bodyPr/>
+          <a:lstStyle/>
+          <a:p>
+            <a:pPr>
+              <a:defRPr/>
+            </a:pPr>
+            <a:fld id="{E20BCDF8-30D9-497E-B0E7-F574ED4A1EDB}" type="slidenum">
+              <a:rPr lang="en-US" smtClean="0"/>
+              <a:pPr>
+                <a:defRPr/>
+              </a:pPr>
+              <a:t>18</a:t>
             </a:fld>
             <a:endParaRPr lang="en-US" dirty="0"/>
           </a:p>
@@ -12397,304 +12469,6 @@
     <a:masterClrMapping/>
   </p:clrMapOvr>
   <p:transition spd="slow"/>
-  <p:timing>
-    <p:tnLst>
-      <p:par>
-        <p:cTn id="1" dur="indefinite" restart="never" nodeType="tmRoot"/>
-      </p:par>
-    </p:tnLst>
-  </p:timing>
-</p:sld>
-</file>
-
-<file path=ppt/slides/slide18.xml><?xml version="1.0" encoding="utf-8"?>
-<p:sld xmlns:a="http://schemas.openxmlformats.org/drawingml/2006/main" xmlns:r="http://schemas.openxmlformats.org/officeDocument/2006/relationships" xmlns:p="http://schemas.openxmlformats.org/presentationml/2006/main">
-  <p:cSld>
-    <p:spTree>
-      <p:nvGrpSpPr>
-        <p:cNvPr id="1" name=""/>
-        <p:cNvGrpSpPr/>
-        <p:nvPr/>
-      </p:nvGrpSpPr>
-      <p:grpSpPr>
-        <a:xfrm>
-          <a:off x="0" y="0"/>
-          <a:ext cx="0" cy="0"/>
-          <a:chOff x="0" y="0"/>
-          <a:chExt cx="0" cy="0"/>
-        </a:xfrm>
-      </p:grpSpPr>
-      <p:sp>
-        <p:nvSpPr>
-          <p:cNvPr id="2" name="Title 1"/>
-          <p:cNvSpPr>
-            <a:spLocks noGrp="1"/>
-          </p:cNvSpPr>
-          <p:nvPr>
-            <p:ph type="title"/>
-          </p:nvPr>
-        </p:nvSpPr>
-        <p:spPr/>
-        <p:txBody>
-          <a:bodyPr/>
-          <a:lstStyle/>
-          <a:p>
-            <a:r>
-              <a:rPr lang="en-US" dirty="0" smtClean="0"/>
-              <a:t>References and further reading </a:t>
-            </a:r>
-            <a:endParaRPr lang="en-US" dirty="0"/>
-          </a:p>
-        </p:txBody>
-      </p:sp>
-      <p:sp>
-        <p:nvSpPr>
-          <p:cNvPr id="3" name="Content Placeholder 2"/>
-          <p:cNvSpPr>
-            <a:spLocks noGrp="1"/>
-          </p:cNvSpPr>
-          <p:nvPr>
-            <p:ph idx="1"/>
-          </p:nvPr>
-        </p:nvSpPr>
-        <p:spPr>
-          <a:xfrm>
-            <a:off x="271749" y="1219200"/>
-            <a:ext cx="8229600" cy="4138613"/>
-          </a:xfrm>
-        </p:spPr>
-        <p:txBody>
-          <a:bodyPr/>
-          <a:lstStyle/>
-          <a:p>
-            <a:r>
-              <a:rPr lang="en-US" dirty="0">
-                <a:hlinkClick r:id="rId2"/>
-              </a:rPr>
-              <a:t>https://</a:t>
-            </a:r>
-            <a:r>
-              <a:rPr lang="en-US" dirty="0" smtClean="0">
-                <a:hlinkClick r:id="rId2"/>
-              </a:rPr>
-              <a:t>github.com/Netflix/hystrix/wiki</a:t>
-            </a:r>
-          </a:p>
-          <a:p>
-            <a:r>
-              <a:rPr lang="en-US" dirty="0">
-                <a:hlinkClick r:id="rId2"/>
-              </a:rPr>
-              <a:t>https://github.com/Netflix/Hystrix/wiki/FAQ-:-</a:t>
-            </a:r>
-            <a:r>
-              <a:rPr lang="en-US" dirty="0" smtClean="0">
-                <a:hlinkClick r:id="rId2"/>
-              </a:rPr>
-              <a:t>General</a:t>
-            </a:r>
-          </a:p>
-          <a:p>
-            <a:r>
-              <a:rPr lang="en-US" dirty="0">
-                <a:hlinkClick r:id="rId2"/>
-              </a:rPr>
-              <a:t>https://github.com/Netflix/Hystrix/wiki/Configuration</a:t>
-            </a:r>
-          </a:p>
-          <a:p>
-            <a:r>
-              <a:rPr lang="en-US" dirty="0" smtClean="0">
-                <a:hlinkClick r:id="rId2"/>
-              </a:rPr>
-              <a:t>https</a:t>
-            </a:r>
-            <a:r>
-              <a:rPr lang="en-US" dirty="0">
-                <a:hlinkClick r:id="rId2"/>
-              </a:rPr>
-              <a:t>://</a:t>
-            </a:r>
-            <a:r>
-              <a:rPr lang="en-US" dirty="0" smtClean="0">
-                <a:hlinkClick r:id="rId2"/>
-              </a:rPr>
-              <a:t>medium.com/netflix-techblog/tagged/hystrix</a:t>
-            </a:r>
-            <a:endParaRPr lang="en-US" dirty="0" smtClean="0"/>
-          </a:p>
-          <a:p>
-            <a:r>
-              <a:rPr lang="en-US" dirty="0">
-                <a:hlinkClick r:id="rId3"/>
-              </a:rPr>
-              <a:t>https://</a:t>
-            </a:r>
-            <a:r>
-              <a:rPr lang="en-US" dirty="0" smtClean="0">
-                <a:hlinkClick r:id="rId3"/>
-              </a:rPr>
-              <a:t>github.com/spring-projects/spring-boot/issues/8186</a:t>
-            </a:r>
-            <a:endParaRPr lang="en-US" dirty="0" smtClean="0"/>
-          </a:p>
-          <a:p>
-            <a:r>
-              <a:rPr lang="en-US" dirty="0">
-                <a:hlinkClick r:id="rId4"/>
-              </a:rPr>
-              <a:t>https://</a:t>
-            </a:r>
-            <a:r>
-              <a:rPr lang="en-US" dirty="0" smtClean="0">
-                <a:hlinkClick r:id="rId4"/>
-              </a:rPr>
-              <a:t>github.com/Netflix-Skunkworks/hystrix-dashboard</a:t>
-            </a:r>
-            <a:endParaRPr lang="en-US" dirty="0" smtClean="0"/>
-          </a:p>
-          <a:p>
-            <a:r>
-              <a:rPr lang="en-US" dirty="0">
-                <a:hlinkClick r:id="rId5"/>
-              </a:rPr>
-              <a:t>https://</a:t>
-            </a:r>
-            <a:r>
-              <a:rPr lang="en-US" dirty="0" smtClean="0">
-                <a:hlinkClick r:id="rId5"/>
-              </a:rPr>
-              <a:t>medium.com/netflix-techblog/hystrix-dashboard-turbine-stream-aggregator-60985a2e51df</a:t>
-            </a:r>
-            <a:endParaRPr lang="en-US" dirty="0" smtClean="0"/>
-          </a:p>
-          <a:p>
-            <a:r>
-              <a:rPr lang="en-US" dirty="0">
-                <a:hlinkClick r:id="rId6"/>
-              </a:rPr>
-              <a:t>https://exampledriven.wordpress.com/2016/07/05/spring-cloud-hystrix-example</a:t>
-            </a:r>
-            <a:r>
-              <a:rPr lang="en-US" dirty="0" smtClean="0">
-                <a:hlinkClick r:id="rId6"/>
-              </a:rPr>
-              <a:t>/</a:t>
-            </a:r>
-            <a:endParaRPr lang="en-US" dirty="0" smtClean="0"/>
-          </a:p>
-          <a:p>
-            <a:r>
-              <a:rPr lang="en-US" dirty="0">
-                <a:hlinkClick r:id="rId7"/>
-              </a:rPr>
-              <a:t>https://medium.com</a:t>
-            </a:r>
-            <a:r>
-              <a:rPr lang="en-US">
-                <a:hlinkClick r:id="rId7"/>
-              </a:rPr>
-              <a:t>/@</a:t>
-            </a:r>
-            <a:r>
-              <a:rPr lang="en-US" smtClean="0">
-                <a:hlinkClick r:id="rId7"/>
-              </a:rPr>
-              <a:t>aksudupa11/getting-started-with-hystrix-e454158f2867</a:t>
-            </a:r>
-            <a:endParaRPr lang="en-US" dirty="0" smtClean="0"/>
-          </a:p>
-          <a:p>
-            <a:endParaRPr lang="en-US" dirty="0" smtClean="0"/>
-          </a:p>
-          <a:p>
-            <a:endParaRPr lang="en-US" dirty="0" smtClean="0"/>
-          </a:p>
-          <a:p>
-            <a:endParaRPr lang="en-US" dirty="0" smtClean="0"/>
-          </a:p>
-          <a:p>
-            <a:endParaRPr lang="en-US" dirty="0"/>
-          </a:p>
-        </p:txBody>
-      </p:sp>
-      <p:sp>
-        <p:nvSpPr>
-          <p:cNvPr id="4" name="Slide Number Placeholder 3"/>
-          <p:cNvSpPr>
-            <a:spLocks noGrp="1"/>
-          </p:cNvSpPr>
-          <p:nvPr>
-            <p:ph type="sldNum" sz="quarter" idx="10"/>
-          </p:nvPr>
-        </p:nvSpPr>
-        <p:spPr/>
-        <p:txBody>
-          <a:bodyPr/>
-          <a:lstStyle/>
-          <a:p>
-            <a:pPr>
-              <a:defRPr/>
-            </a:pPr>
-            <a:fld id="{E20BCDF8-30D9-497E-B0E7-F574ED4A1EDB}" type="slidenum">
-              <a:rPr lang="en-US" smtClean="0"/>
-              <a:pPr>
-                <a:defRPr/>
-              </a:pPr>
-              <a:t>18</a:t>
-            </a:fld>
-            <a:endParaRPr lang="en-US" dirty="0"/>
-          </a:p>
-        </p:txBody>
-      </p:sp>
-      <p:pic>
-        <p:nvPicPr>
-          <p:cNvPr id="5" name="Picture 4"/>
-          <p:cNvPicPr>
-            <a:picLocks noChangeAspect="1"/>
-          </p:cNvPicPr>
-          <p:nvPr/>
-        </p:nvPicPr>
-        <p:blipFill>
-          <a:blip r:embed="rId8">
-            <a:extLst>
-              <a:ext uri="{28A0092B-C50C-407E-A947-70E740481C1C}">
-                <a14:useLocalDpi xmlns:a14="http://schemas.microsoft.com/office/drawing/2010/main" val="0"/>
-              </a:ext>
-            </a:extLst>
-          </a:blip>
-          <a:stretch>
-            <a:fillRect/>
-          </a:stretch>
-        </p:blipFill>
-        <p:spPr>
-          <a:xfrm>
-            <a:off x="5989963" y="533400"/>
-            <a:ext cx="2705100" cy="1685925"/>
-          </a:xfrm>
-          <a:prstGeom prst="rect">
-            <a:avLst/>
-          </a:prstGeom>
-        </p:spPr>
-      </p:pic>
-    </p:spTree>
-    <p:extLst>
-      <p:ext uri="{BB962C8B-B14F-4D97-AF65-F5344CB8AC3E}">
-        <p14:creationId xmlns:p14="http://schemas.microsoft.com/office/powerpoint/2010/main" val="4247112036"/>
-      </p:ext>
-    </p:extLst>
-  </p:cSld>
-  <p:clrMapOvr>
-    <a:masterClrMapping/>
-  </p:clrMapOvr>
-  <p:transition spd="slow"/>
-  <p:timing>
-    <p:tnLst>
-      <p:par>
-        <p:cTn id="1" dur="indefinite" restart="never" nodeType="tmRoot"/>
-      </p:par>
-    </p:tnLst>
-  </p:timing>
 </p:sld>
 </file>
 
@@ -12731,18 +12505,9 @@
           <a:lstStyle/>
           <a:p>
             <a:r>
-              <a:rPr lang="en-US" dirty="0" smtClean="0"/>
-              <a:t>How </a:t>
-            </a:r>
-            <a:r>
-              <a:rPr lang="en-US" dirty="0" err="1" smtClean="0"/>
-              <a:t>Hystrix</a:t>
-            </a:r>
-            <a:r>
-              <a:rPr lang="en-US" dirty="0" smtClean="0"/>
-              <a:t> works	?</a:t>
-            </a:r>
-            <a:endParaRPr lang="en-US" dirty="0"/>
+              <a:rPr lang="en-US" dirty="0"/>
+              <a:t>References and further reading </a:t>
+            </a:r>
           </a:p>
         </p:txBody>
       </p:sp>
@@ -12758,8 +12523,8 @@
         </p:nvSpPr>
         <p:spPr>
           <a:xfrm>
-            <a:off x="494841" y="1261670"/>
-            <a:ext cx="7201359" cy="490930"/>
+            <a:off x="271749" y="1219200"/>
+            <a:ext cx="8229600" cy="4138613"/>
           </a:xfrm>
         </p:spPr>
         <p:txBody>
@@ -12770,15 +12535,81 @@
               <a:rPr lang="en-US" dirty="0">
                 <a:hlinkClick r:id="rId2"/>
               </a:rPr>
-              <a:t>https://</a:t>
-            </a:r>
-            <a:r>
-              <a:rPr lang="en-US" dirty="0" smtClean="0">
+              <a:t>https://github.com/Netflix/hystrix/wiki</a:t>
+            </a:r>
+          </a:p>
+          <a:p>
+            <a:r>
+              <a:rPr lang="en-US" dirty="0">
                 <a:hlinkClick r:id="rId2"/>
               </a:rPr>
-              <a:t>github.com/Netflix/Hystrix/wiki/How-it-Works</a:t>
-            </a:r>
-            <a:endParaRPr lang="en-US" dirty="0" smtClean="0"/>
+              <a:t>https://github.com/Netflix/Hystrix/wiki/FAQ-:-General</a:t>
+            </a:r>
+          </a:p>
+          <a:p>
+            <a:r>
+              <a:rPr lang="en-US" dirty="0">
+                <a:hlinkClick r:id="rId2"/>
+              </a:rPr>
+              <a:t>https://github.com/Netflix/Hystrix/wiki/Configuration</a:t>
+            </a:r>
+          </a:p>
+          <a:p>
+            <a:r>
+              <a:rPr lang="en-US" dirty="0">
+                <a:hlinkClick r:id="rId2"/>
+              </a:rPr>
+              <a:t>https://medium.com/netflix-techblog/tagged/hystrix</a:t>
+            </a:r>
+            <a:endParaRPr lang="en-US" dirty="0"/>
+          </a:p>
+          <a:p>
+            <a:r>
+              <a:rPr lang="en-US" dirty="0">
+                <a:hlinkClick r:id="rId3"/>
+              </a:rPr>
+              <a:t>https://github.com/spring-projects/spring-boot/issues/8186</a:t>
+            </a:r>
+            <a:endParaRPr lang="en-US" dirty="0"/>
+          </a:p>
+          <a:p>
+            <a:r>
+              <a:rPr lang="en-US" dirty="0">
+                <a:hlinkClick r:id="rId4"/>
+              </a:rPr>
+              <a:t>https://github.com/Netflix-Skunkworks/hystrix-dashboard</a:t>
+            </a:r>
+            <a:endParaRPr lang="en-US" dirty="0"/>
+          </a:p>
+          <a:p>
+            <a:r>
+              <a:rPr lang="en-US" dirty="0">
+                <a:hlinkClick r:id="rId5"/>
+              </a:rPr>
+              <a:t>https://medium.com/netflix-techblog/hystrix-dashboard-turbine-stream-aggregator-60985a2e51df</a:t>
+            </a:r>
+            <a:endParaRPr lang="en-US" dirty="0"/>
+          </a:p>
+          <a:p>
+            <a:r>
+              <a:rPr lang="en-US" dirty="0">
+                <a:hlinkClick r:id="rId6"/>
+              </a:rPr>
+              <a:t>https://exampledriven.wordpress.com/2016/07/05/spring-cloud-hystrix-example/</a:t>
+            </a:r>
+            <a:endParaRPr lang="en-US" dirty="0"/>
+          </a:p>
+          <a:p>
+            <a:endParaRPr lang="en-US" dirty="0"/>
+          </a:p>
+          <a:p>
+            <a:endParaRPr lang="en-US" dirty="0"/>
+          </a:p>
+          <a:p>
+            <a:endParaRPr lang="en-US" dirty="0"/>
+          </a:p>
+          <a:p>
+            <a:endParaRPr lang="en-US" dirty="0"/>
           </a:p>
           <a:p>
             <a:endParaRPr lang="en-US" dirty="0"/>
@@ -12816,49 +12647,38 @@
       </p:sp>
       <p:pic>
         <p:nvPicPr>
-          <p:cNvPr id="3074" name="Picture 2" descr="https://raw.githubusercontent.com/wiki/Netflix/Hystrix/images/hystrix-command-flow-chart.png"/>
+          <p:cNvPr id="5" name="Picture 4"/>
           <p:cNvPicPr>
-            <a:picLocks noChangeAspect="1" noChangeArrowheads="1"/>
+            <a:picLocks noChangeAspect="1"/>
           </p:cNvPicPr>
           <p:nvPr/>
         </p:nvPicPr>
         <p:blipFill>
-          <a:blip r:embed="rId3">
+          <a:blip r:embed="rId7">
             <a:extLst>
               <a:ext uri="{28A0092B-C50C-407E-A947-70E740481C1C}">
                 <a14:useLocalDpi xmlns:a14="http://schemas.microsoft.com/office/drawing/2010/main" val="0"/>
               </a:ext>
             </a:extLst>
           </a:blip>
-          <a:srcRect/>
           <a:stretch>
             <a:fillRect/>
           </a:stretch>
         </p:blipFill>
-        <p:spPr bwMode="auto">
+        <p:spPr>
           <a:xfrm>
-            <a:off x="684928" y="1918895"/>
-            <a:ext cx="7808480" cy="3796105"/>
+            <a:off x="5989963" y="533400"/>
+            <a:ext cx="2705100" cy="1685925"/>
           </a:xfrm>
           <a:prstGeom prst="rect">
             <a:avLst/>
           </a:prstGeom>
-          <a:noFill/>
-          <a:extLst>
-            <a:ext uri="{909E8E84-426E-40DD-AFC4-6F175D3DCCD1}">
-              <a14:hiddenFill xmlns:a14="http://schemas.microsoft.com/office/drawing/2010/main">
-                <a:solidFill>
-                  <a:srgbClr val="FFFFFF"/>
-                </a:solidFill>
-              </a14:hiddenFill>
-            </a:ext>
-          </a:extLst>
         </p:spPr>
       </p:pic>
     </p:spTree>
     <p:extLst>
       <p:ext uri="{BB962C8B-B14F-4D97-AF65-F5344CB8AC3E}">
-        <p14:creationId xmlns:p14="http://schemas.microsoft.com/office/powerpoint/2010/main" val="50875798"/>
+        <p14:creationId xmlns:p14="http://schemas.microsoft.com/office/powerpoint/2010/main" val="4247112036"/>
       </p:ext>
     </p:extLst>
   </p:cSld>
@@ -12866,13 +12686,6 @@
     <a:masterClrMapping/>
   </p:clrMapOvr>
   <p:transition spd="slow"/>
-  <p:timing>
-    <p:tnLst>
-      <p:par>
-        <p:cTn id="1" dur="indefinite" restart="never" nodeType="tmRoot"/>
-      </p:par>
-    </p:tnLst>
-  </p:timing>
 </p:sld>
 </file>
 
@@ -12909,18 +12722,17 @@
           <a:lstStyle/>
           <a:p>
             <a:r>
-              <a:rPr lang="en-US" dirty="0" smtClean="0"/>
+              <a:rPr lang="en-US" dirty="0"/>
               <a:t>Why </a:t>
             </a:r>
             <a:r>
-              <a:rPr lang="en-US" dirty="0" err="1" smtClean="0"/>
+              <a:rPr lang="en-US" dirty="0" err="1"/>
               <a:t>Hystrix</a:t>
             </a:r>
             <a:r>
-              <a:rPr lang="en-US" dirty="0" smtClean="0"/>
+              <a:rPr lang="en-US" dirty="0"/>
               <a:t>?</a:t>
             </a:r>
-            <a:endParaRPr lang="en-US" dirty="0"/>
           </a:p>
         </p:txBody>
       </p:sp>
@@ -13000,10 +12812,9 @@
           <a:lstStyle/>
           <a:p>
             <a:r>
-              <a:rPr lang="en-US" i="0" dirty="0" smtClean="0"/>
+              <a:rPr lang="en-US" i="0" dirty="0"/>
               <a:t>This is what we think ..</a:t>
             </a:r>
-            <a:endParaRPr lang="en-US" i="0" dirty="0"/>
           </a:p>
         </p:txBody>
       </p:sp>
@@ -13054,16 +12865,15 @@
           <a:lstStyle/>
           <a:p>
             <a:r>
-              <a:rPr lang="en-US" i="0" dirty="0" smtClean="0"/>
+              <a:rPr lang="en-US" i="0" dirty="0"/>
               <a:t>This is what it may be </a:t>
             </a:r>
           </a:p>
           <a:p>
             <a:r>
-              <a:rPr lang="en-US" i="0" dirty="0" smtClean="0"/>
+              <a:rPr lang="en-US" i="0" dirty="0"/>
               <a:t>in real-time …</a:t>
             </a:r>
-            <a:endParaRPr lang="en-US" i="0" dirty="0"/>
           </a:p>
         </p:txBody>
       </p:sp>
@@ -13090,18 +12900,17 @@
           <a:lstStyle/>
           <a:p>
             <a:r>
-              <a:rPr lang="en-US" i="0" dirty="0" smtClean="0"/>
+              <a:rPr lang="en-US" i="0" dirty="0"/>
               <a:t>Distributed systems / </a:t>
             </a:r>
             <a:r>
-              <a:rPr lang="en-US" i="0" dirty="0" err="1" smtClean="0"/>
+              <a:rPr lang="en-US" i="0" dirty="0" err="1"/>
               <a:t>Microservices</a:t>
             </a:r>
             <a:r>
-              <a:rPr lang="en-US" i="0" dirty="0" smtClean="0"/>
+              <a:rPr lang="en-US" i="0" dirty="0"/>
               <a:t> tend to have problems mostly because of cascading failures… </a:t>
             </a:r>
-            <a:endParaRPr lang="en-US" i="0" dirty="0"/>
           </a:p>
         </p:txBody>
       </p:sp>
@@ -13116,13 +12925,170 @@
     <a:masterClrMapping/>
   </p:clrMapOvr>
   <p:transition spd="slow"/>
-  <p:timing>
-    <p:tnLst>
-      <p:par>
-        <p:cTn id="1" dur="indefinite" restart="never" nodeType="tmRoot"/>
-      </p:par>
-    </p:tnLst>
-  </p:timing>
+</p:sld>
+</file>
+
+<file path=ppt/slides/slide20.xml><?xml version="1.0" encoding="utf-8"?>
+<p:sld xmlns:a="http://schemas.openxmlformats.org/drawingml/2006/main" xmlns:r="http://schemas.openxmlformats.org/officeDocument/2006/relationships" xmlns:p="http://schemas.openxmlformats.org/presentationml/2006/main">
+  <p:cSld>
+    <p:spTree>
+      <p:nvGrpSpPr>
+        <p:cNvPr id="1" name=""/>
+        <p:cNvGrpSpPr/>
+        <p:nvPr/>
+      </p:nvGrpSpPr>
+      <p:grpSpPr>
+        <a:xfrm>
+          <a:off x="0" y="0"/>
+          <a:ext cx="0" cy="0"/>
+          <a:chOff x="0" y="0"/>
+          <a:chExt cx="0" cy="0"/>
+        </a:xfrm>
+      </p:grpSpPr>
+      <p:sp>
+        <p:nvSpPr>
+          <p:cNvPr id="2" name="Title 1"/>
+          <p:cNvSpPr>
+            <a:spLocks noGrp="1"/>
+          </p:cNvSpPr>
+          <p:nvPr>
+            <p:ph type="title"/>
+          </p:nvPr>
+        </p:nvSpPr>
+        <p:spPr/>
+        <p:txBody>
+          <a:bodyPr/>
+          <a:lstStyle/>
+          <a:p>
+            <a:r>
+              <a:rPr lang="en-US" dirty="0"/>
+              <a:t>How </a:t>
+            </a:r>
+            <a:r>
+              <a:rPr lang="en-US" dirty="0" err="1"/>
+              <a:t>Hystrix</a:t>
+            </a:r>
+            <a:r>
+              <a:rPr lang="en-US" dirty="0"/>
+              <a:t> works	?</a:t>
+            </a:r>
+          </a:p>
+        </p:txBody>
+      </p:sp>
+      <p:sp>
+        <p:nvSpPr>
+          <p:cNvPr id="3" name="Content Placeholder 2"/>
+          <p:cNvSpPr>
+            <a:spLocks noGrp="1"/>
+          </p:cNvSpPr>
+          <p:nvPr>
+            <p:ph idx="1"/>
+          </p:nvPr>
+        </p:nvSpPr>
+        <p:spPr>
+          <a:xfrm>
+            <a:off x="494841" y="1261670"/>
+            <a:ext cx="7201359" cy="490930"/>
+          </a:xfrm>
+        </p:spPr>
+        <p:txBody>
+          <a:bodyPr/>
+          <a:lstStyle/>
+          <a:p>
+            <a:r>
+              <a:rPr lang="en-US" dirty="0">
+                <a:hlinkClick r:id="rId2"/>
+              </a:rPr>
+              <a:t>https://github.com/Netflix/Hystrix/wiki/How-it-Works</a:t>
+            </a:r>
+            <a:endParaRPr lang="en-US" dirty="0"/>
+          </a:p>
+          <a:p>
+            <a:endParaRPr lang="en-US" dirty="0"/>
+          </a:p>
+        </p:txBody>
+      </p:sp>
+      <p:sp>
+        <p:nvSpPr>
+          <p:cNvPr id="4" name="Slide Number Placeholder 3"/>
+          <p:cNvSpPr>
+            <a:spLocks noGrp="1"/>
+          </p:cNvSpPr>
+          <p:nvPr>
+            <p:ph type="sldNum" sz="quarter" idx="10"/>
+          </p:nvPr>
+        </p:nvSpPr>
+        <p:spPr/>
+        <p:txBody>
+          <a:bodyPr/>
+          <a:lstStyle/>
+          <a:p>
+            <a:pPr>
+              <a:defRPr/>
+            </a:pPr>
+            <a:fld id="{E20BCDF8-30D9-497E-B0E7-F574ED4A1EDB}" type="slidenum">
+              <a:rPr lang="en-US" smtClean="0"/>
+              <a:pPr>
+                <a:defRPr/>
+              </a:pPr>
+              <a:t>20</a:t>
+            </a:fld>
+            <a:endParaRPr lang="en-US" dirty="0"/>
+          </a:p>
+        </p:txBody>
+      </p:sp>
+      <p:pic>
+        <p:nvPicPr>
+          <p:cNvPr id="3074" name="Picture 2" descr="https://raw.githubusercontent.com/wiki/Netflix/Hystrix/images/hystrix-command-flow-chart.png"/>
+          <p:cNvPicPr>
+            <a:picLocks noChangeAspect="1" noChangeArrowheads="1"/>
+          </p:cNvPicPr>
+          <p:nvPr/>
+        </p:nvPicPr>
+        <p:blipFill>
+          <a:blip r:embed="rId3">
+            <a:extLst>
+              <a:ext uri="{28A0092B-C50C-407E-A947-70E740481C1C}">
+                <a14:useLocalDpi xmlns:a14="http://schemas.microsoft.com/office/drawing/2010/main" val="0"/>
+              </a:ext>
+            </a:extLst>
+          </a:blip>
+          <a:srcRect/>
+          <a:stretch>
+            <a:fillRect/>
+          </a:stretch>
+        </p:blipFill>
+        <p:spPr bwMode="auto">
+          <a:xfrm>
+            <a:off x="684928" y="1918895"/>
+            <a:ext cx="7808480" cy="3796105"/>
+          </a:xfrm>
+          <a:prstGeom prst="rect">
+            <a:avLst/>
+          </a:prstGeom>
+          <a:noFill/>
+          <a:extLst>
+            <a:ext uri="{909E8E84-426E-40DD-AFC4-6F175D3DCCD1}">
+              <a14:hiddenFill xmlns:a14="http://schemas.microsoft.com/office/drawing/2010/main">
+                <a:solidFill>
+                  <a:srgbClr val="FFFFFF"/>
+                </a:solidFill>
+              </a14:hiddenFill>
+            </a:ext>
+          </a:extLst>
+        </p:spPr>
+      </p:pic>
+    </p:spTree>
+    <p:extLst>
+      <p:ext uri="{BB962C8B-B14F-4D97-AF65-F5344CB8AC3E}">
+        <p14:creationId xmlns:p14="http://schemas.microsoft.com/office/powerpoint/2010/main" val="50875798"/>
+      </p:ext>
+    </p:extLst>
+  </p:cSld>
+  <p:clrMapOvr>
+    <a:masterClrMapping/>
+  </p:clrMapOvr>
+  <p:transition spd="slow"/>
 </p:sld>
 </file>
 
@@ -13159,10 +13125,9 @@
           <a:lstStyle/>
           <a:p>
             <a:r>
-              <a:rPr lang="en-US" dirty="0" smtClean="0"/>
+              <a:rPr lang="en-US" dirty="0"/>
               <a:t>Cascading Failure</a:t>
             </a:r>
-            <a:endParaRPr lang="en-US" dirty="0"/>
           </a:p>
         </p:txBody>
       </p:sp>
@@ -13187,30 +13152,25 @@
           <a:lstStyle/>
           <a:p>
             <a:r>
-              <a:rPr lang="en-US" dirty="0" smtClean="0"/>
+              <a:rPr lang="en-US" dirty="0"/>
               <a:t>Having large number of </a:t>
             </a:r>
             <a:r>
-              <a:rPr lang="en-US" dirty="0" err="1" smtClean="0"/>
+              <a:rPr lang="en-US" dirty="0" err="1"/>
               <a:t>Microservices</a:t>
             </a:r>
             <a:r>
               <a:rPr lang="en-US" dirty="0"/>
-              <a:t> </a:t>
-            </a:r>
-            <a:r>
-              <a:rPr lang="en-US" dirty="0" smtClean="0"/>
-              <a:t>as dependencies can lead to a “Cascading failures”. If we don’t mitigate this ; </a:t>
-            </a:r>
-            <a:r>
-              <a:rPr lang="en-US" dirty="0" err="1" smtClean="0"/>
+              <a:t> as dependencies can lead to a “Cascading failures”. If we don’t mitigate this ; </a:t>
+            </a:r>
+            <a:r>
+              <a:rPr lang="en-US" dirty="0" err="1"/>
               <a:t>Micrservices</a:t>
             </a:r>
             <a:r>
-              <a:rPr lang="en-US" dirty="0" smtClean="0"/>
+              <a:rPr lang="en-US" dirty="0"/>
               <a:t> solution might be a disaster!</a:t>
             </a:r>
-            <a:endParaRPr lang="en-US" dirty="0"/>
           </a:p>
         </p:txBody>
       </p:sp>
@@ -13311,7 +13271,7 @@
               <a:buNone/>
               <a:tabLst/>
             </a:pPr>
-            <a:endParaRPr kumimoji="0" lang="en-US" sz="1800" b="0" i="1" u="none" strike="noStrike" cap="none" normalizeH="0" baseline="0" smtClean="0">
+            <a:endParaRPr kumimoji="0" lang="en-US" sz="1800" b="0" i="1" u="none" strike="noStrike" cap="none" normalizeH="0" baseline="0">
               <a:ln>
                 <a:noFill/>
               </a:ln>
@@ -13388,7 +13348,7 @@
               <a:buNone/>
               <a:tabLst/>
             </a:pPr>
-            <a:endParaRPr kumimoji="0" lang="en-US" sz="1800" b="0" i="1" u="none" strike="noStrike" cap="none" normalizeH="0" baseline="0" smtClean="0">
+            <a:endParaRPr kumimoji="0" lang="en-US" sz="1800" b="0" i="1" u="none" strike="noStrike" cap="none" normalizeH="0" baseline="0">
               <a:ln>
                 <a:noFill/>
               </a:ln>
@@ -13465,7 +13425,7 @@
               <a:buNone/>
               <a:tabLst/>
             </a:pPr>
-            <a:endParaRPr kumimoji="0" lang="en-US" sz="1800" b="0" i="1" u="none" strike="noStrike" cap="none" normalizeH="0" baseline="0" smtClean="0">
+            <a:endParaRPr kumimoji="0" lang="en-US" sz="1800" b="0" i="1" u="none" strike="noStrike" cap="none" normalizeH="0" baseline="0">
               <a:ln>
                 <a:noFill/>
               </a:ln>
@@ -13542,7 +13502,7 @@
               <a:buNone/>
               <a:tabLst/>
             </a:pPr>
-            <a:endParaRPr kumimoji="0" lang="en-US" sz="1800" b="0" i="1" u="none" strike="noStrike" cap="none" normalizeH="0" baseline="0" smtClean="0">
+            <a:endParaRPr kumimoji="0" lang="en-US" sz="1800" b="0" i="1" u="none" strike="noStrike" cap="none" normalizeH="0" baseline="0">
               <a:ln>
                 <a:noFill/>
               </a:ln>
@@ -13619,7 +13579,7 @@
               <a:buNone/>
               <a:tabLst/>
             </a:pPr>
-            <a:endParaRPr kumimoji="0" lang="en-US" sz="1800" b="0" i="1" u="none" strike="noStrike" cap="none" normalizeH="0" baseline="0" smtClean="0">
+            <a:endParaRPr kumimoji="0" lang="en-US" sz="1800" b="0" i="1" u="none" strike="noStrike" cap="none" normalizeH="0" baseline="0">
               <a:ln>
                 <a:noFill/>
               </a:ln>
@@ -13696,7 +13656,7 @@
               <a:buNone/>
               <a:tabLst/>
             </a:pPr>
-            <a:endParaRPr kumimoji="0" lang="en-US" sz="1800" b="0" i="1" u="none" strike="noStrike" cap="none" normalizeH="0" baseline="0" smtClean="0">
+            <a:endParaRPr kumimoji="0" lang="en-US" sz="1800" b="0" i="1" u="none" strike="noStrike" cap="none" normalizeH="0" baseline="0">
               <a:ln>
                 <a:noFill/>
               </a:ln>
@@ -13773,7 +13733,7 @@
               <a:buNone/>
               <a:tabLst/>
             </a:pPr>
-            <a:endParaRPr kumimoji="0" lang="en-US" sz="1800" b="0" i="1" u="none" strike="noStrike" cap="none" normalizeH="0" baseline="0" smtClean="0">
+            <a:endParaRPr kumimoji="0" lang="en-US" sz="1800" b="0" i="1" u="none" strike="noStrike" cap="none" normalizeH="0" baseline="0">
               <a:ln>
                 <a:noFill/>
               </a:ln>
@@ -13850,7 +13810,7 @@
               <a:buNone/>
               <a:tabLst/>
             </a:pPr>
-            <a:endParaRPr kumimoji="0" lang="en-US" sz="1800" b="0" i="1" u="none" strike="noStrike" cap="none" normalizeH="0" baseline="0" smtClean="0">
+            <a:endParaRPr kumimoji="0" lang="en-US" sz="1800" b="0" i="1" u="none" strike="noStrike" cap="none" normalizeH="0" baseline="0">
               <a:ln>
                 <a:noFill/>
               </a:ln>
@@ -13927,7 +13887,7 @@
               <a:buNone/>
               <a:tabLst/>
             </a:pPr>
-            <a:endParaRPr kumimoji="0" lang="en-US" sz="1800" b="0" i="1" u="none" strike="noStrike" cap="none" normalizeH="0" baseline="0" smtClean="0">
+            <a:endParaRPr kumimoji="0" lang="en-US" sz="1800" b="0" i="1" u="none" strike="noStrike" cap="none" normalizeH="0" baseline="0">
               <a:ln>
                 <a:noFill/>
               </a:ln>
@@ -14004,7 +13964,7 @@
               <a:buNone/>
               <a:tabLst/>
             </a:pPr>
-            <a:endParaRPr kumimoji="0" lang="en-US" sz="1800" b="0" i="1" u="none" strike="noStrike" cap="none" normalizeH="0" baseline="0" smtClean="0">
+            <a:endParaRPr kumimoji="0" lang="en-US" sz="1800" b="0" i="1" u="none" strike="noStrike" cap="none" normalizeH="0" baseline="0">
               <a:ln>
                 <a:noFill/>
               </a:ln>
@@ -14081,7 +14041,7 @@
               <a:buNone/>
               <a:tabLst/>
             </a:pPr>
-            <a:endParaRPr kumimoji="0" lang="en-US" sz="1800" b="0" i="1" u="none" strike="noStrike" cap="none" normalizeH="0" baseline="0" smtClean="0">
+            <a:endParaRPr kumimoji="0" lang="en-US" sz="1800" b="0" i="1" u="none" strike="noStrike" cap="none" normalizeH="0" baseline="0">
               <a:ln>
                 <a:noFill/>
               </a:ln>
@@ -14158,7 +14118,7 @@
               <a:buNone/>
               <a:tabLst/>
             </a:pPr>
-            <a:endParaRPr kumimoji="0" lang="en-US" sz="1800" b="0" i="1" u="none" strike="noStrike" cap="none" normalizeH="0" baseline="0" smtClean="0">
+            <a:endParaRPr kumimoji="0" lang="en-US" sz="1800" b="0" i="1" u="none" strike="noStrike" cap="none" normalizeH="0" baseline="0">
               <a:ln>
                 <a:noFill/>
               </a:ln>
@@ -14235,7 +14195,7 @@
               <a:buNone/>
               <a:tabLst/>
             </a:pPr>
-            <a:endParaRPr kumimoji="0" lang="en-US" sz="1800" b="0" i="1" u="none" strike="noStrike" cap="none" normalizeH="0" baseline="0" smtClean="0">
+            <a:endParaRPr kumimoji="0" lang="en-US" sz="1800" b="0" i="1" u="none" strike="noStrike" cap="none" normalizeH="0" baseline="0">
               <a:ln>
                 <a:noFill/>
               </a:ln>
@@ -14302,7 +14262,7 @@
               <a:buNone/>
               <a:tabLst/>
             </a:pPr>
-            <a:endParaRPr kumimoji="0" lang="en-US" sz="1800" b="0" i="1" u="none" strike="noStrike" cap="none" normalizeH="0" baseline="0" smtClean="0">
+            <a:endParaRPr kumimoji="0" lang="en-US" sz="1800" b="0" i="1" u="none" strike="noStrike" cap="none" normalizeH="0" baseline="0">
               <a:ln>
                 <a:noFill/>
               </a:ln>
@@ -14379,7 +14339,7 @@
               <a:buNone/>
               <a:tabLst/>
             </a:pPr>
-            <a:endParaRPr kumimoji="0" lang="en-US" sz="1800" b="0" i="1" u="none" strike="noStrike" cap="none" normalizeH="0" baseline="0" smtClean="0">
+            <a:endParaRPr kumimoji="0" lang="en-US" sz="1800" b="0" i="1" u="none" strike="noStrike" cap="none" normalizeH="0" baseline="0">
               <a:ln>
                 <a:noFill/>
               </a:ln>
@@ -14456,7 +14416,7 @@
               <a:buNone/>
               <a:tabLst/>
             </a:pPr>
-            <a:endParaRPr kumimoji="0" lang="en-US" sz="1800" b="0" i="1" u="none" strike="noStrike" cap="none" normalizeH="0" baseline="0" smtClean="0">
+            <a:endParaRPr kumimoji="0" lang="en-US" sz="1800" b="0" i="1" u="none" strike="noStrike" cap="none" normalizeH="0" baseline="0">
               <a:ln>
                 <a:noFill/>
               </a:ln>
@@ -14533,7 +14493,7 @@
               <a:buNone/>
               <a:tabLst/>
             </a:pPr>
-            <a:endParaRPr kumimoji="0" lang="en-US" sz="1800" b="0" i="1" u="none" strike="noStrike" cap="none" normalizeH="0" baseline="0" smtClean="0">
+            <a:endParaRPr kumimoji="0" lang="en-US" sz="1800" b="0" i="1" u="none" strike="noStrike" cap="none" normalizeH="0" baseline="0">
               <a:ln>
                 <a:noFill/>
               </a:ln>
@@ -14811,11 +14771,11 @@
           <a:lstStyle/>
           <a:p>
             <a:r>
-              <a:rPr lang="en-US" i="0" dirty="0" smtClean="0"/>
+              <a:rPr lang="en-US" i="0" dirty="0"/>
               <a:t>Transaction 1 Flow – </a:t>
             </a:r>
             <a:r>
-              <a:rPr lang="en-US" i="0" dirty="0" smtClean="0">
+              <a:rPr lang="en-US" i="0" dirty="0">
                 <a:solidFill>
                   <a:schemeClr val="tx2"/>
                 </a:solidFill>
@@ -14823,10 +14783,9 @@
               <a:t>Blue</a:t>
             </a:r>
             <a:r>
-              <a:rPr lang="en-US" i="0" dirty="0" smtClean="0"/>
+              <a:rPr lang="en-US" i="0" dirty="0"/>
               <a:t> </a:t>
             </a:r>
-            <a:endParaRPr lang="en-US" i="0" dirty="0"/>
           </a:p>
         </p:txBody>
       </p:sp>
@@ -14853,10 +14812,9 @@
           <a:lstStyle/>
           <a:p>
             <a:r>
-              <a:rPr lang="en-US" i="0" dirty="0" smtClean="0"/>
+              <a:rPr lang="en-US" i="0" dirty="0"/>
               <a:t>Transaction 1 Flow – Black</a:t>
             </a:r>
-            <a:endParaRPr lang="en-US" i="0" dirty="0"/>
           </a:p>
         </p:txBody>
       </p:sp>
@@ -14924,7 +14882,7 @@
               <a:tabLst/>
             </a:pPr>
             <a:r>
-              <a:rPr kumimoji="0" lang="en-US" sz="1300" b="1" i="0" u="none" strike="noStrike" cap="none" normalizeH="0" baseline="0" dirty="0" smtClean="0">
+              <a:rPr kumimoji="0" lang="en-US" sz="1300" b="1" i="0" u="none" strike="noStrike" cap="none" normalizeH="0" baseline="0" dirty="0">
                 <a:ln>
                   <a:noFill/>
                 </a:ln>
@@ -14938,7 +14896,7 @@
               <a:t>What happens if</a:t>
             </a:r>
             <a:r>
-              <a:rPr kumimoji="0" lang="en-US" sz="1300" b="1" i="0" u="none" strike="noStrike" cap="none" normalizeH="0" dirty="0" smtClean="0">
+              <a:rPr kumimoji="0" lang="en-US" sz="1300" b="1" i="0" u="none" strike="noStrike" cap="none" normalizeH="0" dirty="0">
                 <a:ln>
                   <a:noFill/>
                 </a:ln>
@@ -14952,7 +14910,7 @@
               <a:t> this </a:t>
             </a:r>
             <a:r>
-              <a:rPr kumimoji="0" lang="en-US" sz="1300" b="1" i="0" u="none" strike="noStrike" cap="none" normalizeH="0" dirty="0" err="1" smtClean="0">
+              <a:rPr kumimoji="0" lang="en-US" sz="1300" b="1" i="0" u="none" strike="noStrike" cap="none" normalizeH="0" dirty="0" err="1">
                 <a:ln>
                   <a:noFill/>
                 </a:ln>
@@ -14966,7 +14924,7 @@
               <a:t>mS</a:t>
             </a:r>
             <a:r>
-              <a:rPr kumimoji="0" lang="en-US" sz="1300" b="1" i="0" u="none" strike="noStrike" cap="none" normalizeH="0" dirty="0" smtClean="0">
+              <a:rPr kumimoji="0" lang="en-US" sz="1300" b="1" i="0" u="none" strike="noStrike" cap="none" normalizeH="0" dirty="0">
                 <a:ln>
                   <a:noFill/>
                 </a:ln>
@@ -14980,7 +14938,7 @@
               <a:t> is in </a:t>
             </a:r>
             <a:r>
-              <a:rPr kumimoji="0" lang="en-US" sz="1300" b="1" i="0" u="none" strike="noStrike" cap="none" normalizeH="0" dirty="0" smtClean="0">
+              <a:rPr kumimoji="0" lang="en-US" sz="1300" b="1" i="0" u="none" strike="noStrike" cap="none" normalizeH="0" dirty="0">
                 <a:ln>
                   <a:noFill/>
                 </a:ln>
@@ -14994,7 +14952,7 @@
               <a:t>failed state</a:t>
             </a:r>
             <a:r>
-              <a:rPr kumimoji="0" lang="en-US" sz="1300" b="1" i="0" u="none" strike="noStrike" cap="none" normalizeH="0" dirty="0" smtClean="0">
+              <a:rPr kumimoji="0" lang="en-US" sz="1300" b="1" i="0" u="none" strike="noStrike" cap="none" normalizeH="0" dirty="0">
                 <a:ln>
                   <a:noFill/>
                 </a:ln>
@@ -15007,7 +14965,7 @@
               </a:rPr>
               <a:t>…??</a:t>
             </a:r>
-            <a:endParaRPr kumimoji="0" lang="en-US" sz="1300" b="1" i="0" u="none" strike="noStrike" cap="none" normalizeH="0" baseline="0" dirty="0" smtClean="0">
+            <a:endParaRPr kumimoji="0" lang="en-US" sz="1300" b="1" i="0" u="none" strike="noStrike" cap="none" normalizeH="0" baseline="0" dirty="0">
               <a:ln>
                 <a:noFill/>
               </a:ln>
@@ -15044,15 +15002,7 @@
           <a:p>
             <a:r>
               <a:rPr lang="en-US" i="0" dirty="0"/>
-              <a:t>There will be </a:t>
-            </a:r>
-            <a:r>
-              <a:rPr lang="en-US" i="0" dirty="0" smtClean="0"/>
-              <a:t>ripple </a:t>
-            </a:r>
-            <a:r>
-              <a:rPr lang="en-US" i="0" dirty="0"/>
-              <a:t>effect of this failure resulting in cascading failures and thus failure in business transaction</a:t>
+              <a:t>There will be ripple effect of this failure resulting in cascading failures and thus failure in business transaction</a:t>
             </a:r>
           </a:p>
         </p:txBody>
@@ -15068,13 +15018,6 @@
     <a:masterClrMapping/>
   </p:clrMapOvr>
   <p:transition spd="slow"/>
-  <p:timing>
-    <p:tnLst>
-      <p:par>
-        <p:cTn id="1" dur="indefinite" restart="never" nodeType="tmRoot"/>
-      </p:par>
-    </p:tnLst>
-  </p:timing>
 </p:sld>
 </file>
 
@@ -15111,10 +15054,9 @@
           <a:lstStyle/>
           <a:p>
             <a:r>
-              <a:rPr lang="en-US" dirty="0" smtClean="0"/>
+              <a:rPr lang="en-US" dirty="0"/>
               <a:t>What else can happen when failure ? </a:t>
             </a:r>
-            <a:endParaRPr lang="en-US" dirty="0"/>
           </a:p>
         </p:txBody>
       </p:sp>
@@ -15137,27 +15079,17 @@
               <a:rPr lang="en-US" dirty="0"/>
               <a:t>When dealing with remote services or APIs there is always the risk of latency issues, failures or connection losses. </a:t>
             </a:r>
-            <a:endParaRPr lang="en-US" dirty="0" smtClean="0"/>
-          </a:p>
-          <a:p>
-            <a:r>
-              <a:rPr lang="en-US" dirty="0" smtClean="0"/>
-              <a:t>The </a:t>
-            </a:r>
+          </a:p>
+          <a:p>
             <a:r>
               <a:rPr lang="en-US" dirty="0"/>
-              <a:t>worst thing to happen is when the remote service is down and our application hangs until the underlying protocol’s (e.g. TCP) connection timeout is reached and we’re receiving an exception. </a:t>
-            </a:r>
-            <a:endParaRPr lang="en-US" dirty="0" smtClean="0"/>
-          </a:p>
-          <a:p>
-            <a:r>
-              <a:rPr lang="en-US" dirty="0" smtClean="0"/>
-              <a:t>Until </a:t>
-            </a:r>
+              <a:t>The worst thing to happen is when the remote service is down and our application hangs until the underlying protocol’s (e.g. TCP) connection timeout is reached and we’re receiving an exception. </a:t>
+            </a:r>
+          </a:p>
+          <a:p>
             <a:r>
               <a:rPr lang="en-US" dirty="0"/>
-              <a:t>this moment is reached, our application might hang, memory is allocated for threads or bound objects and at last, our continuous requests might prevent the remote system from recovering.</a:t>
+              <a:t>Until this moment is reached, our application might hang, memory is allocated for threads or bound objects and at last, our continuous requests might prevent the remote system from recovering.</a:t>
             </a:r>
           </a:p>
         </p:txBody>
@@ -15202,13 +15134,6 @@
     <a:masterClrMapping/>
   </p:clrMapOvr>
   <p:transition spd="slow"/>
-  <p:timing>
-    <p:tnLst>
-      <p:par>
-        <p:cTn id="1" dur="indefinite" restart="never" nodeType="tmRoot"/>
-      </p:par>
-    </p:tnLst>
-  </p:timing>
 </p:sld>
 </file>
 
@@ -15251,11 +15176,11 @@
           <a:p>
             <a:pPr eaLnBrk="1" hangingPunct="1"/>
             <a:r>
-              <a:rPr lang="en-US" dirty="0" err="1" smtClean="0"/>
+              <a:rPr lang="en-US" dirty="0" err="1"/>
               <a:t>Hystrix</a:t>
             </a:r>
             <a:r>
-              <a:rPr lang="en-US" dirty="0" smtClean="0"/>
+              <a:rPr lang="en-US" dirty="0"/>
               <a:t>……What??</a:t>
             </a:r>
           </a:p>
@@ -15393,7 +15318,7 @@
               <a:pPr/>
               <a:t>5</a:t>
             </a:fld>
-            <a:endParaRPr lang="en-US" i="0" smtClean="0">
+            <a:endParaRPr lang="en-US" i="0">
               <a:solidFill>
                 <a:schemeClr val="bg1"/>
               </a:solidFill>
@@ -15668,18 +15593,17 @@
           </a:lstStyle>
           <a:p>
             <a:r>
-              <a:rPr lang="en-US" i="0" dirty="0" smtClean="0"/>
+              <a:rPr lang="en-US" i="0" dirty="0"/>
               <a:t>Solution is </a:t>
             </a:r>
             <a:r>
-              <a:rPr lang="en-US" i="0" dirty="0" err="1" smtClean="0"/>
+              <a:rPr lang="en-US" i="0" dirty="0" err="1"/>
               <a:t>Hystrix</a:t>
             </a:r>
             <a:r>
-              <a:rPr lang="en-US" i="0" dirty="0" smtClean="0"/>
+              <a:rPr lang="en-US" i="0" dirty="0"/>
               <a:t>…</a:t>
             </a:r>
-            <a:endParaRPr lang="en-US" i="0" dirty="0"/>
           </a:p>
         </p:txBody>
       </p:sp>
@@ -15749,13 +15673,6 @@
     <a:masterClrMapping/>
   </p:clrMapOvr>
   <p:transition spd="slow"/>
-  <p:timing>
-    <p:tnLst>
-      <p:par>
-        <p:cTn id="1" dur="indefinite" restart="never" nodeType="tmRoot"/>
-      </p:par>
-    </p:tnLst>
-  </p:timing>
 </p:sld>
 </file>
 
@@ -15922,7 +15839,7 @@
               <a:tabLst/>
             </a:pPr>
             <a:r>
-              <a:rPr kumimoji="0" lang="en-US" sz="1800" b="0" i="1" u="none" strike="noStrike" cap="none" normalizeH="0" baseline="0" dirty="0" smtClean="0">
+              <a:rPr kumimoji="0" lang="en-US" sz="1800" b="0" i="1" u="none" strike="noStrike" cap="none" normalizeH="0" baseline="0" dirty="0">
                 <a:ln>
                   <a:noFill/>
                 </a:ln>
@@ -15936,7 +15853,7 @@
               <a:t>Its all about </a:t>
             </a:r>
             <a:r>
-              <a:rPr kumimoji="0" lang="en-US" sz="1800" b="1" i="0" u="none" strike="noStrike" cap="none" normalizeH="0" baseline="0" dirty="0" smtClean="0">
+              <a:rPr kumimoji="0" lang="en-US" sz="1800" b="1" i="0" u="none" strike="noStrike" cap="none" normalizeH="0" baseline="0" dirty="0">
                 <a:ln>
                   <a:noFill/>
                 </a:ln>
@@ -15996,14 +15913,16 @@
           <a:lstStyle/>
           <a:p>
             <a:r>
-              <a:rPr lang="en-US" sz="900" i="0" dirty="0" smtClean="0">
+              <a:rPr lang="en-US" sz="900" i="0" dirty="0">
                 <a:solidFill>
                   <a:srgbClr val="333333"/>
                 </a:solidFill>
                 <a:latin typeface="SegoeUI-Light"/>
               </a:rPr>
-              <a:t>What is Resilience ? 1</a:t>
-            </a:r>
+              <a:t>What is Resilience ? 1. the power or ability to return to the original form, position, etc., after being bent, compressed, or stretched; elasticity.</a:t>
+            </a:r>
+          </a:p>
+          <a:p>
             <a:r>
               <a:rPr lang="en-US" sz="900" i="0" dirty="0">
                 <a:solidFill>
@@ -16011,54 +15930,7 @@
                 </a:solidFill>
                 <a:latin typeface="SegoeUI-Light"/>
               </a:rPr>
-              <a:t>. the power or ability to return to the original form, position</a:t>
-            </a:r>
-            <a:r>
-              <a:rPr lang="en-US" sz="900" i="0" dirty="0" smtClean="0">
-                <a:solidFill>
-                  <a:srgbClr val="333333"/>
-                </a:solidFill>
-                <a:latin typeface="SegoeUI-Light"/>
-              </a:rPr>
-              <a:t>, etc</a:t>
-            </a:r>
-            <a:r>
-              <a:rPr lang="en-US" sz="900" i="0" dirty="0">
-                <a:solidFill>
-                  <a:srgbClr val="333333"/>
-                </a:solidFill>
-                <a:latin typeface="SegoeUI-Light"/>
-              </a:rPr>
-              <a:t>., after being bent, compressed, or stretched; elasticity.</a:t>
-            </a:r>
-          </a:p>
-          <a:p>
-            <a:r>
-              <a:rPr lang="en-US" sz="900" i="0" dirty="0">
-                <a:solidFill>
-                  <a:srgbClr val="333333"/>
-                </a:solidFill>
-                <a:latin typeface="SegoeUI-Light"/>
-              </a:rPr>
-              <a:t>2. ability to recover readily from illness, depression, adversity</a:t>
-            </a:r>
-            <a:r>
-              <a:rPr lang="en-US" sz="900" i="0" dirty="0" smtClean="0">
-                <a:solidFill>
-                  <a:srgbClr val="333333"/>
-                </a:solidFill>
-                <a:latin typeface="SegoeUI-Light"/>
-              </a:rPr>
-              <a:t>, or </a:t>
-            </a:r>
-            <a:r>
-              <a:rPr lang="en-US" sz="900" i="0" dirty="0">
-                <a:solidFill>
-                  <a:srgbClr val="333333"/>
-                </a:solidFill>
-                <a:latin typeface="SegoeUI-Light"/>
-              </a:rPr>
-              <a:t>the like; buoyancy.</a:t>
+              <a:t>2. ability to recover readily from illness, depression, adversity, or the like; buoyancy.</a:t>
             </a:r>
             <a:endParaRPr lang="en-US" sz="900" dirty="0"/>
           </a:p>
@@ -16090,7 +15962,7 @@
               <a:buChar char="•"/>
             </a:pPr>
             <a:r>
-              <a:rPr lang="en-US" i="0" dirty="0" err="1" smtClean="0">
+              <a:rPr lang="en-US" i="0" dirty="0" err="1">
                 <a:solidFill>
                   <a:srgbClr val="222222"/>
                 </a:solidFill>
@@ -16099,40 +15971,22 @@
               <a:t>Hystrix</a:t>
             </a:r>
             <a:r>
-              <a:rPr lang="en-US" i="0" dirty="0" smtClean="0">
+              <a:rPr lang="en-US" i="0" dirty="0">
                 <a:solidFill>
                   <a:srgbClr val="222222"/>
                 </a:solidFill>
                 <a:latin typeface="Lato-Regular"/>
               </a:rPr>
-              <a:t> is a Java </a:t>
-            </a:r>
-            <a:r>
-              <a:rPr lang="en-US" i="0" dirty="0">
+              <a:t> is a Java library, implementation of </a:t>
+            </a:r>
+            <a:r>
+              <a:rPr lang="en-US" i="0">
                 <a:solidFill>
                   <a:srgbClr val="222222"/>
                 </a:solidFill>
                 <a:latin typeface="Lato-Regular"/>
               </a:rPr>
-              <a:t>library, implementation of </a:t>
-            </a:r>
-            <a:r>
-              <a:rPr lang="en-US" i="0">
-                <a:solidFill>
-                  <a:srgbClr val="222222"/>
-                </a:solidFill>
-                <a:latin typeface="Lato-Regular"/>
-              </a:rPr>
-              <a:t>resilience </a:t>
-            </a:r>
-            <a:r>
-              <a:rPr lang="en-US" i="0" smtClean="0">
-                <a:solidFill>
-                  <a:srgbClr val="222222"/>
-                </a:solidFill>
-                <a:latin typeface="Lato-Regular"/>
-              </a:rPr>
-              <a:t>patterns.</a:t>
+              <a:t>resilience patterns.</a:t>
             </a:r>
             <a:endParaRPr lang="en-US" i="0" dirty="0">
               <a:solidFill>
@@ -16147,31 +16001,13 @@
               <a:buChar char="•"/>
             </a:pPr>
             <a:r>
-              <a:rPr lang="en-US" i="0" dirty="0" smtClean="0">
+              <a:rPr lang="en-US" i="0" dirty="0">
                 <a:solidFill>
                   <a:srgbClr val="222222"/>
                 </a:solidFill>
                 <a:latin typeface="Lato-Regular"/>
               </a:rPr>
-              <a:t>Built</a:t>
-            </a:r>
-            <a:r>
-              <a:rPr lang="en-US" i="0" dirty="0">
-                <a:solidFill>
-                  <a:srgbClr val="222222"/>
-                </a:solidFill>
-                <a:latin typeface="Lato-Regular"/>
-              </a:rPr>
-              <a:t>, heavily tested &amp; used in production by </a:t>
-            </a:r>
-            <a:r>
-              <a:rPr lang="en-US" i="0" dirty="0" smtClean="0">
-                <a:solidFill>
-                  <a:srgbClr val="222222"/>
-                </a:solidFill>
-                <a:latin typeface="Lato-Regular"/>
-              </a:rPr>
-              <a:t>Netflix</a:t>
+              <a:t>Built, heavily tested &amp; used in production by Netflix</a:t>
             </a:r>
           </a:p>
         </p:txBody>
@@ -16213,25 +16049,7 @@
                 </a:solidFill>
                 <a:latin typeface="Lato-Regular"/>
               </a:rPr>
-              <a:t>: fault tolerant/robust self-healing </a:t>
-            </a:r>
-            <a:r>
-              <a:rPr lang="en-US" i="0" dirty="0" smtClean="0">
-                <a:solidFill>
-                  <a:srgbClr val="222222"/>
-                </a:solidFill>
-                <a:latin typeface="Lato-Regular"/>
-              </a:rPr>
-              <a:t>applications with zero </a:t>
-            </a:r>
-            <a:r>
-              <a:rPr lang="en-US" i="0" dirty="0">
-                <a:solidFill>
-                  <a:srgbClr val="222222"/>
-                </a:solidFill>
-                <a:latin typeface="Lato-Regular"/>
-              </a:rPr>
-              <a:t>downtime</a:t>
+              <a:t>: fault tolerant/robust self-healing applications with zero downtime</a:t>
             </a:r>
             <a:endParaRPr lang="en-US" dirty="0"/>
           </a:p>
@@ -16248,13 +16066,6 @@
     <a:masterClrMapping/>
   </p:clrMapOvr>
   <p:transition spd="slow"/>
-  <p:timing>
-    <p:tnLst>
-      <p:par>
-        <p:cTn id="1" dur="indefinite" restart="never" nodeType="tmRoot"/>
-      </p:par>
-    </p:tnLst>
-  </p:timing>
 </p:sld>
 </file>
 
@@ -16291,14 +16102,13 @@
           <a:lstStyle/>
           <a:p>
             <a:r>
-              <a:rPr lang="en-US" dirty="0" err="1" smtClean="0"/>
+              <a:rPr lang="en-US" dirty="0" err="1"/>
               <a:t>Hystrix</a:t>
             </a:r>
             <a:r>
-              <a:rPr lang="en-US" dirty="0" smtClean="0"/>
+              <a:rPr lang="en-US" dirty="0"/>
               <a:t> and its history…</a:t>
             </a:r>
-            <a:endParaRPr lang="en-US" dirty="0"/>
           </a:p>
         </p:txBody>
       </p:sp>
@@ -16366,13 +16176,6 @@
     <a:masterClrMapping/>
   </p:clrMapOvr>
   <p:transition spd="slow"/>
-  <p:timing>
-    <p:tnLst>
-      <p:par>
-        <p:cTn id="1" dur="indefinite" restart="never" nodeType="tmRoot"/>
-      </p:par>
-    </p:tnLst>
-  </p:timing>
 </p:sld>
 </file>
 
@@ -16409,19 +16212,19 @@
           <a:lstStyle/>
           <a:p>
             <a:r>
-              <a:rPr lang="en-US" dirty="0" smtClean="0"/>
+              <a:rPr lang="en-US" dirty="0"/>
               <a:t>Solution design patterns for </a:t>
             </a:r>
             <a:r>
-              <a:rPr lang="en-US" dirty="0" err="1" smtClean="0"/>
+              <a:rPr lang="en-US" dirty="0" err="1"/>
               <a:t>mS</a:t>
             </a:r>
             <a:r>
-              <a:rPr lang="en-US" dirty="0" smtClean="0"/>
+              <a:rPr lang="en-US" dirty="0"/>
               <a:t> </a:t>
             </a:r>
             <a:r>
-              <a:rPr lang="en-US" dirty="0" err="1" smtClean="0"/>
+              <a:rPr lang="en-US" dirty="0" err="1"/>
               <a:t>Resiliance</a:t>
             </a:r>
             <a:endParaRPr lang="en-US" dirty="0"/>
@@ -16449,14 +16252,14 @@
           <a:lstStyle/>
           <a:p>
             <a:r>
-              <a:rPr lang="en-US" dirty="0" smtClean="0"/>
+              <a:rPr lang="en-US" dirty="0"/>
               <a:t>Supported patterns by  </a:t>
             </a:r>
             <a:r>
-              <a:rPr lang="en-US" dirty="0" err="1" smtClean="0"/>
+              <a:rPr lang="en-US" dirty="0" err="1"/>
               <a:t>Hystrix</a:t>
             </a:r>
-            <a:endParaRPr lang="en-US" dirty="0" smtClean="0"/>
+            <a:endParaRPr lang="en-US" dirty="0"/>
           </a:p>
           <a:p>
             <a:pPr lvl="1"/>
@@ -16470,22 +16273,14 @@
             </a:r>
             <a:r>
               <a:rPr lang="en-US" dirty="0"/>
-              <a:t>to avoid cascading </a:t>
-            </a:r>
-            <a:r>
-              <a:rPr lang="en-US" dirty="0" smtClean="0"/>
-              <a:t>failures</a:t>
+              <a:t>to avoid cascading failures</a:t>
             </a:r>
           </a:p>
           <a:p>
             <a:pPr lvl="1"/>
             <a:r>
-              <a:rPr lang="en-US" dirty="0" smtClean="0"/>
-              <a:t>Bulkheads : </a:t>
-            </a:r>
-            <a:r>
               <a:rPr lang="en-US" dirty="0"/>
-              <a:t>The bulkhead implementation in </a:t>
+              <a:t>Bulkheads : The bulkhead implementation in </a:t>
             </a:r>
             <a:r>
               <a:rPr lang="en-US" dirty="0" err="1"/>
@@ -16504,16 +16299,12 @@
               <a:t>. This way, the number of resources (typically threads) that is waiting for a reply from the component is limited. </a:t>
             </a:r>
             <a:r>
-              <a:rPr lang="en-US" dirty="0" err="1" smtClean="0"/>
+              <a:rPr lang="en-US" dirty="0" err="1"/>
               <a:t>Hystrix</a:t>
             </a:r>
             <a:r>
-              <a:rPr lang="en-US" dirty="0" smtClean="0"/>
-              <a:t> </a:t>
-            </a:r>
-            <a:r>
               <a:rPr lang="en-US" dirty="0"/>
-              <a:t>has two different approaches to the </a:t>
+              <a:t> has two different approaches to the </a:t>
             </a:r>
             <a:r>
               <a:rPr lang="en-US" b="1" dirty="0"/>
@@ -16539,50 +16330,48 @@
               <a:rPr lang="en-US" dirty="0"/>
               <a:t>.</a:t>
             </a:r>
-            <a:endParaRPr lang="en-US" dirty="0" smtClean="0"/>
           </a:p>
           <a:p>
             <a:pPr lvl="1"/>
             <a:r>
-              <a:rPr lang="en-US" dirty="0" smtClean="0"/>
+              <a:rPr lang="en-US" dirty="0"/>
               <a:t>Fail fast</a:t>
             </a:r>
           </a:p>
           <a:p>
             <a:pPr lvl="1"/>
             <a:r>
-              <a:rPr lang="en-US" dirty="0" smtClean="0"/>
+              <a:rPr lang="en-US" dirty="0"/>
               <a:t>Graceful degradation of Service </a:t>
             </a:r>
           </a:p>
           <a:p>
             <a:pPr lvl="1"/>
             <a:r>
-              <a:rPr lang="en-US" dirty="0" smtClean="0"/>
+              <a:rPr lang="en-US" dirty="0"/>
               <a:t>Failover </a:t>
             </a:r>
           </a:p>
           <a:p>
             <a:pPr lvl="1"/>
             <a:r>
-              <a:rPr lang="en-US" dirty="0" smtClean="0"/>
+              <a:rPr lang="en-US" dirty="0"/>
               <a:t>Escalation</a:t>
             </a:r>
           </a:p>
           <a:p>
             <a:pPr lvl="1"/>
             <a:r>
-              <a:rPr lang="en-US" dirty="0" smtClean="0"/>
+              <a:rPr lang="en-US" dirty="0"/>
               <a:t>Retry</a:t>
             </a:r>
           </a:p>
           <a:p>
             <a:pPr lvl="1"/>
             <a:r>
-              <a:rPr lang="en-US" dirty="0" smtClean="0"/>
+              <a:rPr lang="en-US" dirty="0"/>
               <a:t>….and so on </a:t>
             </a:r>
-            <a:endParaRPr lang="en-US" dirty="0"/>
           </a:p>
         </p:txBody>
       </p:sp>
@@ -16626,13 +16415,6 @@
     <a:masterClrMapping/>
   </p:clrMapOvr>
   <p:transition spd="slow"/>
-  <p:timing>
-    <p:tnLst>
-      <p:par>
-        <p:cTn id="1" dur="indefinite" restart="never" nodeType="tmRoot"/>
-      </p:par>
-    </p:tnLst>
-  </p:timing>
 </p:sld>
 </file>
 
@@ -16655,7 +16437,13 @@
       </p:grpSpPr>
       <p:sp>
         <p:nvSpPr>
-          <p:cNvPr id="2" name="Title 1"/>
+          <p:cNvPr id="2" name="Title 1">
+            <a:extLst>
+              <a:ext uri="{FF2B5EF4-FFF2-40B4-BE49-F238E27FC236}">
+                <a16:creationId xmlns:a16="http://schemas.microsoft.com/office/drawing/2014/main" id="{BADB3E0B-2A08-4EEC-8805-C3208C18BE3C}"/>
+              </a:ext>
+            </a:extLst>
+          </p:cNvPr>
           <p:cNvSpPr>
             <a:spLocks noGrp="1"/>
           </p:cNvSpPr>
@@ -16669,16 +16457,21 @@
           <a:lstStyle/>
           <a:p>
             <a:r>
-              <a:rPr lang="en-US" dirty="0" smtClean="0"/>
-              <a:t>Circuit breaker</a:t>
-            </a:r>
-            <a:endParaRPr lang="en-US" dirty="0"/>
+              <a:rPr lang="en-US" dirty="0"/>
+              <a:t>Why not Try-Catch</a:t>
+            </a:r>
           </a:p>
         </p:txBody>
       </p:sp>
       <p:sp>
         <p:nvSpPr>
-          <p:cNvPr id="4" name="Slide Number Placeholder 3"/>
+          <p:cNvPr id="4" name="Slide Number Placeholder 3">
+            <a:extLst>
+              <a:ext uri="{FF2B5EF4-FFF2-40B4-BE49-F238E27FC236}">
+                <a16:creationId xmlns:a16="http://schemas.microsoft.com/office/drawing/2014/main" id="{23BD9AA8-4C83-4852-AB42-0983C7536480}"/>
+              </a:ext>
+            </a:extLst>
+          </p:cNvPr>
           <p:cNvSpPr>
             <a:spLocks noGrp="1"/>
           </p:cNvSpPr>
@@ -16705,219 +16498,292 @@
           </a:p>
         </p:txBody>
       </p:sp>
-      <p:pic>
-        <p:nvPicPr>
-          <p:cNvPr id="2050" name="Picture 2" descr="Image result for circuit breaker"/>
-          <p:cNvPicPr>
-            <a:picLocks noGrp="1" noChangeAspect="1" noChangeArrowheads="1"/>
-          </p:cNvPicPr>
+      <p:sp>
+        <p:nvSpPr>
+          <p:cNvPr id="5" name="Rectangle 1">
+            <a:extLst>
+              <a:ext uri="{FF2B5EF4-FFF2-40B4-BE49-F238E27FC236}">
+                <a16:creationId xmlns:a16="http://schemas.microsoft.com/office/drawing/2014/main" id="{45E8B287-6A7E-4F40-A0AA-41148CC3DCA2}"/>
+              </a:ext>
+            </a:extLst>
+          </p:cNvPr>
+          <p:cNvSpPr>
+            <a:spLocks noGrp="1" noChangeArrowheads="1"/>
+          </p:cNvSpPr>
           <p:nvPr>
             <p:ph idx="1"/>
           </p:nvPr>
-        </p:nvPicPr>
-        <p:blipFill>
-          <a:blip r:embed="rId2" cstate="print">
-            <a:extLst>
-              <a:ext uri="{28A0092B-C50C-407E-A947-70E740481C1C}">
-                <a14:useLocalDpi xmlns:a14="http://schemas.microsoft.com/office/drawing/2010/main" val="0"/>
-              </a:ext>
-            </a:extLst>
-          </a:blip>
-          <a:srcRect/>
-          <a:stretch>
-            <a:fillRect/>
-          </a:stretch>
-        </p:blipFill>
+        </p:nvSpPr>
         <p:spPr bwMode="auto">
           <a:xfrm>
-            <a:off x="7284904" y="470703"/>
-            <a:ext cx="1810544" cy="1810544"/>
+            <a:off x="457200" y="1676400"/>
+            <a:ext cx="8229600" cy="3847207"/>
           </a:xfrm>
           <a:prstGeom prst="rect">
             <a:avLst/>
           </a:prstGeom>
           <a:noFill/>
+          <a:ln>
+            <a:noFill/>
+          </a:ln>
+          <a:effectLst/>
           <a:extLst>
             <a:ext uri="{909E8E84-426E-40DD-AFC4-6F175D3DCCD1}">
               <a14:hiddenFill xmlns:a14="http://schemas.microsoft.com/office/drawing/2010/main">
                 <a:solidFill>
-                  <a:srgbClr val="FFFFFF"/>
+                  <a:schemeClr val="accent1"/>
                 </a:solidFill>
               </a14:hiddenFill>
+            </a:ext>
+            <a:ext uri="{91240B29-F687-4F45-9708-019B960494DF}">
+              <a14:hiddenLine xmlns:a14="http://schemas.microsoft.com/office/drawing/2010/main" w="9525">
+                <a:solidFill>
+                  <a:schemeClr val="tx1"/>
+                </a:solidFill>
+                <a:miter lim="800000"/>
+                <a:headEnd/>
+                <a:tailEnd/>
+              </a14:hiddenLine>
+            </a:ext>
+            <a:ext uri="{AF507438-7753-43E0-B8FC-AC1667EBCBE1}">
+              <a14:hiddenEffects xmlns:a14="http://schemas.microsoft.com/office/drawing/2010/main">
+                <a:effectLst>
+                  <a:outerShdw dist="35921" dir="2700000" algn="ctr" rotWithShape="0">
+                    <a:schemeClr val="bg2"/>
+                  </a:outerShdw>
+                </a:effectLst>
+              </a14:hiddenEffects>
             </a:ext>
           </a:extLst>
         </p:spPr>
-      </p:pic>
-      <p:sp>
-        <p:nvSpPr>
-          <p:cNvPr id="5" name="Rectangle 4"/>
-          <p:cNvSpPr/>
-          <p:nvPr/>
-        </p:nvSpPr>
-        <p:spPr>
-          <a:xfrm>
-            <a:off x="228600" y="1720840"/>
-            <a:ext cx="7086600" cy="2862322"/>
-          </a:xfrm>
-          <a:prstGeom prst="rect">
-            <a:avLst/>
-          </a:prstGeom>
-        </p:spPr>
         <p:txBody>
-          <a:bodyPr wrap="square">
+          <a:bodyPr vert="horz" wrap="square" lIns="91440" tIns="45720" rIns="91440" bIns="45720" numCol="1" anchor="ctr" anchorCtr="0" compatLnSpc="1">
+            <a:prstTxWarp prst="textNoShape">
+              <a:avLst/>
+            </a:prstTxWarp>
             <a:spAutoFit/>
           </a:bodyPr>
           <a:lstStyle/>
           <a:p>
-            <a:pPr marL="285750" indent="-285750">
-              <a:buFont typeface="Arial" panose="020B0604020202020204" pitchFamily="34" charset="0"/>
-              <a:buChar char="•"/>
+            <a:pPr eaLnBrk="0" hangingPunct="0">
+              <a:lnSpc>
+                <a:spcPct val="100000"/>
+              </a:lnSpc>
+              <a:spcBef>
+                <a:spcPct val="0"/>
+              </a:spcBef>
+              <a:buClrTx/>
             </a:pPr>
             <a:r>
-              <a:rPr lang="en-US" i="0" dirty="0" smtClean="0"/>
-              <a:t>Like </a:t>
-            </a:r>
-            <a:r>
-              <a:rPr lang="en-US" i="0" dirty="0"/>
-              <a:t>our household circuit breaker detects failure conditions and </a:t>
-            </a:r>
-            <a:r>
-              <a:rPr lang="en-US" i="0" dirty="0">
-                <a:solidFill>
-                  <a:schemeClr val="tx2"/>
-                </a:solidFill>
+              <a:rPr kumimoji="0" lang="en-US" altLang="en-US" sz="1800" b="0" i="0" u="none" strike="noStrike" cap="none" normalizeH="0" baseline="0" dirty="0">
+                <a:ln>
+                  <a:noFill/>
+                </a:ln>
+                <a:solidFill>
+                  <a:schemeClr val="tx1"/>
+                </a:solidFill>
+                <a:effectLst/>
+                <a:latin typeface="Arial" panose="020B0604020202020204" pitchFamily="34" charset="0"/>
               </a:rPr>
-              <a:t>"opens" </a:t>
-            </a:r>
-            <a:r>
-              <a:rPr lang="en-US" i="0" dirty="0"/>
-              <a:t>to disallow further calls</a:t>
-            </a:r>
-            <a:r>
-              <a:rPr lang="en-US" i="0" dirty="0" smtClean="0"/>
+              <a:t>Yes, it can be simply wrapped under </a:t>
+            </a:r>
+            <a:r>
+              <a:rPr lang="en-US" altLang="en-US" dirty="0">
+                <a:latin typeface="Arial" panose="020B0604020202020204" pitchFamily="34" charset="0"/>
+              </a:rPr>
+              <a:t>try-catch block then why choose </a:t>
+            </a:r>
+            <a:r>
+              <a:rPr lang="en-US" altLang="en-US" dirty="0" err="1">
+                <a:latin typeface="Arial" panose="020B0604020202020204" pitchFamily="34" charset="0"/>
+              </a:rPr>
+              <a:t>Hystrix</a:t>
+            </a:r>
+            <a:r>
+              <a:rPr lang="en-US" altLang="en-US" dirty="0">
+                <a:latin typeface="Arial" panose="020B0604020202020204" pitchFamily="34" charset="0"/>
+              </a:rPr>
+              <a:t> or some other library? </a:t>
+            </a:r>
+          </a:p>
+          <a:p>
+            <a:pPr lvl="1" eaLnBrk="0" hangingPunct="0">
+              <a:lnSpc>
+                <a:spcPct val="100000"/>
+              </a:lnSpc>
+              <a:spcBef>
+                <a:spcPct val="0"/>
+              </a:spcBef>
+              <a:buClrTx/>
+            </a:pPr>
+            <a:r>
+              <a:rPr lang="en-US" altLang="en-US" dirty="0">
+                <a:latin typeface="Arial" panose="020B0604020202020204" pitchFamily="34" charset="0"/>
+              </a:rPr>
+              <a:t>Already test proven library. </a:t>
+            </a:r>
+          </a:p>
+          <a:p>
+            <a:pPr lvl="1" eaLnBrk="0" hangingPunct="0">
+              <a:lnSpc>
+                <a:spcPct val="100000"/>
+              </a:lnSpc>
+              <a:spcBef>
+                <a:spcPct val="0"/>
+              </a:spcBef>
+              <a:buClrTx/>
+            </a:pPr>
+            <a:r>
+              <a:rPr lang="en-US" altLang="en-US" dirty="0">
+                <a:latin typeface="Arial" panose="020B0604020202020204" pitchFamily="34" charset="0"/>
+              </a:rPr>
+              <a:t>Ability to skip original intended calls and fallback. </a:t>
+            </a:r>
+          </a:p>
+          <a:p>
+            <a:pPr lvl="1" eaLnBrk="0" hangingPunct="0">
+              <a:lnSpc>
+                <a:spcPct val="100000"/>
+              </a:lnSpc>
+              <a:spcBef>
+                <a:spcPct val="0"/>
+              </a:spcBef>
+              <a:buClrTx/>
+            </a:pPr>
+            <a:r>
+              <a:rPr lang="en-US" altLang="en-US" dirty="0">
+                <a:latin typeface="Arial" panose="020B0604020202020204" pitchFamily="34" charset="0"/>
+              </a:rPr>
+              <a:t>Note that if you wrap it under try-catch, there will be still be an attempt to connect and send command which will eventually timeout due to degraded dependency.</a:t>
+            </a:r>
+          </a:p>
+          <a:p>
+            <a:pPr lvl="1" eaLnBrk="0" hangingPunct="0">
+              <a:lnSpc>
+                <a:spcPct val="100000"/>
+              </a:lnSpc>
+              <a:spcBef>
+                <a:spcPct val="0"/>
+              </a:spcBef>
+              <a:buClrTx/>
+            </a:pPr>
+            <a:r>
+              <a:rPr lang="en-US" altLang="en-US" dirty="0">
+                <a:latin typeface="Arial" panose="020B0604020202020204" pitchFamily="34" charset="0"/>
+              </a:rPr>
+              <a:t>Knowing this information prior to call will enable to skip the calls for sometime (as per configuration) and you can save those </a:t>
+            </a:r>
+            <a:r>
+              <a:rPr lang="en-US" altLang="en-US" dirty="0">
+                <a:solidFill>
+                  <a:srgbClr val="FF0000"/>
+                </a:solidFill>
+                <a:latin typeface="Arial" panose="020B0604020202020204" pitchFamily="34" charset="0"/>
+              </a:rPr>
+              <a:t>resources</a:t>
+            </a:r>
+            <a:r>
+              <a:rPr lang="en-US" altLang="en-US" dirty="0">
+                <a:latin typeface="Arial" panose="020B0604020202020204" pitchFamily="34" charset="0"/>
+              </a:rPr>
               <a:t>.</a:t>
             </a:r>
           </a:p>
           <a:p>
-            <a:pPr marL="285750" indent="-285750">
-              <a:buFont typeface="Arial" panose="020B0604020202020204" pitchFamily="34" charset="0"/>
-              <a:buChar char="•"/>
+            <a:pPr lvl="1" eaLnBrk="0" hangingPunct="0">
+              <a:lnSpc>
+                <a:spcPct val="100000"/>
+              </a:lnSpc>
+              <a:spcBef>
+                <a:spcPct val="0"/>
+              </a:spcBef>
+              <a:buClrTx/>
             </a:pPr>
             <a:r>
-              <a:rPr lang="en-US" i="0" dirty="0" smtClean="0"/>
-              <a:t>When Error </a:t>
-            </a:r>
-            <a:r>
-              <a:rPr lang="en-US" i="0" dirty="0"/>
-              <a:t>rate hits the threshold, the circuit opens</a:t>
-            </a:r>
-            <a:endParaRPr lang="en-US" i="0" dirty="0" smtClean="0"/>
-          </a:p>
-          <a:p>
-            <a:pPr marL="742950" lvl="1" indent="-285750">
-              <a:buFont typeface="Arial" panose="020B0604020202020204" pitchFamily="34" charset="0"/>
-              <a:buChar char="•"/>
+              <a:rPr lang="en-US" altLang="en-US" dirty="0">
+                <a:latin typeface="Arial" panose="020B0604020202020204" pitchFamily="34" charset="0"/>
+              </a:rPr>
+              <a:t>Provides circuit breaking using Sliding Time Window as well </a:t>
+            </a:r>
+          </a:p>
+          <a:p>
+            <a:pPr lvl="1" eaLnBrk="0" hangingPunct="0">
+              <a:lnSpc>
+                <a:spcPct val="100000"/>
+              </a:lnSpc>
+              <a:spcBef>
+                <a:spcPct val="0"/>
+              </a:spcBef>
+              <a:buClrTx/>
             </a:pPr>
             <a:r>
-              <a:rPr lang="en-US" i="0" dirty="0" err="1" smtClean="0"/>
-              <a:t>Hystrix</a:t>
-            </a:r>
-            <a:r>
-              <a:rPr lang="en-US" i="0" dirty="0" smtClean="0"/>
-              <a:t> </a:t>
-            </a:r>
-            <a:r>
-              <a:rPr lang="en-US" i="0" dirty="0"/>
-              <a:t>defaults : 20 failures in 5 </a:t>
-            </a:r>
-            <a:r>
-              <a:rPr lang="en-US" i="0" dirty="0" smtClean="0"/>
-              <a:t>seconds</a:t>
-            </a:r>
-          </a:p>
-          <a:p>
-            <a:pPr marL="285750" indent="-285750">
-              <a:buFont typeface="Arial" panose="020B0604020202020204" pitchFamily="34" charset="0"/>
-              <a:buChar char="•"/>
+              <a:rPr lang="en-US" altLang="en-US" dirty="0">
+                <a:latin typeface="Arial" panose="020B0604020202020204" pitchFamily="34" charset="0"/>
+              </a:rPr>
+              <a:t>Metrics and Dashboarding provided Out of the Box which can help you peek into your system and dependent connection </a:t>
+            </a:r>
+          </a:p>
+          <a:p>
+            <a:pPr lvl="1" eaLnBrk="0" hangingPunct="0">
+              <a:lnSpc>
+                <a:spcPct val="100000"/>
+              </a:lnSpc>
+              <a:spcBef>
+                <a:spcPct val="0"/>
+              </a:spcBef>
+              <a:buClrTx/>
             </a:pPr>
             <a:r>
-              <a:rPr lang="en-US" i="0" dirty="0" smtClean="0"/>
-              <a:t>Identify </a:t>
-            </a:r>
-            <a:r>
-              <a:rPr lang="en-US" i="0" dirty="0">
-                <a:solidFill>
-                  <a:schemeClr val="tx2"/>
-                </a:solidFill>
+              <a:rPr lang="en-US" altLang="en-US" dirty="0">
+                <a:latin typeface="Arial" panose="020B0604020202020204" pitchFamily="34" charset="0"/>
               </a:rPr>
-              <a:t>"fallback" </a:t>
-            </a:r>
-            <a:r>
-              <a:rPr lang="en-US" i="0" dirty="0"/>
-              <a:t>- What to do in case of a service dependency failure </a:t>
-            </a:r>
-            <a:endParaRPr lang="en-US" i="0" dirty="0" smtClean="0"/>
-          </a:p>
-          <a:p>
-            <a:pPr marL="285750" indent="-285750">
-              <a:buFont typeface="Arial" panose="020B0604020202020204" pitchFamily="34" charset="0"/>
-              <a:buChar char="•"/>
+              <a:t>Implements </a:t>
+            </a:r>
+            <a:r>
+              <a:rPr lang="en-US" altLang="en-US" dirty="0" err="1">
+                <a:latin typeface="Arial" panose="020B0604020202020204" pitchFamily="34" charset="0"/>
+              </a:rPr>
+              <a:t>BulkHead</a:t>
+            </a:r>
+            <a:r>
+              <a:rPr lang="en-US" altLang="en-US" dirty="0">
+                <a:latin typeface="Arial" panose="020B0604020202020204" pitchFamily="34" charset="0"/>
+              </a:rPr>
+              <a:t> by using different Thread Pools </a:t>
+            </a:r>
+          </a:p>
+          <a:p>
+            <a:pPr lvl="1" eaLnBrk="0" hangingPunct="0">
+              <a:lnSpc>
+                <a:spcPct val="100000"/>
+              </a:lnSpc>
+              <a:spcBef>
+                <a:spcPct val="0"/>
+              </a:spcBef>
+              <a:buClrTx/>
             </a:pPr>
             <a:r>
-              <a:rPr lang="en-US" i="0" dirty="0" smtClean="0"/>
-              <a:t>Automatically </a:t>
-            </a:r>
-            <a:r>
-              <a:rPr lang="en-US" i="0" dirty="0">
-                <a:solidFill>
-                  <a:schemeClr val="tx2"/>
-                </a:solidFill>
+              <a:rPr lang="en-US" altLang="en-US" dirty="0">
+                <a:latin typeface="Arial" panose="020B0604020202020204" pitchFamily="34" charset="0"/>
               </a:rPr>
-              <a:t>"closes" </a:t>
-            </a:r>
-            <a:r>
-              <a:rPr lang="en-US" i="0" dirty="0"/>
-              <a:t>itself after interval </a:t>
-            </a:r>
-            <a:endParaRPr lang="en-US" i="0" dirty="0" smtClean="0"/>
-          </a:p>
-          <a:p>
-            <a:pPr marL="742950" lvl="1" indent="-285750">
-              <a:buFont typeface="Arial" panose="020B0604020202020204" pitchFamily="34" charset="0"/>
-              <a:buChar char="•"/>
+              <a:t>Lower maintenance cost </a:t>
+            </a:r>
+          </a:p>
+          <a:p>
+            <a:pPr lvl="1" eaLnBrk="0" hangingPunct="0">
+              <a:lnSpc>
+                <a:spcPct val="100000"/>
+              </a:lnSpc>
+              <a:spcBef>
+                <a:spcPct val="0"/>
+              </a:spcBef>
+              <a:buClrTx/>
             </a:pPr>
             <a:r>
-              <a:rPr lang="en-US" i="0" dirty="0" err="1" smtClean="0"/>
-              <a:t>Hystrix</a:t>
-            </a:r>
-            <a:r>
-              <a:rPr lang="en-US" i="0" dirty="0" smtClean="0"/>
-              <a:t> </a:t>
-            </a:r>
-            <a:r>
-              <a:rPr lang="en-US" i="0" dirty="0" err="1"/>
-              <a:t>defult</a:t>
-            </a:r>
-            <a:r>
-              <a:rPr lang="en-US" i="0" dirty="0"/>
-              <a:t> - 5 </a:t>
-            </a:r>
-            <a:r>
-              <a:rPr lang="en-US" i="0" dirty="0" smtClean="0"/>
-              <a:t>seconds</a:t>
-            </a:r>
-          </a:p>
-          <a:p>
-            <a:pPr marL="285750" indent="-285750">
-              <a:buFont typeface="Arial" panose="020B0604020202020204" pitchFamily="34" charset="0"/>
-              <a:buChar char="•"/>
-            </a:pPr>
-            <a:endParaRPr lang="en-US" i="0" dirty="0"/>
-          </a:p>
-          <a:p>
-            <a:r>
-              <a:rPr lang="en-US" i="0" dirty="0"/>
-              <a:t>		</a:t>
+              <a:rPr lang="en-US" altLang="en-US" dirty="0">
+                <a:latin typeface="Arial" panose="020B0604020202020204" pitchFamily="34" charset="0"/>
+              </a:rPr>
+              <a:t>Health check ability. It provides a health check class which plugins with Health monitoring APIs </a:t>
             </a:r>
           </a:p>
         </p:txBody>
@@ -16925,7 +16791,7 @@
     </p:spTree>
     <p:extLst>
       <p:ext uri="{BB962C8B-B14F-4D97-AF65-F5344CB8AC3E}">
-        <p14:creationId xmlns:p14="http://schemas.microsoft.com/office/powerpoint/2010/main" val="82730576"/>
+        <p14:creationId xmlns:p14="http://schemas.microsoft.com/office/powerpoint/2010/main" val="1953700407"/>
       </p:ext>
     </p:extLst>
   </p:cSld>
@@ -16933,13 +16799,6 @@
     <a:masterClrMapping/>
   </p:clrMapOvr>
   <p:transition spd="slow"/>
-  <p:timing>
-    <p:tnLst>
-      <p:par>
-        <p:cTn id="1" dur="indefinite" restart="never" nodeType="tmRoot"/>
-      </p:par>
-    </p:tnLst>
-  </p:timing>
 </p:sld>
 </file>
 

--- a/src/main/resources/SDT-Hystrix - V2.0.pptx
+++ b/src/main/resources/SDT-Hystrix - V2.0.pptx
@@ -12600,6 +12600,18 @@
             <a:endParaRPr lang="en-US" dirty="0"/>
           </a:p>
           <a:p>
+            <a:r>
+              <a:rPr lang="en-US">
+                <a:hlinkClick r:id="rId7"/>
+              </a:rPr>
+              <a:t>https://github.com/Netflix/Hystrix/issues/332</a:t>
+            </a:r>
+            <a:endParaRPr lang="en-US"/>
+          </a:p>
+          <a:p>
+            <a:endParaRPr lang="en-US" dirty="0"/>
+          </a:p>
+          <a:p>
             <a:endParaRPr lang="en-US" dirty="0"/>
           </a:p>
           <a:p>
@@ -12654,7 +12666,7 @@
           <p:nvPr/>
         </p:nvPicPr>
         <p:blipFill>
-          <a:blip r:embed="rId7">
+          <a:blip r:embed="rId8">
             <a:extLst>
               <a:ext uri="{28A0092B-C50C-407E-A947-70E740481C1C}">
                 <a14:useLocalDpi xmlns:a14="http://schemas.microsoft.com/office/drawing/2010/main" val="0"/>
